--- a/docs/images/architecture-diagram-sudo-serverless-wordpress.pptx
+++ b/docs/images/architecture-diagram-sudo-serverless-wordpress.pptx
@@ -106,6 +106,11 @@
       </a:defRPr>
     </a:lvl9pPr>
   </p:defaultTextStyle>
+  <p:extLst>
+    <p:ext uri="{EFAFB233-063F-42B5-8137-9DF3F51BA10A}">
+      <p15:sldGuideLst xmlns:p15="http://schemas.microsoft.com/office/powerpoint/2012/main"/>
+    </p:ext>
+  </p:extLst>
 </p:presentation>
 </file>
 

--- a/docs/images/architecture-diagram-sudo-serverless-wordpress.pptx
+++ b/docs/images/architecture-diagram-sudo-serverless-wordpress.pptx
@@ -8,6 +8,7 @@
     <p:sldId id="256" r:id="rId2"/>
     <p:sldId id="257" r:id="rId3"/>
     <p:sldId id="258" r:id="rId4"/>
+    <p:sldId id="259" r:id="rId5"/>
   </p:sldIdLst>
   <p:sldSz cx="13716000" cy="13716000"/>
   <p:notesSz cx="6858000" cy="9144000"/>
@@ -13404,10 +13405,5153 @@
           </a:extLst>
         </p:spPr>
       </p:pic>
+      <p:sp>
+        <p:nvSpPr>
+          <p:cNvPr id="71" name="TextBox 21">
+            <a:extLst>
+              <a:ext uri="{FF2B5EF4-FFF2-40B4-BE49-F238E27FC236}">
+                <a16:creationId xmlns:a16="http://schemas.microsoft.com/office/drawing/2014/main" id="{67790BF6-D675-44D0-BEB5-34CABB0B736B}"/>
+              </a:ext>
+            </a:extLst>
+          </p:cNvPr>
+          <p:cNvSpPr txBox="1">
+            <a:spLocks noChangeArrowheads="1"/>
+          </p:cNvSpPr>
+          <p:nvPr/>
+        </p:nvSpPr>
+        <p:spPr bwMode="auto">
+          <a:xfrm>
+            <a:off x="11163392" y="7098858"/>
+            <a:ext cx="1511300" cy="430887"/>
+          </a:xfrm>
+          <a:prstGeom prst="rect">
+            <a:avLst/>
+          </a:prstGeom>
+          <a:noFill/>
+          <a:ln>
+            <a:noFill/>
+          </a:ln>
+          <a:extLst>
+            <a:ext uri="{909E8E84-426E-40DD-AFC4-6F175D3DCCD1}">
+              <a14:hiddenFill xmlns:a14="http://schemas.microsoft.com/office/drawing/2010/main">
+                <a:solidFill>
+                  <a:srgbClr val="FFFFFF"/>
+                </a:solidFill>
+              </a14:hiddenFill>
+            </a:ext>
+            <a:ext uri="{91240B29-F687-4F45-9708-019B960494DF}">
+              <a14:hiddenLine xmlns:a14="http://schemas.microsoft.com/office/drawing/2010/main" w="9525">
+                <a:solidFill>
+                  <a:srgbClr val="000000"/>
+                </a:solidFill>
+                <a:miter lim="800000"/>
+                <a:headEnd/>
+                <a:tailEnd/>
+              </a14:hiddenLine>
+            </a:ext>
+          </a:extLst>
+        </p:spPr>
+        <p:txBody>
+          <a:bodyPr>
+            <a:spAutoFit/>
+          </a:bodyPr>
+          <a:lstStyle>
+            <a:lvl1pPr>
+              <a:defRPr>
+                <a:solidFill>
+                  <a:schemeClr val="tx1"/>
+                </a:solidFill>
+                <a:latin typeface="Calibri" panose="020F0502020204030204" pitchFamily="34" charset="0"/>
+              </a:defRPr>
+            </a:lvl1pPr>
+            <a:lvl2pPr marL="742950" indent="-285750">
+              <a:defRPr>
+                <a:solidFill>
+                  <a:schemeClr val="tx1"/>
+                </a:solidFill>
+                <a:latin typeface="Calibri" panose="020F0502020204030204" pitchFamily="34" charset="0"/>
+              </a:defRPr>
+            </a:lvl2pPr>
+            <a:lvl3pPr marL="1143000" indent="-228600">
+              <a:defRPr>
+                <a:solidFill>
+                  <a:schemeClr val="tx1"/>
+                </a:solidFill>
+                <a:latin typeface="Calibri" panose="020F0502020204030204" pitchFamily="34" charset="0"/>
+              </a:defRPr>
+            </a:lvl3pPr>
+            <a:lvl4pPr marL="1600200" indent="-228600">
+              <a:defRPr>
+                <a:solidFill>
+                  <a:schemeClr val="tx1"/>
+                </a:solidFill>
+                <a:latin typeface="Calibri" panose="020F0502020204030204" pitchFamily="34" charset="0"/>
+              </a:defRPr>
+            </a:lvl4pPr>
+            <a:lvl5pPr marL="2057400" indent="-228600">
+              <a:defRPr>
+                <a:solidFill>
+                  <a:schemeClr val="tx1"/>
+                </a:solidFill>
+                <a:latin typeface="Calibri" panose="020F0502020204030204" pitchFamily="34" charset="0"/>
+              </a:defRPr>
+            </a:lvl5pPr>
+            <a:lvl6pPr marL="2514600" indent="-228600" eaLnBrk="0" fontAlgn="base" hangingPunct="0">
+              <a:spcBef>
+                <a:spcPct val="0"/>
+              </a:spcBef>
+              <a:spcAft>
+                <a:spcPct val="0"/>
+              </a:spcAft>
+              <a:defRPr>
+                <a:solidFill>
+                  <a:schemeClr val="tx1"/>
+                </a:solidFill>
+                <a:latin typeface="Calibri" panose="020F0502020204030204" pitchFamily="34" charset="0"/>
+              </a:defRPr>
+            </a:lvl6pPr>
+            <a:lvl7pPr marL="2971800" indent="-228600" eaLnBrk="0" fontAlgn="base" hangingPunct="0">
+              <a:spcBef>
+                <a:spcPct val="0"/>
+              </a:spcBef>
+              <a:spcAft>
+                <a:spcPct val="0"/>
+              </a:spcAft>
+              <a:defRPr>
+                <a:solidFill>
+                  <a:schemeClr val="tx1"/>
+                </a:solidFill>
+                <a:latin typeface="Calibri" panose="020F0502020204030204" pitchFamily="34" charset="0"/>
+              </a:defRPr>
+            </a:lvl7pPr>
+            <a:lvl8pPr marL="3429000" indent="-228600" eaLnBrk="0" fontAlgn="base" hangingPunct="0">
+              <a:spcBef>
+                <a:spcPct val="0"/>
+              </a:spcBef>
+              <a:spcAft>
+                <a:spcPct val="0"/>
+              </a:spcAft>
+              <a:defRPr>
+                <a:solidFill>
+                  <a:schemeClr val="tx1"/>
+                </a:solidFill>
+                <a:latin typeface="Calibri" panose="020F0502020204030204" pitchFamily="34" charset="0"/>
+              </a:defRPr>
+            </a:lvl8pPr>
+            <a:lvl9pPr marL="3886200" indent="-228600" eaLnBrk="0" fontAlgn="base" hangingPunct="0">
+              <a:spcBef>
+                <a:spcPct val="0"/>
+              </a:spcBef>
+              <a:spcAft>
+                <a:spcPct val="0"/>
+              </a:spcAft>
+              <a:defRPr>
+                <a:solidFill>
+                  <a:schemeClr val="tx1"/>
+                </a:solidFill>
+                <a:latin typeface="Calibri" panose="020F0502020204030204" pitchFamily="34" charset="0"/>
+              </a:defRPr>
+            </a:lvl9pPr>
+          </a:lstStyle>
+          <a:p>
+            <a:pPr algn="ctr" eaLnBrk="1" hangingPunct="1"/>
+            <a:r>
+              <a:rPr lang="en-US" altLang="en-US" sz="1100" dirty="0">
+                <a:latin typeface="Arial" panose="020B0604020202020204" pitchFamily="34" charset="0"/>
+                <a:ea typeface="Amazon Ember" panose="020B0603020204020204" pitchFamily="34" charset="0"/>
+                <a:cs typeface="Arial" panose="020B0604020202020204" pitchFamily="34" charset="0"/>
+              </a:rPr>
+              <a:t>Amazon Aurora instance</a:t>
+            </a:r>
+          </a:p>
+        </p:txBody>
+      </p:sp>
+      <p:pic>
+        <p:nvPicPr>
+          <p:cNvPr id="72" name="Graphic 23">
+            <a:extLst>
+              <a:ext uri="{FF2B5EF4-FFF2-40B4-BE49-F238E27FC236}">
+                <a16:creationId xmlns:a16="http://schemas.microsoft.com/office/drawing/2014/main" id="{F80E6585-0443-4458-8224-08143C85AC9E}"/>
+              </a:ext>
+            </a:extLst>
+          </p:cNvPr>
+          <p:cNvPicPr>
+            <a:picLocks noChangeAspect="1" noChangeArrowheads="1"/>
+          </p:cNvPicPr>
+          <p:nvPr/>
+        </p:nvPicPr>
+        <p:blipFill>
+          <a:blip r:embed="rId28">
+            <a:extLst>
+              <a:ext uri="{28A0092B-C50C-407E-A947-70E740481C1C}">
+                <a14:useLocalDpi xmlns:a14="http://schemas.microsoft.com/office/drawing/2010/main" val="0"/>
+              </a:ext>
+            </a:extLst>
+          </a:blip>
+          <a:srcRect/>
+          <a:stretch>
+            <a:fillRect/>
+          </a:stretch>
+        </p:blipFill>
+        <p:spPr bwMode="auto">
+          <a:xfrm>
+            <a:off x="11742830" y="6641658"/>
+            <a:ext cx="457200" cy="457200"/>
+          </a:xfrm>
+          <a:prstGeom prst="rect">
+            <a:avLst/>
+          </a:prstGeom>
+          <a:noFill/>
+          <a:ln>
+            <a:noFill/>
+          </a:ln>
+          <a:extLst>
+            <a:ext uri="{909E8E84-426E-40DD-AFC4-6F175D3DCCD1}">
+              <a14:hiddenFill xmlns:a14="http://schemas.microsoft.com/office/drawing/2010/main">
+                <a:solidFill>
+                  <a:srgbClr val="FFFFFF"/>
+                </a:solidFill>
+              </a14:hiddenFill>
+            </a:ext>
+            <a:ext uri="{91240B29-F687-4F45-9708-019B960494DF}">
+              <a14:hiddenLine xmlns:a14="http://schemas.microsoft.com/office/drawing/2010/main" w="9525">
+                <a:solidFill>
+                  <a:srgbClr val="000000"/>
+                </a:solidFill>
+                <a:miter lim="800000"/>
+                <a:headEnd/>
+                <a:tailEnd/>
+              </a14:hiddenLine>
+            </a:ext>
+          </a:extLst>
+        </p:spPr>
+      </p:pic>
+      <p:sp>
+        <p:nvSpPr>
+          <p:cNvPr id="73" name="TextBox 23">
+            <a:extLst>
+              <a:ext uri="{FF2B5EF4-FFF2-40B4-BE49-F238E27FC236}">
+                <a16:creationId xmlns:a16="http://schemas.microsoft.com/office/drawing/2014/main" id="{4968B194-F804-4FB7-8B48-BA5D012BA659}"/>
+              </a:ext>
+            </a:extLst>
+          </p:cNvPr>
+          <p:cNvSpPr txBox="1">
+            <a:spLocks noChangeArrowheads="1"/>
+          </p:cNvSpPr>
+          <p:nvPr/>
+        </p:nvSpPr>
+        <p:spPr bwMode="auto">
+          <a:xfrm>
+            <a:off x="11401638" y="8259681"/>
+            <a:ext cx="1146178" cy="261610"/>
+          </a:xfrm>
+          <a:prstGeom prst="rect">
+            <a:avLst/>
+          </a:prstGeom>
+          <a:noFill/>
+          <a:ln>
+            <a:noFill/>
+          </a:ln>
+          <a:extLst>
+            <a:ext uri="{909E8E84-426E-40DD-AFC4-6F175D3DCCD1}">
+              <a14:hiddenFill xmlns:a14="http://schemas.microsoft.com/office/drawing/2010/main">
+                <a:solidFill>
+                  <a:srgbClr val="FFFFFF"/>
+                </a:solidFill>
+              </a14:hiddenFill>
+            </a:ext>
+            <a:ext uri="{91240B29-F687-4F45-9708-019B960494DF}">
+              <a14:hiddenLine xmlns:a14="http://schemas.microsoft.com/office/drawing/2010/main" w="9525">
+                <a:solidFill>
+                  <a:srgbClr val="000000"/>
+                </a:solidFill>
+                <a:miter lim="800000"/>
+                <a:headEnd/>
+                <a:tailEnd/>
+              </a14:hiddenLine>
+            </a:ext>
+          </a:extLst>
+        </p:spPr>
+        <p:txBody>
+          <a:bodyPr wrap="square">
+            <a:spAutoFit/>
+          </a:bodyPr>
+          <a:lstStyle>
+            <a:lvl1pPr>
+              <a:defRPr>
+                <a:solidFill>
+                  <a:schemeClr val="tx1"/>
+                </a:solidFill>
+                <a:latin typeface="Calibri" panose="020F0502020204030204" pitchFamily="34" charset="0"/>
+              </a:defRPr>
+            </a:lvl1pPr>
+            <a:lvl2pPr marL="742950" indent="-285750">
+              <a:defRPr>
+                <a:solidFill>
+                  <a:schemeClr val="tx1"/>
+                </a:solidFill>
+                <a:latin typeface="Calibri" panose="020F0502020204030204" pitchFamily="34" charset="0"/>
+              </a:defRPr>
+            </a:lvl2pPr>
+            <a:lvl3pPr marL="1143000" indent="-228600">
+              <a:defRPr>
+                <a:solidFill>
+                  <a:schemeClr val="tx1"/>
+                </a:solidFill>
+                <a:latin typeface="Calibri" panose="020F0502020204030204" pitchFamily="34" charset="0"/>
+              </a:defRPr>
+            </a:lvl3pPr>
+            <a:lvl4pPr marL="1600200" indent="-228600">
+              <a:defRPr>
+                <a:solidFill>
+                  <a:schemeClr val="tx1"/>
+                </a:solidFill>
+                <a:latin typeface="Calibri" panose="020F0502020204030204" pitchFamily="34" charset="0"/>
+              </a:defRPr>
+            </a:lvl4pPr>
+            <a:lvl5pPr marL="2057400" indent="-228600">
+              <a:defRPr>
+                <a:solidFill>
+                  <a:schemeClr val="tx1"/>
+                </a:solidFill>
+                <a:latin typeface="Calibri" panose="020F0502020204030204" pitchFamily="34" charset="0"/>
+              </a:defRPr>
+            </a:lvl5pPr>
+            <a:lvl6pPr marL="2514600" indent="-228600" eaLnBrk="0" fontAlgn="base" hangingPunct="0">
+              <a:spcBef>
+                <a:spcPct val="0"/>
+              </a:spcBef>
+              <a:spcAft>
+                <a:spcPct val="0"/>
+              </a:spcAft>
+              <a:defRPr>
+                <a:solidFill>
+                  <a:schemeClr val="tx1"/>
+                </a:solidFill>
+                <a:latin typeface="Calibri" panose="020F0502020204030204" pitchFamily="34" charset="0"/>
+              </a:defRPr>
+            </a:lvl6pPr>
+            <a:lvl7pPr marL="2971800" indent="-228600" eaLnBrk="0" fontAlgn="base" hangingPunct="0">
+              <a:spcBef>
+                <a:spcPct val="0"/>
+              </a:spcBef>
+              <a:spcAft>
+                <a:spcPct val="0"/>
+              </a:spcAft>
+              <a:defRPr>
+                <a:solidFill>
+                  <a:schemeClr val="tx1"/>
+                </a:solidFill>
+                <a:latin typeface="Calibri" panose="020F0502020204030204" pitchFamily="34" charset="0"/>
+              </a:defRPr>
+            </a:lvl7pPr>
+            <a:lvl8pPr marL="3429000" indent="-228600" eaLnBrk="0" fontAlgn="base" hangingPunct="0">
+              <a:spcBef>
+                <a:spcPct val="0"/>
+              </a:spcBef>
+              <a:spcAft>
+                <a:spcPct val="0"/>
+              </a:spcAft>
+              <a:defRPr>
+                <a:solidFill>
+                  <a:schemeClr val="tx1"/>
+                </a:solidFill>
+                <a:latin typeface="Calibri" panose="020F0502020204030204" pitchFamily="34" charset="0"/>
+              </a:defRPr>
+            </a:lvl8pPr>
+            <a:lvl9pPr marL="3886200" indent="-228600" eaLnBrk="0" fontAlgn="base" hangingPunct="0">
+              <a:spcBef>
+                <a:spcPct val="0"/>
+              </a:spcBef>
+              <a:spcAft>
+                <a:spcPct val="0"/>
+              </a:spcAft>
+              <a:defRPr>
+                <a:solidFill>
+                  <a:schemeClr val="tx1"/>
+                </a:solidFill>
+                <a:latin typeface="Calibri" panose="020F0502020204030204" pitchFamily="34" charset="0"/>
+              </a:defRPr>
+            </a:lvl9pPr>
+          </a:lstStyle>
+          <a:p>
+            <a:pPr algn="ctr" eaLnBrk="1" hangingPunct="1"/>
+            <a:r>
+              <a:rPr lang="en-US" altLang="en-US" sz="1100" dirty="0">
+                <a:latin typeface="Arial" panose="020B0604020202020204" pitchFamily="34" charset="0"/>
+                <a:ea typeface="Amazon Ember" panose="020B0603020204020204" pitchFamily="34" charset="0"/>
+                <a:cs typeface="Arial" panose="020B0604020202020204" pitchFamily="34" charset="0"/>
+              </a:rPr>
+              <a:t>File system</a:t>
+            </a:r>
+          </a:p>
+        </p:txBody>
+      </p:sp>
+      <p:pic>
+        <p:nvPicPr>
+          <p:cNvPr id="81" name="Graphic 27">
+            <a:extLst>
+              <a:ext uri="{FF2B5EF4-FFF2-40B4-BE49-F238E27FC236}">
+                <a16:creationId xmlns:a16="http://schemas.microsoft.com/office/drawing/2014/main" id="{B4BD885D-ADF1-4486-9688-F55E77AE660E}"/>
+              </a:ext>
+            </a:extLst>
+          </p:cNvPr>
+          <p:cNvPicPr>
+            <a:picLocks noChangeAspect="1" noChangeArrowheads="1"/>
+          </p:cNvPicPr>
+          <p:nvPr/>
+        </p:nvPicPr>
+        <p:blipFill>
+          <a:blip r:embed="rId29">
+            <a:extLst>
+              <a:ext uri="{96DAC541-7B7A-43D3-8B79-37D633B846F1}">
+                <asvg:svgBlip xmlns:asvg="http://schemas.microsoft.com/office/drawing/2016/SVG/main" r:embed="rId30"/>
+              </a:ext>
+            </a:extLst>
+          </a:blip>
+          <a:srcRect/>
+          <a:stretch/>
+        </p:blipFill>
+        <p:spPr bwMode="auto">
+          <a:xfrm>
+            <a:off x="11746127" y="7802481"/>
+            <a:ext cx="457200" cy="457200"/>
+          </a:xfrm>
+          <a:prstGeom prst="rect">
+            <a:avLst/>
+          </a:prstGeom>
+          <a:noFill/>
+          <a:ln>
+            <a:noFill/>
+          </a:ln>
+          <a:extLst>
+            <a:ext uri="{909E8E84-426E-40DD-AFC4-6F175D3DCCD1}">
+              <a14:hiddenFill xmlns:a14="http://schemas.microsoft.com/office/drawing/2010/main">
+                <a:solidFill>
+                  <a:srgbClr val="FFFFFF"/>
+                </a:solidFill>
+              </a14:hiddenFill>
+            </a:ext>
+            <a:ext uri="{91240B29-F687-4F45-9708-019B960494DF}">
+              <a14:hiddenLine xmlns:a14="http://schemas.microsoft.com/office/drawing/2010/main" w="9525">
+                <a:solidFill>
+                  <a:srgbClr val="000000"/>
+                </a:solidFill>
+                <a:miter lim="800000"/>
+                <a:headEnd/>
+                <a:tailEnd/>
+              </a14:hiddenLine>
+            </a:ext>
+          </a:extLst>
+        </p:spPr>
+      </p:pic>
     </p:spTree>
     <p:extLst>
       <p:ext uri="{BB962C8B-B14F-4D97-AF65-F5344CB8AC3E}">
         <p14:creationId xmlns:p14="http://schemas.microsoft.com/office/powerpoint/2010/main" val="2735146075"/>
+      </p:ext>
+    </p:extLst>
+  </p:cSld>
+  <p:clrMapOvr>
+    <a:masterClrMapping/>
+  </p:clrMapOvr>
+</p:sld>
+</file>
+
+<file path=ppt/slides/slide4.xml><?xml version="1.0" encoding="utf-8"?>
+<p:sld xmlns:a="http://schemas.openxmlformats.org/drawingml/2006/main" xmlns:r="http://schemas.openxmlformats.org/officeDocument/2006/relationships" xmlns:p="http://schemas.openxmlformats.org/presentationml/2006/main">
+  <p:cSld>
+    <p:spTree>
+      <p:nvGrpSpPr>
+        <p:cNvPr id="1" name=""/>
+        <p:cNvGrpSpPr/>
+        <p:nvPr/>
+      </p:nvGrpSpPr>
+      <p:grpSpPr>
+        <a:xfrm>
+          <a:off x="0" y="0"/>
+          <a:ext cx="0" cy="0"/>
+          <a:chOff x="0" y="0"/>
+          <a:chExt cx="0" cy="0"/>
+        </a:xfrm>
+      </p:grpSpPr>
+      <p:sp>
+        <p:nvSpPr>
+          <p:cNvPr id="4" name="Rectangle 3">
+            <a:extLst>
+              <a:ext uri="{FF2B5EF4-FFF2-40B4-BE49-F238E27FC236}">
+                <a16:creationId xmlns:a16="http://schemas.microsoft.com/office/drawing/2014/main" id="{C90B137B-685F-4DFF-847D-C9AB99851ADE}"/>
+              </a:ext>
+            </a:extLst>
+          </p:cNvPr>
+          <p:cNvSpPr/>
+          <p:nvPr/>
+        </p:nvSpPr>
+        <p:spPr>
+          <a:xfrm>
+            <a:off x="3299270" y="4789514"/>
+            <a:ext cx="2156468" cy="1380279"/>
+          </a:xfrm>
+          <a:prstGeom prst="rect">
+            <a:avLst/>
+          </a:prstGeom>
+          <a:solidFill>
+            <a:srgbClr val="1D8900">
+              <a:alpha val="9804"/>
+            </a:srgbClr>
+          </a:solidFill>
+          <a:ln w="12700">
+            <a:noFill/>
+            <a:prstDash val="dash"/>
+          </a:ln>
+        </p:spPr>
+        <p:style>
+          <a:lnRef idx="2">
+            <a:schemeClr val="accent1">
+              <a:shade val="50000"/>
+            </a:schemeClr>
+          </a:lnRef>
+          <a:fillRef idx="1">
+            <a:schemeClr val="accent1"/>
+          </a:fillRef>
+          <a:effectRef idx="0">
+            <a:schemeClr val="accent1"/>
+          </a:effectRef>
+          <a:fontRef idx="minor">
+            <a:schemeClr val="lt1"/>
+          </a:fontRef>
+        </p:style>
+        <p:txBody>
+          <a:bodyPr lIns="502920"/>
+          <a:lstStyle/>
+          <a:p>
+            <a:pPr eaLnBrk="1" fontAlgn="auto" hangingPunct="1">
+              <a:spcBef>
+                <a:spcPts val="0"/>
+              </a:spcBef>
+              <a:spcAft>
+                <a:spcPts val="0"/>
+              </a:spcAft>
+              <a:defRPr/>
+            </a:pPr>
+            <a:r>
+              <a:rPr lang="en-US" sz="1200" dirty="0">
+                <a:solidFill>
+                  <a:srgbClr val="1E8900"/>
+                </a:solidFill>
+                <a:latin typeface="Arial" panose="020B0604020202020204" pitchFamily="34" charset="0"/>
+                <a:cs typeface="Arial" panose="020B0604020202020204" pitchFamily="34" charset="0"/>
+              </a:rPr>
+              <a:t>Public subnet 1</a:t>
+            </a:r>
+          </a:p>
+        </p:txBody>
+      </p:sp>
+      <p:pic>
+        <p:nvPicPr>
+          <p:cNvPr id="7" name="Graphic 6">
+            <a:extLst>
+              <a:ext uri="{FF2B5EF4-FFF2-40B4-BE49-F238E27FC236}">
+                <a16:creationId xmlns:a16="http://schemas.microsoft.com/office/drawing/2014/main" id="{F2747260-87D4-4FB1-9B6E-25D85494A499}"/>
+              </a:ext>
+            </a:extLst>
+          </p:cNvPr>
+          <p:cNvPicPr>
+            <a:picLocks noChangeAspect="1"/>
+          </p:cNvPicPr>
+          <p:nvPr/>
+        </p:nvPicPr>
+        <p:blipFill>
+          <a:blip r:embed="rId2">
+            <a:extLst>
+              <a:ext uri="{96DAC541-7B7A-43D3-8B79-37D633B846F1}">
+                <asvg:svgBlip xmlns:asvg="http://schemas.microsoft.com/office/drawing/2016/SVG/main" r:embed="rId3"/>
+              </a:ext>
+            </a:extLst>
+          </a:blip>
+          <a:stretch>
+            <a:fillRect/>
+          </a:stretch>
+        </p:blipFill>
+        <p:spPr>
+          <a:xfrm>
+            <a:off x="3296974" y="4791456"/>
+            <a:ext cx="381000" cy="381000"/>
+          </a:xfrm>
+          <a:prstGeom prst="rect">
+            <a:avLst/>
+          </a:prstGeom>
+        </p:spPr>
+      </p:pic>
+      <p:sp>
+        <p:nvSpPr>
+          <p:cNvPr id="10" name="Rectangle 9">
+            <a:extLst>
+              <a:ext uri="{FF2B5EF4-FFF2-40B4-BE49-F238E27FC236}">
+                <a16:creationId xmlns:a16="http://schemas.microsoft.com/office/drawing/2014/main" id="{E63065DE-C2EC-4D6F-AC25-15E560C14980}"/>
+              </a:ext>
+            </a:extLst>
+          </p:cNvPr>
+          <p:cNvSpPr/>
+          <p:nvPr/>
+        </p:nvSpPr>
+        <p:spPr>
+          <a:xfrm>
+            <a:off x="3298123" y="6327868"/>
+            <a:ext cx="2156467" cy="1891389"/>
+          </a:xfrm>
+          <a:prstGeom prst="rect">
+            <a:avLst/>
+          </a:prstGeom>
+          <a:solidFill>
+            <a:srgbClr val="007CBC">
+              <a:alpha val="9804"/>
+            </a:srgbClr>
+          </a:solidFill>
+          <a:ln w="12700">
+            <a:noFill/>
+            <a:prstDash val="dash"/>
+          </a:ln>
+        </p:spPr>
+        <p:style>
+          <a:lnRef idx="2">
+            <a:schemeClr val="accent1">
+              <a:shade val="50000"/>
+            </a:schemeClr>
+          </a:lnRef>
+          <a:fillRef idx="1">
+            <a:schemeClr val="accent1"/>
+          </a:fillRef>
+          <a:effectRef idx="0">
+            <a:schemeClr val="accent1"/>
+          </a:effectRef>
+          <a:fontRef idx="minor">
+            <a:schemeClr val="lt1"/>
+          </a:fontRef>
+        </p:style>
+        <p:txBody>
+          <a:bodyPr lIns="502920"/>
+          <a:lstStyle/>
+          <a:p>
+            <a:pPr eaLnBrk="1" fontAlgn="auto" hangingPunct="1">
+              <a:spcBef>
+                <a:spcPts val="0"/>
+              </a:spcBef>
+              <a:spcAft>
+                <a:spcPts val="0"/>
+              </a:spcAft>
+              <a:defRPr/>
+            </a:pPr>
+            <a:r>
+              <a:rPr lang="en-US" sz="1200" dirty="0">
+                <a:solidFill>
+                  <a:srgbClr val="5B9CD5"/>
+                </a:solidFill>
+                <a:latin typeface="Arial" panose="020B0604020202020204" pitchFamily="34" charset="0"/>
+                <a:cs typeface="Arial" panose="020B0604020202020204" pitchFamily="34" charset="0"/>
+              </a:rPr>
+              <a:t>Private subnet 1</a:t>
+            </a:r>
+          </a:p>
+        </p:txBody>
+      </p:sp>
+      <p:pic>
+        <p:nvPicPr>
+          <p:cNvPr id="11" name="Graphic 10">
+            <a:extLst>
+              <a:ext uri="{FF2B5EF4-FFF2-40B4-BE49-F238E27FC236}">
+                <a16:creationId xmlns:a16="http://schemas.microsoft.com/office/drawing/2014/main" id="{3064E8E0-D0DC-4676-80FB-58BB41F1527C}"/>
+              </a:ext>
+            </a:extLst>
+          </p:cNvPr>
+          <p:cNvPicPr>
+            <a:picLocks noChangeAspect="1"/>
+          </p:cNvPicPr>
+          <p:nvPr/>
+        </p:nvPicPr>
+        <p:blipFill>
+          <a:blip r:embed="rId4">
+            <a:extLst>
+              <a:ext uri="{96DAC541-7B7A-43D3-8B79-37D633B846F1}">
+                <asvg:svgBlip xmlns:asvg="http://schemas.microsoft.com/office/drawing/2016/SVG/main" r:embed="rId5"/>
+              </a:ext>
+            </a:extLst>
+          </a:blip>
+          <a:stretch>
+            <a:fillRect/>
+          </a:stretch>
+        </p:blipFill>
+        <p:spPr>
+          <a:xfrm>
+            <a:off x="3302028" y="6324757"/>
+            <a:ext cx="381000" cy="381000"/>
+          </a:xfrm>
+          <a:prstGeom prst="rect">
+            <a:avLst/>
+          </a:prstGeom>
+        </p:spPr>
+      </p:pic>
+      <p:sp>
+        <p:nvSpPr>
+          <p:cNvPr id="5" name="TextBox 17">
+            <a:extLst>
+              <a:ext uri="{FF2B5EF4-FFF2-40B4-BE49-F238E27FC236}">
+                <a16:creationId xmlns:a16="http://schemas.microsoft.com/office/drawing/2014/main" id="{898BBC56-EF1D-4D73-B1EC-BD2FA9B53A76}"/>
+              </a:ext>
+            </a:extLst>
+          </p:cNvPr>
+          <p:cNvSpPr txBox="1">
+            <a:spLocks noChangeArrowheads="1"/>
+          </p:cNvSpPr>
+          <p:nvPr/>
+        </p:nvSpPr>
+        <p:spPr bwMode="auto">
+          <a:xfrm>
+            <a:off x="4288152" y="5629093"/>
+            <a:ext cx="1234766" cy="276999"/>
+          </a:xfrm>
+          <a:prstGeom prst="rect">
+            <a:avLst/>
+          </a:prstGeom>
+          <a:noFill/>
+          <a:ln>
+            <a:noFill/>
+          </a:ln>
+          <a:extLst>
+            <a:ext uri="{909E8E84-426E-40DD-AFC4-6F175D3DCCD1}">
+              <a14:hiddenFill xmlns:a14="http://schemas.microsoft.com/office/drawing/2010/main">
+                <a:solidFill>
+                  <a:srgbClr val="FFFFFF"/>
+                </a:solidFill>
+              </a14:hiddenFill>
+            </a:ext>
+            <a:ext uri="{91240B29-F687-4F45-9708-019B960494DF}">
+              <a14:hiddenLine xmlns:a14="http://schemas.microsoft.com/office/drawing/2010/main" w="9525">
+                <a:solidFill>
+                  <a:srgbClr val="000000"/>
+                </a:solidFill>
+                <a:miter lim="800000"/>
+                <a:headEnd/>
+                <a:tailEnd/>
+              </a14:hiddenLine>
+            </a:ext>
+          </a:extLst>
+        </p:spPr>
+        <p:txBody>
+          <a:bodyPr wrap="square">
+            <a:spAutoFit/>
+          </a:bodyPr>
+          <a:lstStyle>
+            <a:lvl1pPr>
+              <a:defRPr>
+                <a:solidFill>
+                  <a:schemeClr val="tx1"/>
+                </a:solidFill>
+                <a:latin typeface="Calibri" panose="020F0502020204030204" pitchFamily="34" charset="0"/>
+              </a:defRPr>
+            </a:lvl1pPr>
+            <a:lvl2pPr marL="742950" indent="-285750">
+              <a:defRPr>
+                <a:solidFill>
+                  <a:schemeClr val="tx1"/>
+                </a:solidFill>
+                <a:latin typeface="Calibri" panose="020F0502020204030204" pitchFamily="34" charset="0"/>
+              </a:defRPr>
+            </a:lvl2pPr>
+            <a:lvl3pPr marL="1143000" indent="-228600">
+              <a:defRPr>
+                <a:solidFill>
+                  <a:schemeClr val="tx1"/>
+                </a:solidFill>
+                <a:latin typeface="Calibri" panose="020F0502020204030204" pitchFamily="34" charset="0"/>
+              </a:defRPr>
+            </a:lvl3pPr>
+            <a:lvl4pPr marL="1600200" indent="-228600">
+              <a:defRPr>
+                <a:solidFill>
+                  <a:schemeClr val="tx1"/>
+                </a:solidFill>
+                <a:latin typeface="Calibri" panose="020F0502020204030204" pitchFamily="34" charset="0"/>
+              </a:defRPr>
+            </a:lvl4pPr>
+            <a:lvl5pPr marL="2057400" indent="-228600">
+              <a:defRPr>
+                <a:solidFill>
+                  <a:schemeClr val="tx1"/>
+                </a:solidFill>
+                <a:latin typeface="Calibri" panose="020F0502020204030204" pitchFamily="34" charset="0"/>
+              </a:defRPr>
+            </a:lvl5pPr>
+            <a:lvl6pPr marL="2514600" indent="-228600" eaLnBrk="0" fontAlgn="base" hangingPunct="0">
+              <a:spcBef>
+                <a:spcPct val="0"/>
+              </a:spcBef>
+              <a:spcAft>
+                <a:spcPct val="0"/>
+              </a:spcAft>
+              <a:defRPr>
+                <a:solidFill>
+                  <a:schemeClr val="tx1"/>
+                </a:solidFill>
+                <a:latin typeface="Calibri" panose="020F0502020204030204" pitchFamily="34" charset="0"/>
+              </a:defRPr>
+            </a:lvl6pPr>
+            <a:lvl7pPr marL="2971800" indent="-228600" eaLnBrk="0" fontAlgn="base" hangingPunct="0">
+              <a:spcBef>
+                <a:spcPct val="0"/>
+              </a:spcBef>
+              <a:spcAft>
+                <a:spcPct val="0"/>
+              </a:spcAft>
+              <a:defRPr>
+                <a:solidFill>
+                  <a:schemeClr val="tx1"/>
+                </a:solidFill>
+                <a:latin typeface="Calibri" panose="020F0502020204030204" pitchFamily="34" charset="0"/>
+              </a:defRPr>
+            </a:lvl7pPr>
+            <a:lvl8pPr marL="3429000" indent="-228600" eaLnBrk="0" fontAlgn="base" hangingPunct="0">
+              <a:spcBef>
+                <a:spcPct val="0"/>
+              </a:spcBef>
+              <a:spcAft>
+                <a:spcPct val="0"/>
+              </a:spcAft>
+              <a:defRPr>
+                <a:solidFill>
+                  <a:schemeClr val="tx1"/>
+                </a:solidFill>
+                <a:latin typeface="Calibri" panose="020F0502020204030204" pitchFamily="34" charset="0"/>
+              </a:defRPr>
+            </a:lvl8pPr>
+            <a:lvl9pPr marL="3886200" indent="-228600" eaLnBrk="0" fontAlgn="base" hangingPunct="0">
+              <a:spcBef>
+                <a:spcPct val="0"/>
+              </a:spcBef>
+              <a:spcAft>
+                <a:spcPct val="0"/>
+              </a:spcAft>
+              <a:defRPr>
+                <a:solidFill>
+                  <a:schemeClr val="tx1"/>
+                </a:solidFill>
+                <a:latin typeface="Calibri" panose="020F0502020204030204" pitchFamily="34" charset="0"/>
+              </a:defRPr>
+            </a:lvl9pPr>
+          </a:lstStyle>
+          <a:p>
+            <a:pPr algn="ctr" eaLnBrk="1" hangingPunct="1"/>
+            <a:r>
+              <a:rPr lang="en-US" altLang="en-US" sz="1200" dirty="0">
+                <a:latin typeface="Arial" panose="020B0604020202020204" pitchFamily="34" charset="0"/>
+                <a:ea typeface="Amazon Ember" panose="020B0603020204020204" pitchFamily="34" charset="0"/>
+                <a:cs typeface="Arial" panose="020B0604020202020204" pitchFamily="34" charset="0"/>
+              </a:rPr>
+              <a:t>NAT gateway</a:t>
+            </a:r>
+          </a:p>
+        </p:txBody>
+      </p:sp>
+      <p:pic>
+        <p:nvPicPr>
+          <p:cNvPr id="6" name="Graphic 35">
+            <a:extLst>
+              <a:ext uri="{FF2B5EF4-FFF2-40B4-BE49-F238E27FC236}">
+                <a16:creationId xmlns:a16="http://schemas.microsoft.com/office/drawing/2014/main" id="{46435E3D-7473-40AB-B2C0-B0BA4BBB4A7A}"/>
+              </a:ext>
+            </a:extLst>
+          </p:cNvPr>
+          <p:cNvPicPr>
+            <a:picLocks noChangeAspect="1" noChangeArrowheads="1"/>
+          </p:cNvPicPr>
+          <p:nvPr/>
+        </p:nvPicPr>
+        <p:blipFill>
+          <a:blip r:embed="rId6">
+            <a:extLst>
+              <a:ext uri="{28A0092B-C50C-407E-A947-70E740481C1C}">
+                <a14:useLocalDpi xmlns:a14="http://schemas.microsoft.com/office/drawing/2010/main" val="0"/>
+              </a:ext>
+            </a:extLst>
+          </a:blip>
+          <a:srcRect/>
+          <a:stretch>
+            <a:fillRect/>
+          </a:stretch>
+        </p:blipFill>
+        <p:spPr bwMode="auto">
+          <a:xfrm>
+            <a:off x="4676935" y="5151533"/>
+            <a:ext cx="457200" cy="457200"/>
+          </a:xfrm>
+          <a:prstGeom prst="rect">
+            <a:avLst/>
+          </a:prstGeom>
+          <a:noFill/>
+          <a:ln>
+            <a:noFill/>
+          </a:ln>
+          <a:extLst>
+            <a:ext uri="{909E8E84-426E-40DD-AFC4-6F175D3DCCD1}">
+              <a14:hiddenFill xmlns:a14="http://schemas.microsoft.com/office/drawing/2010/main">
+                <a:solidFill>
+                  <a:srgbClr val="FFFFFF"/>
+                </a:solidFill>
+              </a14:hiddenFill>
+            </a:ext>
+            <a:ext uri="{91240B29-F687-4F45-9708-019B960494DF}">
+              <a14:hiddenLine xmlns:a14="http://schemas.microsoft.com/office/drawing/2010/main" w="9525">
+                <a:solidFill>
+                  <a:srgbClr val="000000"/>
+                </a:solidFill>
+                <a:miter lim="800000"/>
+                <a:headEnd/>
+                <a:tailEnd/>
+              </a14:hiddenLine>
+            </a:ext>
+          </a:extLst>
+        </p:spPr>
+      </p:pic>
+      <p:pic>
+        <p:nvPicPr>
+          <p:cNvPr id="8" name="Graphic 42">
+            <a:extLst>
+              <a:ext uri="{FF2B5EF4-FFF2-40B4-BE49-F238E27FC236}">
+                <a16:creationId xmlns:a16="http://schemas.microsoft.com/office/drawing/2014/main" id="{5C641D43-46D7-4F8D-AD5F-EAB71CB52E45}"/>
+              </a:ext>
+            </a:extLst>
+          </p:cNvPr>
+          <p:cNvPicPr>
+            <a:picLocks noChangeAspect="1" noChangeArrowheads="1"/>
+          </p:cNvPicPr>
+          <p:nvPr/>
+        </p:nvPicPr>
+        <p:blipFill>
+          <a:blip r:embed="rId7">
+            <a:extLst>
+              <a:ext uri="{28A0092B-C50C-407E-A947-70E740481C1C}">
+                <a14:useLocalDpi xmlns:a14="http://schemas.microsoft.com/office/drawing/2010/main" val="0"/>
+              </a:ext>
+            </a:extLst>
+          </a:blip>
+          <a:srcRect/>
+          <a:stretch>
+            <a:fillRect/>
+          </a:stretch>
+        </p:blipFill>
+        <p:spPr bwMode="auto">
+          <a:xfrm>
+            <a:off x="3527741" y="5151533"/>
+            <a:ext cx="457200" cy="457200"/>
+          </a:xfrm>
+          <a:prstGeom prst="rect">
+            <a:avLst/>
+          </a:prstGeom>
+          <a:noFill/>
+          <a:ln>
+            <a:noFill/>
+          </a:ln>
+          <a:extLst>
+            <a:ext uri="{909E8E84-426E-40DD-AFC4-6F175D3DCCD1}">
+              <a14:hiddenFill xmlns:a14="http://schemas.microsoft.com/office/drawing/2010/main">
+                <a:solidFill>
+                  <a:srgbClr val="FFFFFF"/>
+                </a:solidFill>
+              </a14:hiddenFill>
+            </a:ext>
+            <a:ext uri="{91240B29-F687-4F45-9708-019B960494DF}">
+              <a14:hiddenLine xmlns:a14="http://schemas.microsoft.com/office/drawing/2010/main" w="9525">
+                <a:solidFill>
+                  <a:srgbClr val="000000"/>
+                </a:solidFill>
+                <a:miter lim="800000"/>
+                <a:headEnd/>
+                <a:tailEnd/>
+              </a14:hiddenLine>
+            </a:ext>
+          </a:extLst>
+        </p:spPr>
+      </p:pic>
+      <p:sp>
+        <p:nvSpPr>
+          <p:cNvPr id="9" name="TextBox 16">
+            <a:extLst>
+              <a:ext uri="{FF2B5EF4-FFF2-40B4-BE49-F238E27FC236}">
+                <a16:creationId xmlns:a16="http://schemas.microsoft.com/office/drawing/2014/main" id="{26A0A800-494A-4244-971D-7DE1270F33D8}"/>
+              </a:ext>
+            </a:extLst>
+          </p:cNvPr>
+          <p:cNvSpPr txBox="1">
+            <a:spLocks noChangeArrowheads="1"/>
+          </p:cNvSpPr>
+          <p:nvPr/>
+        </p:nvSpPr>
+        <p:spPr bwMode="auto">
+          <a:xfrm>
+            <a:off x="3202106" y="5632704"/>
+            <a:ext cx="1115568" cy="461665"/>
+          </a:xfrm>
+          <a:prstGeom prst="rect">
+            <a:avLst/>
+          </a:prstGeom>
+          <a:noFill/>
+          <a:ln>
+            <a:noFill/>
+          </a:ln>
+          <a:extLst>
+            <a:ext uri="{909E8E84-426E-40DD-AFC4-6F175D3DCCD1}">
+              <a14:hiddenFill xmlns:a14="http://schemas.microsoft.com/office/drawing/2010/main">
+                <a:solidFill>
+                  <a:srgbClr val="FFFFFF"/>
+                </a:solidFill>
+              </a14:hiddenFill>
+            </a:ext>
+            <a:ext uri="{91240B29-F687-4F45-9708-019B960494DF}">
+              <a14:hiddenLine xmlns:a14="http://schemas.microsoft.com/office/drawing/2010/main" w="9525">
+                <a:solidFill>
+                  <a:srgbClr val="000000"/>
+                </a:solidFill>
+                <a:miter lim="800000"/>
+                <a:headEnd/>
+                <a:tailEnd/>
+              </a14:hiddenLine>
+            </a:ext>
+          </a:extLst>
+        </p:spPr>
+        <p:txBody>
+          <a:bodyPr wrap="square" lIns="0" rIns="0">
+            <a:spAutoFit/>
+          </a:bodyPr>
+          <a:lstStyle>
+            <a:lvl1pPr>
+              <a:defRPr>
+                <a:solidFill>
+                  <a:schemeClr val="tx1"/>
+                </a:solidFill>
+                <a:latin typeface="Calibri" panose="020F0502020204030204" pitchFamily="34" charset="0"/>
+              </a:defRPr>
+            </a:lvl1pPr>
+            <a:lvl2pPr marL="742950" indent="-285750">
+              <a:defRPr>
+                <a:solidFill>
+                  <a:schemeClr val="tx1"/>
+                </a:solidFill>
+                <a:latin typeface="Calibri" panose="020F0502020204030204" pitchFamily="34" charset="0"/>
+              </a:defRPr>
+            </a:lvl2pPr>
+            <a:lvl3pPr marL="1143000" indent="-228600">
+              <a:defRPr>
+                <a:solidFill>
+                  <a:schemeClr val="tx1"/>
+                </a:solidFill>
+                <a:latin typeface="Calibri" panose="020F0502020204030204" pitchFamily="34" charset="0"/>
+              </a:defRPr>
+            </a:lvl3pPr>
+            <a:lvl4pPr marL="1600200" indent="-228600">
+              <a:defRPr>
+                <a:solidFill>
+                  <a:schemeClr val="tx1"/>
+                </a:solidFill>
+                <a:latin typeface="Calibri" panose="020F0502020204030204" pitchFamily="34" charset="0"/>
+              </a:defRPr>
+            </a:lvl4pPr>
+            <a:lvl5pPr marL="2057400" indent="-228600">
+              <a:defRPr>
+                <a:solidFill>
+                  <a:schemeClr val="tx1"/>
+                </a:solidFill>
+                <a:latin typeface="Calibri" panose="020F0502020204030204" pitchFamily="34" charset="0"/>
+              </a:defRPr>
+            </a:lvl5pPr>
+            <a:lvl6pPr marL="2514600" indent="-228600" eaLnBrk="0" fontAlgn="base" hangingPunct="0">
+              <a:spcBef>
+                <a:spcPct val="0"/>
+              </a:spcBef>
+              <a:spcAft>
+                <a:spcPct val="0"/>
+              </a:spcAft>
+              <a:defRPr>
+                <a:solidFill>
+                  <a:schemeClr val="tx1"/>
+                </a:solidFill>
+                <a:latin typeface="Calibri" panose="020F0502020204030204" pitchFamily="34" charset="0"/>
+              </a:defRPr>
+            </a:lvl6pPr>
+            <a:lvl7pPr marL="2971800" indent="-228600" eaLnBrk="0" fontAlgn="base" hangingPunct="0">
+              <a:spcBef>
+                <a:spcPct val="0"/>
+              </a:spcBef>
+              <a:spcAft>
+                <a:spcPct val="0"/>
+              </a:spcAft>
+              <a:defRPr>
+                <a:solidFill>
+                  <a:schemeClr val="tx1"/>
+                </a:solidFill>
+                <a:latin typeface="Calibri" panose="020F0502020204030204" pitchFamily="34" charset="0"/>
+              </a:defRPr>
+            </a:lvl7pPr>
+            <a:lvl8pPr marL="3429000" indent="-228600" eaLnBrk="0" fontAlgn="base" hangingPunct="0">
+              <a:spcBef>
+                <a:spcPct val="0"/>
+              </a:spcBef>
+              <a:spcAft>
+                <a:spcPct val="0"/>
+              </a:spcAft>
+              <a:defRPr>
+                <a:solidFill>
+                  <a:schemeClr val="tx1"/>
+                </a:solidFill>
+                <a:latin typeface="Calibri" panose="020F0502020204030204" pitchFamily="34" charset="0"/>
+              </a:defRPr>
+            </a:lvl8pPr>
+            <a:lvl9pPr marL="3886200" indent="-228600" eaLnBrk="0" fontAlgn="base" hangingPunct="0">
+              <a:spcBef>
+                <a:spcPct val="0"/>
+              </a:spcBef>
+              <a:spcAft>
+                <a:spcPct val="0"/>
+              </a:spcAft>
+              <a:defRPr>
+                <a:solidFill>
+                  <a:schemeClr val="tx1"/>
+                </a:solidFill>
+                <a:latin typeface="Calibri" panose="020F0502020204030204" pitchFamily="34" charset="0"/>
+              </a:defRPr>
+            </a:lvl9pPr>
+          </a:lstStyle>
+          <a:p>
+            <a:pPr algn="ctr" eaLnBrk="1" hangingPunct="1"/>
+            <a:r>
+              <a:rPr lang="en-US" altLang="en-US" sz="1200" dirty="0">
+                <a:latin typeface="Arial" panose="020B0604020202020204" pitchFamily="34" charset="0"/>
+                <a:ea typeface="Amazon Ember" panose="020B0603020204020204" pitchFamily="34" charset="0"/>
+                <a:cs typeface="Arial" panose="020B0604020202020204" pitchFamily="34" charset="0"/>
+              </a:rPr>
+              <a:t>Elastic IP address</a:t>
+            </a:r>
+          </a:p>
+        </p:txBody>
+      </p:sp>
+      <p:sp>
+        <p:nvSpPr>
+          <p:cNvPr id="15" name="Rectangle 14">
+            <a:extLst>
+              <a:ext uri="{FF2B5EF4-FFF2-40B4-BE49-F238E27FC236}">
+                <a16:creationId xmlns:a16="http://schemas.microsoft.com/office/drawing/2014/main" id="{F7485C6A-1303-45D9-9FA5-52172CA5F5A8}"/>
+              </a:ext>
+            </a:extLst>
+          </p:cNvPr>
+          <p:cNvSpPr/>
+          <p:nvPr/>
+        </p:nvSpPr>
+        <p:spPr>
+          <a:xfrm>
+            <a:off x="3793997" y="6791584"/>
+            <a:ext cx="4841503" cy="1084921"/>
+          </a:xfrm>
+          <a:prstGeom prst="rect">
+            <a:avLst/>
+          </a:prstGeom>
+          <a:noFill/>
+          <a:ln w="12700">
+            <a:solidFill>
+              <a:srgbClr val="D86613"/>
+            </a:solidFill>
+            <a:prstDash val="dash"/>
+          </a:ln>
+        </p:spPr>
+        <p:style>
+          <a:lnRef idx="2">
+            <a:schemeClr val="accent1">
+              <a:shade val="50000"/>
+            </a:schemeClr>
+          </a:lnRef>
+          <a:fillRef idx="1">
+            <a:schemeClr val="accent1"/>
+          </a:fillRef>
+          <a:effectRef idx="0">
+            <a:schemeClr val="accent1"/>
+          </a:effectRef>
+          <a:fontRef idx="minor">
+            <a:schemeClr val="lt1"/>
+          </a:fontRef>
+        </p:style>
+        <p:txBody>
+          <a:bodyPr tIns="91440"/>
+          <a:lstStyle/>
+          <a:p>
+            <a:pPr algn="ctr" eaLnBrk="1" fontAlgn="auto" hangingPunct="1">
+              <a:spcBef>
+                <a:spcPts val="0"/>
+              </a:spcBef>
+              <a:spcAft>
+                <a:spcPts val="0"/>
+              </a:spcAft>
+              <a:defRPr/>
+            </a:pPr>
+            <a:endParaRPr lang="en-US" sz="1200" dirty="0">
+              <a:solidFill>
+                <a:srgbClr val="D86613"/>
+              </a:solidFill>
+              <a:latin typeface="Arial" panose="020B0604020202020204" pitchFamily="34" charset="0"/>
+              <a:cs typeface="Arial" panose="020B0604020202020204" pitchFamily="34" charset="0"/>
+            </a:endParaRPr>
+          </a:p>
+          <a:p>
+            <a:pPr algn="ctr" eaLnBrk="1" fontAlgn="auto" hangingPunct="1">
+              <a:spcBef>
+                <a:spcPts val="0"/>
+              </a:spcBef>
+              <a:spcAft>
+                <a:spcPts val="0"/>
+              </a:spcAft>
+              <a:defRPr/>
+            </a:pPr>
+            <a:endParaRPr lang="en-US" sz="1200" dirty="0">
+              <a:solidFill>
+                <a:srgbClr val="D86613"/>
+              </a:solidFill>
+              <a:latin typeface="Arial" panose="020B0604020202020204" pitchFamily="34" charset="0"/>
+              <a:cs typeface="Arial" panose="020B0604020202020204" pitchFamily="34" charset="0"/>
+            </a:endParaRPr>
+          </a:p>
+          <a:p>
+            <a:pPr algn="ctr" eaLnBrk="1" fontAlgn="auto" hangingPunct="1">
+              <a:spcBef>
+                <a:spcPts val="0"/>
+              </a:spcBef>
+              <a:spcAft>
+                <a:spcPts val="0"/>
+              </a:spcAft>
+              <a:defRPr/>
+            </a:pPr>
+            <a:r>
+              <a:rPr lang="en-US" sz="1200" dirty="0">
+                <a:solidFill>
+                  <a:srgbClr val="D86613"/>
+                </a:solidFill>
+                <a:latin typeface="Arial" panose="020B0604020202020204" pitchFamily="34" charset="0"/>
+                <a:cs typeface="Arial" panose="020B0604020202020204" pitchFamily="34" charset="0"/>
+              </a:rPr>
+              <a:t>Auto Scaling group</a:t>
+            </a:r>
+          </a:p>
+        </p:txBody>
+      </p:sp>
+      <p:pic>
+        <p:nvPicPr>
+          <p:cNvPr id="16" name="Graphic 15">
+            <a:extLst>
+              <a:ext uri="{FF2B5EF4-FFF2-40B4-BE49-F238E27FC236}">
+                <a16:creationId xmlns:a16="http://schemas.microsoft.com/office/drawing/2014/main" id="{AF9613C4-2894-48CC-A984-2AF09EB43EE5}"/>
+              </a:ext>
+            </a:extLst>
+          </p:cNvPr>
+          <p:cNvPicPr>
+            <a:picLocks noChangeAspect="1"/>
+          </p:cNvPicPr>
+          <p:nvPr/>
+        </p:nvPicPr>
+        <p:blipFill>
+          <a:blip r:embed="rId8">
+            <a:extLst>
+              <a:ext uri="{96DAC541-7B7A-43D3-8B79-37D633B846F1}">
+                <asvg:svgBlip xmlns:asvg="http://schemas.microsoft.com/office/drawing/2016/SVG/main" r:embed="rId9"/>
+              </a:ext>
+            </a:extLst>
+          </a:blip>
+          <a:stretch>
+            <a:fillRect/>
+          </a:stretch>
+        </p:blipFill>
+        <p:spPr>
+          <a:xfrm>
+            <a:off x="6024248" y="6793172"/>
+            <a:ext cx="381000" cy="381000"/>
+          </a:xfrm>
+          <a:prstGeom prst="rect">
+            <a:avLst/>
+          </a:prstGeom>
+        </p:spPr>
+      </p:pic>
+      <p:pic>
+        <p:nvPicPr>
+          <p:cNvPr id="12" name="Graphic 14">
+            <a:extLst>
+              <a:ext uri="{FF2B5EF4-FFF2-40B4-BE49-F238E27FC236}">
+                <a16:creationId xmlns:a16="http://schemas.microsoft.com/office/drawing/2014/main" id="{F1DF7AF7-413B-4DCF-AD62-C7D5F194600A}"/>
+              </a:ext>
+            </a:extLst>
+          </p:cNvPr>
+          <p:cNvPicPr>
+            <a:picLocks noChangeAspect="1" noChangeArrowheads="1"/>
+          </p:cNvPicPr>
+          <p:nvPr/>
+        </p:nvPicPr>
+        <p:blipFill>
+          <a:blip r:embed="rId10">
+            <a:extLst>
+              <a:ext uri="{28A0092B-C50C-407E-A947-70E740481C1C}">
+                <a14:useLocalDpi xmlns:a14="http://schemas.microsoft.com/office/drawing/2010/main" val="0"/>
+              </a:ext>
+            </a:extLst>
+          </a:blip>
+          <a:srcRect/>
+          <a:stretch>
+            <a:fillRect/>
+          </a:stretch>
+        </p:blipFill>
+        <p:spPr bwMode="auto">
+          <a:xfrm>
+            <a:off x="4033456" y="6909633"/>
+            <a:ext cx="685800" cy="685800"/>
+          </a:xfrm>
+          <a:prstGeom prst="rect">
+            <a:avLst/>
+          </a:prstGeom>
+          <a:noFill/>
+          <a:ln>
+            <a:noFill/>
+          </a:ln>
+          <a:extLst>
+            <a:ext uri="{909E8E84-426E-40DD-AFC4-6F175D3DCCD1}">
+              <a14:hiddenFill xmlns:a14="http://schemas.microsoft.com/office/drawing/2010/main">
+                <a:solidFill>
+                  <a:srgbClr val="FFFFFF"/>
+                </a:solidFill>
+              </a14:hiddenFill>
+            </a:ext>
+            <a:ext uri="{91240B29-F687-4F45-9708-019B960494DF}">
+              <a14:hiddenLine xmlns:a14="http://schemas.microsoft.com/office/drawing/2010/main" w="9525">
+                <a:solidFill>
+                  <a:srgbClr val="000000"/>
+                </a:solidFill>
+                <a:miter lim="800000"/>
+                <a:headEnd/>
+                <a:tailEnd/>
+              </a14:hiddenLine>
+            </a:ext>
+          </a:extLst>
+        </p:spPr>
+      </p:pic>
+      <p:sp>
+        <p:nvSpPr>
+          <p:cNvPr id="13" name="TextBox 12">
+            <a:extLst>
+              <a:ext uri="{FF2B5EF4-FFF2-40B4-BE49-F238E27FC236}">
+                <a16:creationId xmlns:a16="http://schemas.microsoft.com/office/drawing/2014/main" id="{0F6319BA-6DCC-4B00-A107-2C66B88FD541}"/>
+              </a:ext>
+            </a:extLst>
+          </p:cNvPr>
+          <p:cNvSpPr txBox="1">
+            <a:spLocks noChangeArrowheads="1"/>
+          </p:cNvSpPr>
+          <p:nvPr/>
+        </p:nvSpPr>
+        <p:spPr bwMode="auto">
+          <a:xfrm>
+            <a:off x="3236531" y="7589520"/>
+            <a:ext cx="2279650" cy="276999"/>
+          </a:xfrm>
+          <a:prstGeom prst="rect">
+            <a:avLst/>
+          </a:prstGeom>
+          <a:noFill/>
+          <a:ln>
+            <a:noFill/>
+          </a:ln>
+          <a:extLst>
+            <a:ext uri="{909E8E84-426E-40DD-AFC4-6F175D3DCCD1}">
+              <a14:hiddenFill xmlns:a14="http://schemas.microsoft.com/office/drawing/2010/main">
+                <a:solidFill>
+                  <a:srgbClr val="FFFFFF"/>
+                </a:solidFill>
+              </a14:hiddenFill>
+            </a:ext>
+            <a:ext uri="{91240B29-F687-4F45-9708-019B960494DF}">
+              <a14:hiddenLine xmlns:a14="http://schemas.microsoft.com/office/drawing/2010/main" w="9525">
+                <a:solidFill>
+                  <a:srgbClr val="000000"/>
+                </a:solidFill>
+                <a:miter lim="800000"/>
+                <a:headEnd/>
+                <a:tailEnd/>
+              </a14:hiddenLine>
+            </a:ext>
+          </a:extLst>
+        </p:spPr>
+        <p:txBody>
+          <a:bodyPr>
+            <a:spAutoFit/>
+          </a:bodyPr>
+          <a:lstStyle>
+            <a:lvl1pPr>
+              <a:defRPr>
+                <a:solidFill>
+                  <a:schemeClr val="tx1"/>
+                </a:solidFill>
+                <a:latin typeface="Calibri" panose="020F0502020204030204" pitchFamily="34" charset="0"/>
+              </a:defRPr>
+            </a:lvl1pPr>
+            <a:lvl2pPr marL="742950" indent="-285750">
+              <a:defRPr>
+                <a:solidFill>
+                  <a:schemeClr val="tx1"/>
+                </a:solidFill>
+                <a:latin typeface="Calibri" panose="020F0502020204030204" pitchFamily="34" charset="0"/>
+              </a:defRPr>
+            </a:lvl2pPr>
+            <a:lvl3pPr marL="1143000" indent="-228600">
+              <a:defRPr>
+                <a:solidFill>
+                  <a:schemeClr val="tx1"/>
+                </a:solidFill>
+                <a:latin typeface="Calibri" panose="020F0502020204030204" pitchFamily="34" charset="0"/>
+              </a:defRPr>
+            </a:lvl3pPr>
+            <a:lvl4pPr marL="1600200" indent="-228600">
+              <a:defRPr>
+                <a:solidFill>
+                  <a:schemeClr val="tx1"/>
+                </a:solidFill>
+                <a:latin typeface="Calibri" panose="020F0502020204030204" pitchFamily="34" charset="0"/>
+              </a:defRPr>
+            </a:lvl4pPr>
+            <a:lvl5pPr marL="2057400" indent="-228600">
+              <a:defRPr>
+                <a:solidFill>
+                  <a:schemeClr val="tx1"/>
+                </a:solidFill>
+                <a:latin typeface="Calibri" panose="020F0502020204030204" pitchFamily="34" charset="0"/>
+              </a:defRPr>
+            </a:lvl5pPr>
+            <a:lvl6pPr marL="2514600" indent="-228600" eaLnBrk="0" fontAlgn="base" hangingPunct="0">
+              <a:spcBef>
+                <a:spcPct val="0"/>
+              </a:spcBef>
+              <a:spcAft>
+                <a:spcPct val="0"/>
+              </a:spcAft>
+              <a:defRPr>
+                <a:solidFill>
+                  <a:schemeClr val="tx1"/>
+                </a:solidFill>
+                <a:latin typeface="Calibri" panose="020F0502020204030204" pitchFamily="34" charset="0"/>
+              </a:defRPr>
+            </a:lvl6pPr>
+            <a:lvl7pPr marL="2971800" indent="-228600" eaLnBrk="0" fontAlgn="base" hangingPunct="0">
+              <a:spcBef>
+                <a:spcPct val="0"/>
+              </a:spcBef>
+              <a:spcAft>
+                <a:spcPct val="0"/>
+              </a:spcAft>
+              <a:defRPr>
+                <a:solidFill>
+                  <a:schemeClr val="tx1"/>
+                </a:solidFill>
+                <a:latin typeface="Calibri" panose="020F0502020204030204" pitchFamily="34" charset="0"/>
+              </a:defRPr>
+            </a:lvl7pPr>
+            <a:lvl8pPr marL="3429000" indent="-228600" eaLnBrk="0" fontAlgn="base" hangingPunct="0">
+              <a:spcBef>
+                <a:spcPct val="0"/>
+              </a:spcBef>
+              <a:spcAft>
+                <a:spcPct val="0"/>
+              </a:spcAft>
+              <a:defRPr>
+                <a:solidFill>
+                  <a:schemeClr val="tx1"/>
+                </a:solidFill>
+                <a:latin typeface="Calibri" panose="020F0502020204030204" pitchFamily="34" charset="0"/>
+              </a:defRPr>
+            </a:lvl8pPr>
+            <a:lvl9pPr marL="3886200" indent="-228600" eaLnBrk="0" fontAlgn="base" hangingPunct="0">
+              <a:spcBef>
+                <a:spcPct val="0"/>
+              </a:spcBef>
+              <a:spcAft>
+                <a:spcPct val="0"/>
+              </a:spcAft>
+              <a:defRPr>
+                <a:solidFill>
+                  <a:schemeClr val="tx1"/>
+                </a:solidFill>
+                <a:latin typeface="Calibri" panose="020F0502020204030204" pitchFamily="34" charset="0"/>
+              </a:defRPr>
+            </a:lvl9pPr>
+          </a:lstStyle>
+          <a:p>
+            <a:pPr algn="ctr" eaLnBrk="1" hangingPunct="1"/>
+            <a:r>
+              <a:rPr lang="en-US" altLang="en-US" sz="1200" dirty="0">
+                <a:latin typeface="Arial" panose="020B0604020202020204" pitchFamily="34" charset="0"/>
+                <a:ea typeface="Amazon Ember" panose="020B0603020204020204" pitchFamily="34" charset="0"/>
+                <a:cs typeface="Arial" panose="020B0604020202020204" pitchFamily="34" charset="0"/>
+              </a:rPr>
+              <a:t>AWS Fargate</a:t>
+            </a:r>
+          </a:p>
+        </p:txBody>
+      </p:sp>
+      <p:sp>
+        <p:nvSpPr>
+          <p:cNvPr id="35" name="Rectangle 34">
+            <a:extLst>
+              <a:ext uri="{FF2B5EF4-FFF2-40B4-BE49-F238E27FC236}">
+                <a16:creationId xmlns:a16="http://schemas.microsoft.com/office/drawing/2014/main" id="{18187D34-E92D-4E90-B84C-BF2FF1DB2D1D}"/>
+              </a:ext>
+            </a:extLst>
+          </p:cNvPr>
+          <p:cNvSpPr/>
+          <p:nvPr/>
+        </p:nvSpPr>
+        <p:spPr>
+          <a:xfrm>
+            <a:off x="3211946" y="4064000"/>
+            <a:ext cx="2319100" cy="4396606"/>
+          </a:xfrm>
+          <a:prstGeom prst="rect">
+            <a:avLst/>
+          </a:prstGeom>
+          <a:noFill/>
+          <a:ln w="12700">
+            <a:solidFill>
+              <a:srgbClr val="5B9CD5"/>
+            </a:solidFill>
+            <a:prstDash val="dash"/>
+          </a:ln>
+        </p:spPr>
+        <p:style>
+          <a:lnRef idx="2">
+            <a:schemeClr val="accent1">
+              <a:shade val="50000"/>
+            </a:schemeClr>
+          </a:lnRef>
+          <a:fillRef idx="1">
+            <a:schemeClr val="accent1"/>
+          </a:fillRef>
+          <a:effectRef idx="0">
+            <a:schemeClr val="accent1"/>
+          </a:effectRef>
+          <a:fontRef idx="minor">
+            <a:schemeClr val="lt1"/>
+          </a:fontRef>
+        </p:style>
+        <p:txBody>
+          <a:bodyPr tIns="91440"/>
+          <a:lstStyle/>
+          <a:p>
+            <a:pPr algn="ctr" eaLnBrk="1" fontAlgn="auto" hangingPunct="1">
+              <a:spcBef>
+                <a:spcPts val="0"/>
+              </a:spcBef>
+              <a:spcAft>
+                <a:spcPts val="0"/>
+              </a:spcAft>
+              <a:defRPr/>
+            </a:pPr>
+            <a:r>
+              <a:rPr lang="en-US" sz="1200" dirty="0">
+                <a:solidFill>
+                  <a:srgbClr val="5B9CD5"/>
+                </a:solidFill>
+                <a:latin typeface="Arial" panose="020B0604020202020204" pitchFamily="34" charset="0"/>
+                <a:cs typeface="Arial" panose="020B0604020202020204" pitchFamily="34" charset="0"/>
+              </a:rPr>
+              <a:t>Availability Zone 1</a:t>
+            </a:r>
+          </a:p>
+        </p:txBody>
+      </p:sp>
+      <p:sp>
+        <p:nvSpPr>
+          <p:cNvPr id="38" name="Rectangle 37">
+            <a:extLst>
+              <a:ext uri="{FF2B5EF4-FFF2-40B4-BE49-F238E27FC236}">
+                <a16:creationId xmlns:a16="http://schemas.microsoft.com/office/drawing/2014/main" id="{6FDF1080-F85D-4C2D-9279-4D6B8CAC4E43}"/>
+              </a:ext>
+            </a:extLst>
+          </p:cNvPr>
+          <p:cNvSpPr/>
+          <p:nvPr/>
+        </p:nvSpPr>
+        <p:spPr>
+          <a:xfrm>
+            <a:off x="2781705" y="4386028"/>
+            <a:ext cx="6862810" cy="3938822"/>
+          </a:xfrm>
+          <a:prstGeom prst="rect">
+            <a:avLst/>
+          </a:prstGeom>
+          <a:noFill/>
+          <a:ln w="12700">
+            <a:solidFill>
+              <a:srgbClr val="1E8900"/>
+            </a:solidFill>
+          </a:ln>
+        </p:spPr>
+        <p:style>
+          <a:lnRef idx="2">
+            <a:schemeClr val="accent1">
+              <a:shade val="50000"/>
+            </a:schemeClr>
+          </a:lnRef>
+          <a:fillRef idx="1">
+            <a:schemeClr val="accent1"/>
+          </a:fillRef>
+          <a:effectRef idx="0">
+            <a:schemeClr val="accent1"/>
+          </a:effectRef>
+          <a:fontRef idx="minor">
+            <a:schemeClr val="lt1"/>
+          </a:fontRef>
+        </p:style>
+        <p:txBody>
+          <a:bodyPr lIns="502920" tIns="91440"/>
+          <a:lstStyle/>
+          <a:p>
+            <a:pPr eaLnBrk="1" fontAlgn="auto" hangingPunct="1">
+              <a:spcBef>
+                <a:spcPts val="0"/>
+              </a:spcBef>
+              <a:spcAft>
+                <a:spcPts val="0"/>
+              </a:spcAft>
+              <a:defRPr/>
+            </a:pPr>
+            <a:r>
+              <a:rPr lang="en-US" sz="1200" dirty="0">
+                <a:ln w="0"/>
+                <a:solidFill>
+                  <a:srgbClr val="1E8900"/>
+                </a:solidFill>
+                <a:latin typeface="Arial" panose="020B0604020202020204" pitchFamily="34" charset="0"/>
+                <a:cs typeface="Arial" panose="020B0604020202020204" pitchFamily="34" charset="0"/>
+              </a:rPr>
+              <a:t>VPC</a:t>
+            </a:r>
+          </a:p>
+        </p:txBody>
+      </p:sp>
+      <p:pic>
+        <p:nvPicPr>
+          <p:cNvPr id="39" name="Graphic 38">
+            <a:extLst>
+              <a:ext uri="{FF2B5EF4-FFF2-40B4-BE49-F238E27FC236}">
+                <a16:creationId xmlns:a16="http://schemas.microsoft.com/office/drawing/2014/main" id="{A50672E7-DF24-41DE-A0DF-327B2A79ED74}"/>
+              </a:ext>
+            </a:extLst>
+          </p:cNvPr>
+          <p:cNvPicPr>
+            <a:picLocks noChangeAspect="1"/>
+          </p:cNvPicPr>
+          <p:nvPr/>
+        </p:nvPicPr>
+        <p:blipFill>
+          <a:blip r:embed="rId11">
+            <a:extLst>
+              <a:ext uri="{96DAC541-7B7A-43D3-8B79-37D633B846F1}">
+                <asvg:svgBlip xmlns:asvg="http://schemas.microsoft.com/office/drawing/2016/SVG/main" r:embed="rId12"/>
+              </a:ext>
+            </a:extLst>
+          </a:blip>
+          <a:stretch>
+            <a:fillRect/>
+          </a:stretch>
+        </p:blipFill>
+        <p:spPr>
+          <a:xfrm>
+            <a:off x="2781704" y="4389120"/>
+            <a:ext cx="381000" cy="381000"/>
+          </a:xfrm>
+          <a:prstGeom prst="rect">
+            <a:avLst/>
+          </a:prstGeom>
+        </p:spPr>
+      </p:pic>
+      <p:sp>
+        <p:nvSpPr>
+          <p:cNvPr id="40" name="TextBox 12">
+            <a:extLst>
+              <a:ext uri="{FF2B5EF4-FFF2-40B4-BE49-F238E27FC236}">
+                <a16:creationId xmlns:a16="http://schemas.microsoft.com/office/drawing/2014/main" id="{159124D5-C69C-4DA9-8932-EC92C0AF96A2}"/>
+              </a:ext>
+            </a:extLst>
+          </p:cNvPr>
+          <p:cNvSpPr txBox="1">
+            <a:spLocks noChangeArrowheads="1"/>
+          </p:cNvSpPr>
+          <p:nvPr/>
+        </p:nvSpPr>
+        <p:spPr bwMode="auto">
+          <a:xfrm>
+            <a:off x="5513073" y="4603477"/>
+            <a:ext cx="1403350" cy="276999"/>
+          </a:xfrm>
+          <a:prstGeom prst="rect">
+            <a:avLst/>
+          </a:prstGeom>
+          <a:noFill/>
+          <a:ln>
+            <a:noFill/>
+          </a:ln>
+          <a:extLst>
+            <a:ext uri="{909E8E84-426E-40DD-AFC4-6F175D3DCCD1}">
+              <a14:hiddenFill xmlns:a14="http://schemas.microsoft.com/office/drawing/2010/main">
+                <a:solidFill>
+                  <a:srgbClr val="FFFFFF"/>
+                </a:solidFill>
+              </a14:hiddenFill>
+            </a:ext>
+            <a:ext uri="{91240B29-F687-4F45-9708-019B960494DF}">
+              <a14:hiddenLine xmlns:a14="http://schemas.microsoft.com/office/drawing/2010/main" w="9525">
+                <a:solidFill>
+                  <a:srgbClr val="000000"/>
+                </a:solidFill>
+                <a:miter lim="800000"/>
+                <a:headEnd/>
+                <a:tailEnd/>
+              </a14:hiddenLine>
+            </a:ext>
+          </a:extLst>
+        </p:spPr>
+        <p:txBody>
+          <a:bodyPr>
+            <a:spAutoFit/>
+          </a:bodyPr>
+          <a:lstStyle>
+            <a:lvl1pPr>
+              <a:defRPr>
+                <a:solidFill>
+                  <a:schemeClr val="tx1"/>
+                </a:solidFill>
+                <a:latin typeface="Calibri" panose="020F0502020204030204" pitchFamily="34" charset="0"/>
+              </a:defRPr>
+            </a:lvl1pPr>
+            <a:lvl2pPr marL="742950" indent="-285750">
+              <a:defRPr>
+                <a:solidFill>
+                  <a:schemeClr val="tx1"/>
+                </a:solidFill>
+                <a:latin typeface="Calibri" panose="020F0502020204030204" pitchFamily="34" charset="0"/>
+              </a:defRPr>
+            </a:lvl2pPr>
+            <a:lvl3pPr marL="1143000" indent="-228600">
+              <a:defRPr>
+                <a:solidFill>
+                  <a:schemeClr val="tx1"/>
+                </a:solidFill>
+                <a:latin typeface="Calibri" panose="020F0502020204030204" pitchFamily="34" charset="0"/>
+              </a:defRPr>
+            </a:lvl3pPr>
+            <a:lvl4pPr marL="1600200" indent="-228600">
+              <a:defRPr>
+                <a:solidFill>
+                  <a:schemeClr val="tx1"/>
+                </a:solidFill>
+                <a:latin typeface="Calibri" panose="020F0502020204030204" pitchFamily="34" charset="0"/>
+              </a:defRPr>
+            </a:lvl4pPr>
+            <a:lvl5pPr marL="2057400" indent="-228600">
+              <a:defRPr>
+                <a:solidFill>
+                  <a:schemeClr val="tx1"/>
+                </a:solidFill>
+                <a:latin typeface="Calibri" panose="020F0502020204030204" pitchFamily="34" charset="0"/>
+              </a:defRPr>
+            </a:lvl5pPr>
+            <a:lvl6pPr marL="2514600" indent="-228600" eaLnBrk="0" fontAlgn="base" hangingPunct="0">
+              <a:spcBef>
+                <a:spcPct val="0"/>
+              </a:spcBef>
+              <a:spcAft>
+                <a:spcPct val="0"/>
+              </a:spcAft>
+              <a:defRPr>
+                <a:solidFill>
+                  <a:schemeClr val="tx1"/>
+                </a:solidFill>
+                <a:latin typeface="Calibri" panose="020F0502020204030204" pitchFamily="34" charset="0"/>
+              </a:defRPr>
+            </a:lvl6pPr>
+            <a:lvl7pPr marL="2971800" indent="-228600" eaLnBrk="0" fontAlgn="base" hangingPunct="0">
+              <a:spcBef>
+                <a:spcPct val="0"/>
+              </a:spcBef>
+              <a:spcAft>
+                <a:spcPct val="0"/>
+              </a:spcAft>
+              <a:defRPr>
+                <a:solidFill>
+                  <a:schemeClr val="tx1"/>
+                </a:solidFill>
+                <a:latin typeface="Calibri" panose="020F0502020204030204" pitchFamily="34" charset="0"/>
+              </a:defRPr>
+            </a:lvl7pPr>
+            <a:lvl8pPr marL="3429000" indent="-228600" eaLnBrk="0" fontAlgn="base" hangingPunct="0">
+              <a:spcBef>
+                <a:spcPct val="0"/>
+              </a:spcBef>
+              <a:spcAft>
+                <a:spcPct val="0"/>
+              </a:spcAft>
+              <a:defRPr>
+                <a:solidFill>
+                  <a:schemeClr val="tx1"/>
+                </a:solidFill>
+                <a:latin typeface="Calibri" panose="020F0502020204030204" pitchFamily="34" charset="0"/>
+              </a:defRPr>
+            </a:lvl8pPr>
+            <a:lvl9pPr marL="3886200" indent="-228600" eaLnBrk="0" fontAlgn="base" hangingPunct="0">
+              <a:spcBef>
+                <a:spcPct val="0"/>
+              </a:spcBef>
+              <a:spcAft>
+                <a:spcPct val="0"/>
+              </a:spcAft>
+              <a:defRPr>
+                <a:solidFill>
+                  <a:schemeClr val="tx1"/>
+                </a:solidFill>
+                <a:latin typeface="Calibri" panose="020F0502020204030204" pitchFamily="34" charset="0"/>
+              </a:defRPr>
+            </a:lvl9pPr>
+          </a:lstStyle>
+          <a:p>
+            <a:pPr algn="ctr" eaLnBrk="1" hangingPunct="1"/>
+            <a:r>
+              <a:rPr lang="en-US" altLang="en-US" sz="1200" dirty="0">
+                <a:latin typeface="Arial" panose="020B0604020202020204" pitchFamily="34" charset="0"/>
+                <a:ea typeface="Amazon Ember" panose="020B0603020204020204" pitchFamily="34" charset="0"/>
+                <a:cs typeface="Arial" panose="020B0604020202020204" pitchFamily="34" charset="0"/>
+              </a:rPr>
+              <a:t>Internet gateway</a:t>
+            </a:r>
+          </a:p>
+        </p:txBody>
+      </p:sp>
+      <p:pic>
+        <p:nvPicPr>
+          <p:cNvPr id="41" name="Graphic 10">
+            <a:extLst>
+              <a:ext uri="{FF2B5EF4-FFF2-40B4-BE49-F238E27FC236}">
+                <a16:creationId xmlns:a16="http://schemas.microsoft.com/office/drawing/2014/main" id="{C1B928FE-203E-4488-AB5B-481D7F9D5814}"/>
+              </a:ext>
+            </a:extLst>
+          </p:cNvPr>
+          <p:cNvPicPr>
+            <a:picLocks noChangeAspect="1" noChangeArrowheads="1"/>
+          </p:cNvPicPr>
+          <p:nvPr/>
+        </p:nvPicPr>
+        <p:blipFill>
+          <a:blip r:embed="rId13">
+            <a:extLst>
+              <a:ext uri="{28A0092B-C50C-407E-A947-70E740481C1C}">
+                <a14:useLocalDpi xmlns:a14="http://schemas.microsoft.com/office/drawing/2010/main" val="0"/>
+              </a:ext>
+            </a:extLst>
+          </a:blip>
+          <a:srcRect/>
+          <a:stretch>
+            <a:fillRect/>
+          </a:stretch>
+        </p:blipFill>
+        <p:spPr bwMode="auto">
+          <a:xfrm>
+            <a:off x="5986148" y="4154744"/>
+            <a:ext cx="457200" cy="457200"/>
+          </a:xfrm>
+          <a:prstGeom prst="rect">
+            <a:avLst/>
+          </a:prstGeom>
+          <a:solidFill>
+            <a:schemeClr val="bg1"/>
+          </a:solidFill>
+          <a:ln>
+            <a:noFill/>
+          </a:ln>
+          <a:extLst/>
+        </p:spPr>
+      </p:pic>
+      <p:sp>
+        <p:nvSpPr>
+          <p:cNvPr id="42" name="TextBox 19">
+            <a:extLst>
+              <a:ext uri="{FF2B5EF4-FFF2-40B4-BE49-F238E27FC236}">
+                <a16:creationId xmlns:a16="http://schemas.microsoft.com/office/drawing/2014/main" id="{67F3AEC0-9340-4392-B1A3-EDD9B91FC4E5}"/>
+              </a:ext>
+            </a:extLst>
+          </p:cNvPr>
+          <p:cNvSpPr txBox="1">
+            <a:spLocks noChangeArrowheads="1"/>
+          </p:cNvSpPr>
+          <p:nvPr/>
+        </p:nvSpPr>
+        <p:spPr bwMode="auto">
+          <a:xfrm>
+            <a:off x="5544823" y="5618210"/>
+            <a:ext cx="1339850" cy="461665"/>
+          </a:xfrm>
+          <a:prstGeom prst="rect">
+            <a:avLst/>
+          </a:prstGeom>
+          <a:noFill/>
+          <a:ln>
+            <a:noFill/>
+          </a:ln>
+          <a:extLst>
+            <a:ext uri="{909E8E84-426E-40DD-AFC4-6F175D3DCCD1}">
+              <a14:hiddenFill xmlns:a14="http://schemas.microsoft.com/office/drawing/2010/main">
+                <a:solidFill>
+                  <a:srgbClr val="FFFFFF"/>
+                </a:solidFill>
+              </a14:hiddenFill>
+            </a:ext>
+            <a:ext uri="{91240B29-F687-4F45-9708-019B960494DF}">
+              <a14:hiddenLine xmlns:a14="http://schemas.microsoft.com/office/drawing/2010/main" w="9525">
+                <a:solidFill>
+                  <a:srgbClr val="000000"/>
+                </a:solidFill>
+                <a:miter lim="800000"/>
+                <a:headEnd/>
+                <a:tailEnd/>
+              </a14:hiddenLine>
+            </a:ext>
+          </a:extLst>
+        </p:spPr>
+        <p:txBody>
+          <a:bodyPr wrap="square">
+            <a:spAutoFit/>
+          </a:bodyPr>
+          <a:lstStyle>
+            <a:lvl1pPr>
+              <a:defRPr>
+                <a:solidFill>
+                  <a:schemeClr val="tx1"/>
+                </a:solidFill>
+                <a:latin typeface="Calibri" panose="020F0502020204030204" pitchFamily="34" charset="0"/>
+              </a:defRPr>
+            </a:lvl1pPr>
+            <a:lvl2pPr marL="742950" indent="-285750">
+              <a:defRPr>
+                <a:solidFill>
+                  <a:schemeClr val="tx1"/>
+                </a:solidFill>
+                <a:latin typeface="Calibri" panose="020F0502020204030204" pitchFamily="34" charset="0"/>
+              </a:defRPr>
+            </a:lvl2pPr>
+            <a:lvl3pPr marL="1143000" indent="-228600">
+              <a:defRPr>
+                <a:solidFill>
+                  <a:schemeClr val="tx1"/>
+                </a:solidFill>
+                <a:latin typeface="Calibri" panose="020F0502020204030204" pitchFamily="34" charset="0"/>
+              </a:defRPr>
+            </a:lvl3pPr>
+            <a:lvl4pPr marL="1600200" indent="-228600">
+              <a:defRPr>
+                <a:solidFill>
+                  <a:schemeClr val="tx1"/>
+                </a:solidFill>
+                <a:latin typeface="Calibri" panose="020F0502020204030204" pitchFamily="34" charset="0"/>
+              </a:defRPr>
+            </a:lvl4pPr>
+            <a:lvl5pPr marL="2057400" indent="-228600">
+              <a:defRPr>
+                <a:solidFill>
+                  <a:schemeClr val="tx1"/>
+                </a:solidFill>
+                <a:latin typeface="Calibri" panose="020F0502020204030204" pitchFamily="34" charset="0"/>
+              </a:defRPr>
+            </a:lvl5pPr>
+            <a:lvl6pPr marL="2514600" indent="-228600" eaLnBrk="0" fontAlgn="base" hangingPunct="0">
+              <a:spcBef>
+                <a:spcPct val="0"/>
+              </a:spcBef>
+              <a:spcAft>
+                <a:spcPct val="0"/>
+              </a:spcAft>
+              <a:defRPr>
+                <a:solidFill>
+                  <a:schemeClr val="tx1"/>
+                </a:solidFill>
+                <a:latin typeface="Calibri" panose="020F0502020204030204" pitchFamily="34" charset="0"/>
+              </a:defRPr>
+            </a:lvl6pPr>
+            <a:lvl7pPr marL="2971800" indent="-228600" eaLnBrk="0" fontAlgn="base" hangingPunct="0">
+              <a:spcBef>
+                <a:spcPct val="0"/>
+              </a:spcBef>
+              <a:spcAft>
+                <a:spcPct val="0"/>
+              </a:spcAft>
+              <a:defRPr>
+                <a:solidFill>
+                  <a:schemeClr val="tx1"/>
+                </a:solidFill>
+                <a:latin typeface="Calibri" panose="020F0502020204030204" pitchFamily="34" charset="0"/>
+              </a:defRPr>
+            </a:lvl7pPr>
+            <a:lvl8pPr marL="3429000" indent="-228600" eaLnBrk="0" fontAlgn="base" hangingPunct="0">
+              <a:spcBef>
+                <a:spcPct val="0"/>
+              </a:spcBef>
+              <a:spcAft>
+                <a:spcPct val="0"/>
+              </a:spcAft>
+              <a:defRPr>
+                <a:solidFill>
+                  <a:schemeClr val="tx1"/>
+                </a:solidFill>
+                <a:latin typeface="Calibri" panose="020F0502020204030204" pitchFamily="34" charset="0"/>
+              </a:defRPr>
+            </a:lvl8pPr>
+            <a:lvl9pPr marL="3886200" indent="-228600" eaLnBrk="0" fontAlgn="base" hangingPunct="0">
+              <a:spcBef>
+                <a:spcPct val="0"/>
+              </a:spcBef>
+              <a:spcAft>
+                <a:spcPct val="0"/>
+              </a:spcAft>
+              <a:defRPr>
+                <a:solidFill>
+                  <a:schemeClr val="tx1"/>
+                </a:solidFill>
+                <a:latin typeface="Calibri" panose="020F0502020204030204" pitchFamily="34" charset="0"/>
+              </a:defRPr>
+            </a:lvl9pPr>
+          </a:lstStyle>
+          <a:p>
+            <a:pPr algn="ctr" eaLnBrk="1" hangingPunct="1"/>
+            <a:r>
+              <a:rPr lang="en-US" altLang="en-US" sz="1200" dirty="0">
+                <a:latin typeface="Arial" panose="020B0604020202020204" pitchFamily="34" charset="0"/>
+                <a:ea typeface="Amazon Ember" panose="020B0603020204020204" pitchFamily="34" charset="0"/>
+                <a:cs typeface="Arial" panose="020B0604020202020204" pitchFamily="34" charset="0"/>
+              </a:rPr>
+              <a:t>Application Load </a:t>
+            </a:r>
+            <a:br>
+              <a:rPr lang="en-US" altLang="en-US" sz="1200" dirty="0">
+                <a:latin typeface="Arial" panose="020B0604020202020204" pitchFamily="34" charset="0"/>
+                <a:ea typeface="Amazon Ember" panose="020B0603020204020204" pitchFamily="34" charset="0"/>
+                <a:cs typeface="Arial" panose="020B0604020202020204" pitchFamily="34" charset="0"/>
+              </a:rPr>
+            </a:br>
+            <a:r>
+              <a:rPr lang="en-US" altLang="en-US" sz="1200" dirty="0">
+                <a:latin typeface="Arial" panose="020B0604020202020204" pitchFamily="34" charset="0"/>
+                <a:ea typeface="Amazon Ember" panose="020B0603020204020204" pitchFamily="34" charset="0"/>
+                <a:cs typeface="Arial" panose="020B0604020202020204" pitchFamily="34" charset="0"/>
+              </a:rPr>
+              <a:t>Balancer</a:t>
+            </a:r>
+          </a:p>
+        </p:txBody>
+      </p:sp>
+      <p:pic>
+        <p:nvPicPr>
+          <p:cNvPr id="43" name="Graphic 8">
+            <a:extLst>
+              <a:ext uri="{FF2B5EF4-FFF2-40B4-BE49-F238E27FC236}">
+                <a16:creationId xmlns:a16="http://schemas.microsoft.com/office/drawing/2014/main" id="{144128A2-1E5D-4763-9F20-3DC8069D662E}"/>
+              </a:ext>
+            </a:extLst>
+          </p:cNvPr>
+          <p:cNvPicPr>
+            <a:picLocks noChangeAspect="1" noChangeArrowheads="1"/>
+          </p:cNvPicPr>
+          <p:nvPr/>
+        </p:nvPicPr>
+        <p:blipFill>
+          <a:blip r:embed="rId14">
+            <a:extLst>
+              <a:ext uri="{28A0092B-C50C-407E-A947-70E740481C1C}">
+                <a14:useLocalDpi xmlns:a14="http://schemas.microsoft.com/office/drawing/2010/main" val="0"/>
+              </a:ext>
+            </a:extLst>
+          </a:blip>
+          <a:srcRect/>
+          <a:stretch>
+            <a:fillRect/>
+          </a:stretch>
+        </p:blipFill>
+        <p:spPr bwMode="auto">
+          <a:xfrm>
+            <a:off x="5986148" y="5151533"/>
+            <a:ext cx="457200" cy="457200"/>
+          </a:xfrm>
+          <a:prstGeom prst="rect">
+            <a:avLst/>
+          </a:prstGeom>
+          <a:noFill/>
+          <a:ln>
+            <a:noFill/>
+          </a:ln>
+          <a:extLst>
+            <a:ext uri="{909E8E84-426E-40DD-AFC4-6F175D3DCCD1}">
+              <a14:hiddenFill xmlns:a14="http://schemas.microsoft.com/office/drawing/2010/main">
+                <a:solidFill>
+                  <a:srgbClr val="FFFFFF"/>
+                </a:solidFill>
+              </a14:hiddenFill>
+            </a:ext>
+            <a:ext uri="{91240B29-F687-4F45-9708-019B960494DF}">
+              <a14:hiddenLine xmlns:a14="http://schemas.microsoft.com/office/drawing/2010/main" w="9525">
+                <a:solidFill>
+                  <a:srgbClr val="000000"/>
+                </a:solidFill>
+                <a:miter lim="800000"/>
+                <a:headEnd/>
+                <a:tailEnd/>
+              </a14:hiddenLine>
+            </a:ext>
+          </a:extLst>
+        </p:spPr>
+      </p:pic>
+      <p:pic>
+        <p:nvPicPr>
+          <p:cNvPr id="46" name="Graphic 21">
+            <a:extLst>
+              <a:ext uri="{FF2B5EF4-FFF2-40B4-BE49-F238E27FC236}">
+                <a16:creationId xmlns:a16="http://schemas.microsoft.com/office/drawing/2014/main" id="{91945F74-B921-4E94-A383-78DCB4320F63}"/>
+              </a:ext>
+            </a:extLst>
+          </p:cNvPr>
+          <p:cNvPicPr>
+            <a:picLocks noChangeAspect="1" noChangeArrowheads="1"/>
+          </p:cNvPicPr>
+          <p:nvPr/>
+        </p:nvPicPr>
+        <p:blipFill>
+          <a:blip r:embed="rId15">
+            <a:extLst>
+              <a:ext uri="{28A0092B-C50C-407E-A947-70E740481C1C}">
+                <a14:useLocalDpi xmlns:a14="http://schemas.microsoft.com/office/drawing/2010/main" val="0"/>
+              </a:ext>
+            </a:extLst>
+          </a:blip>
+          <a:srcRect/>
+          <a:stretch>
+            <a:fillRect/>
+          </a:stretch>
+        </p:blipFill>
+        <p:spPr bwMode="auto">
+          <a:xfrm>
+            <a:off x="5871848" y="1631671"/>
+            <a:ext cx="685800" cy="685800"/>
+          </a:xfrm>
+          <a:prstGeom prst="rect">
+            <a:avLst/>
+          </a:prstGeom>
+          <a:noFill/>
+          <a:ln>
+            <a:noFill/>
+          </a:ln>
+          <a:extLst>
+            <a:ext uri="{909E8E84-426E-40DD-AFC4-6F175D3DCCD1}">
+              <a14:hiddenFill xmlns:a14="http://schemas.microsoft.com/office/drawing/2010/main">
+                <a:solidFill>
+                  <a:srgbClr val="FFFFFF"/>
+                </a:solidFill>
+              </a14:hiddenFill>
+            </a:ext>
+            <a:ext uri="{91240B29-F687-4F45-9708-019B960494DF}">
+              <a14:hiddenLine xmlns:a14="http://schemas.microsoft.com/office/drawing/2010/main" w="9525">
+                <a:solidFill>
+                  <a:srgbClr val="000000"/>
+                </a:solidFill>
+                <a:miter lim="800000"/>
+                <a:headEnd/>
+                <a:tailEnd/>
+              </a14:hiddenLine>
+            </a:ext>
+          </a:extLst>
+        </p:spPr>
+      </p:pic>
+      <p:sp>
+        <p:nvSpPr>
+          <p:cNvPr id="47" name="TextBox 12">
+            <a:extLst>
+              <a:ext uri="{FF2B5EF4-FFF2-40B4-BE49-F238E27FC236}">
+                <a16:creationId xmlns:a16="http://schemas.microsoft.com/office/drawing/2014/main" id="{5078BF7F-9C01-453D-B067-D52A1C870D9D}"/>
+              </a:ext>
+            </a:extLst>
+          </p:cNvPr>
+          <p:cNvSpPr txBox="1">
+            <a:spLocks noChangeArrowheads="1"/>
+          </p:cNvSpPr>
+          <p:nvPr/>
+        </p:nvSpPr>
+        <p:spPr bwMode="auto">
+          <a:xfrm>
+            <a:off x="5293998" y="2298415"/>
+            <a:ext cx="1841500" cy="276999"/>
+          </a:xfrm>
+          <a:prstGeom prst="rect">
+            <a:avLst/>
+          </a:prstGeom>
+          <a:noFill/>
+          <a:ln>
+            <a:noFill/>
+          </a:ln>
+          <a:extLst>
+            <a:ext uri="{909E8E84-426E-40DD-AFC4-6F175D3DCCD1}">
+              <a14:hiddenFill xmlns:a14="http://schemas.microsoft.com/office/drawing/2010/main">
+                <a:solidFill>
+                  <a:srgbClr val="FFFFFF"/>
+                </a:solidFill>
+              </a14:hiddenFill>
+            </a:ext>
+            <a:ext uri="{91240B29-F687-4F45-9708-019B960494DF}">
+              <a14:hiddenLine xmlns:a14="http://schemas.microsoft.com/office/drawing/2010/main" w="9525">
+                <a:solidFill>
+                  <a:srgbClr val="000000"/>
+                </a:solidFill>
+                <a:miter lim="800000"/>
+                <a:headEnd/>
+                <a:tailEnd/>
+              </a14:hiddenLine>
+            </a:ext>
+          </a:extLst>
+        </p:spPr>
+        <p:txBody>
+          <a:bodyPr wrap="square">
+            <a:spAutoFit/>
+          </a:bodyPr>
+          <a:lstStyle>
+            <a:lvl1pPr>
+              <a:defRPr>
+                <a:solidFill>
+                  <a:schemeClr val="tx1"/>
+                </a:solidFill>
+                <a:latin typeface="Calibri" panose="020F0502020204030204" pitchFamily="34" charset="0"/>
+              </a:defRPr>
+            </a:lvl1pPr>
+            <a:lvl2pPr marL="742950" indent="-285750">
+              <a:defRPr>
+                <a:solidFill>
+                  <a:schemeClr val="tx1"/>
+                </a:solidFill>
+                <a:latin typeface="Calibri" panose="020F0502020204030204" pitchFamily="34" charset="0"/>
+              </a:defRPr>
+            </a:lvl2pPr>
+            <a:lvl3pPr marL="1143000" indent="-228600">
+              <a:defRPr>
+                <a:solidFill>
+                  <a:schemeClr val="tx1"/>
+                </a:solidFill>
+                <a:latin typeface="Calibri" panose="020F0502020204030204" pitchFamily="34" charset="0"/>
+              </a:defRPr>
+            </a:lvl3pPr>
+            <a:lvl4pPr marL="1600200" indent="-228600">
+              <a:defRPr>
+                <a:solidFill>
+                  <a:schemeClr val="tx1"/>
+                </a:solidFill>
+                <a:latin typeface="Calibri" panose="020F0502020204030204" pitchFamily="34" charset="0"/>
+              </a:defRPr>
+            </a:lvl4pPr>
+            <a:lvl5pPr marL="2057400" indent="-228600">
+              <a:defRPr>
+                <a:solidFill>
+                  <a:schemeClr val="tx1"/>
+                </a:solidFill>
+                <a:latin typeface="Calibri" panose="020F0502020204030204" pitchFamily="34" charset="0"/>
+              </a:defRPr>
+            </a:lvl5pPr>
+            <a:lvl6pPr marL="2514600" indent="-228600" eaLnBrk="0" fontAlgn="base" hangingPunct="0">
+              <a:spcBef>
+                <a:spcPct val="0"/>
+              </a:spcBef>
+              <a:spcAft>
+                <a:spcPct val="0"/>
+              </a:spcAft>
+              <a:defRPr>
+                <a:solidFill>
+                  <a:schemeClr val="tx1"/>
+                </a:solidFill>
+                <a:latin typeface="Calibri" panose="020F0502020204030204" pitchFamily="34" charset="0"/>
+              </a:defRPr>
+            </a:lvl6pPr>
+            <a:lvl7pPr marL="2971800" indent="-228600" eaLnBrk="0" fontAlgn="base" hangingPunct="0">
+              <a:spcBef>
+                <a:spcPct val="0"/>
+              </a:spcBef>
+              <a:spcAft>
+                <a:spcPct val="0"/>
+              </a:spcAft>
+              <a:defRPr>
+                <a:solidFill>
+                  <a:schemeClr val="tx1"/>
+                </a:solidFill>
+                <a:latin typeface="Calibri" panose="020F0502020204030204" pitchFamily="34" charset="0"/>
+              </a:defRPr>
+            </a:lvl7pPr>
+            <a:lvl8pPr marL="3429000" indent="-228600" eaLnBrk="0" fontAlgn="base" hangingPunct="0">
+              <a:spcBef>
+                <a:spcPct val="0"/>
+              </a:spcBef>
+              <a:spcAft>
+                <a:spcPct val="0"/>
+              </a:spcAft>
+              <a:defRPr>
+                <a:solidFill>
+                  <a:schemeClr val="tx1"/>
+                </a:solidFill>
+                <a:latin typeface="Calibri" panose="020F0502020204030204" pitchFamily="34" charset="0"/>
+              </a:defRPr>
+            </a:lvl8pPr>
+            <a:lvl9pPr marL="3886200" indent="-228600" eaLnBrk="0" fontAlgn="base" hangingPunct="0">
+              <a:spcBef>
+                <a:spcPct val="0"/>
+              </a:spcBef>
+              <a:spcAft>
+                <a:spcPct val="0"/>
+              </a:spcAft>
+              <a:defRPr>
+                <a:solidFill>
+                  <a:schemeClr val="tx1"/>
+                </a:solidFill>
+                <a:latin typeface="Calibri" panose="020F0502020204030204" pitchFamily="34" charset="0"/>
+              </a:defRPr>
+            </a:lvl9pPr>
+          </a:lstStyle>
+          <a:p>
+            <a:pPr algn="ctr" eaLnBrk="1" hangingPunct="1"/>
+            <a:r>
+              <a:rPr lang="en-US" altLang="en-US" sz="1200" dirty="0">
+                <a:latin typeface="Arial" panose="020B0604020202020204" pitchFamily="34" charset="0"/>
+                <a:ea typeface="Amazon Ember" panose="020B0603020204020204" pitchFamily="34" charset="0"/>
+                <a:cs typeface="Arial" panose="020B0604020202020204" pitchFamily="34" charset="0"/>
+              </a:rPr>
+              <a:t>Route 53 (optional)</a:t>
+            </a:r>
+          </a:p>
+        </p:txBody>
+      </p:sp>
+      <p:pic>
+        <p:nvPicPr>
+          <p:cNvPr id="48" name="Graphic 8">
+            <a:extLst>
+              <a:ext uri="{FF2B5EF4-FFF2-40B4-BE49-F238E27FC236}">
+                <a16:creationId xmlns:a16="http://schemas.microsoft.com/office/drawing/2014/main" id="{CE2F903D-D08A-401C-827B-BA9F5215DFD5}"/>
+              </a:ext>
+            </a:extLst>
+          </p:cNvPr>
+          <p:cNvPicPr>
+            <a:picLocks noChangeAspect="1" noChangeArrowheads="1"/>
+          </p:cNvPicPr>
+          <p:nvPr/>
+        </p:nvPicPr>
+        <p:blipFill>
+          <a:blip r:embed="rId16">
+            <a:extLst>
+              <a:ext uri="{28A0092B-C50C-407E-A947-70E740481C1C}">
+                <a14:useLocalDpi xmlns:a14="http://schemas.microsoft.com/office/drawing/2010/main" val="0"/>
+              </a:ext>
+            </a:extLst>
+          </a:blip>
+          <a:srcRect/>
+          <a:stretch>
+            <a:fillRect/>
+          </a:stretch>
+        </p:blipFill>
+        <p:spPr bwMode="auto">
+          <a:xfrm>
+            <a:off x="5871848" y="2980982"/>
+            <a:ext cx="685800" cy="685800"/>
+          </a:xfrm>
+          <a:prstGeom prst="rect">
+            <a:avLst/>
+          </a:prstGeom>
+          <a:noFill/>
+          <a:ln>
+            <a:noFill/>
+          </a:ln>
+          <a:extLst>
+            <a:ext uri="{909E8E84-426E-40DD-AFC4-6F175D3DCCD1}">
+              <a14:hiddenFill xmlns:a14="http://schemas.microsoft.com/office/drawing/2010/main">
+                <a:solidFill>
+                  <a:srgbClr val="FFFFFF"/>
+                </a:solidFill>
+              </a14:hiddenFill>
+            </a:ext>
+            <a:ext uri="{91240B29-F687-4F45-9708-019B960494DF}">
+              <a14:hiddenLine xmlns:a14="http://schemas.microsoft.com/office/drawing/2010/main" w="9525">
+                <a:solidFill>
+                  <a:srgbClr val="000000"/>
+                </a:solidFill>
+                <a:miter lim="800000"/>
+                <a:headEnd/>
+                <a:tailEnd/>
+              </a14:hiddenLine>
+            </a:ext>
+          </a:extLst>
+        </p:spPr>
+      </p:pic>
+      <p:sp>
+        <p:nvSpPr>
+          <p:cNvPr id="49" name="TextBox 11">
+            <a:extLst>
+              <a:ext uri="{FF2B5EF4-FFF2-40B4-BE49-F238E27FC236}">
+                <a16:creationId xmlns:a16="http://schemas.microsoft.com/office/drawing/2014/main" id="{0832BA31-8481-40F6-88FC-5652CE2F5AAA}"/>
+              </a:ext>
+            </a:extLst>
+          </p:cNvPr>
+          <p:cNvSpPr txBox="1">
+            <a:spLocks noChangeArrowheads="1"/>
+          </p:cNvSpPr>
+          <p:nvPr/>
+        </p:nvSpPr>
+        <p:spPr bwMode="auto">
+          <a:xfrm>
+            <a:off x="5068573" y="3658312"/>
+            <a:ext cx="2292350" cy="276999"/>
+          </a:xfrm>
+          <a:prstGeom prst="rect">
+            <a:avLst/>
+          </a:prstGeom>
+          <a:noFill/>
+          <a:ln>
+            <a:noFill/>
+          </a:ln>
+          <a:extLst>
+            <a:ext uri="{909E8E84-426E-40DD-AFC4-6F175D3DCCD1}">
+              <a14:hiddenFill xmlns:a14="http://schemas.microsoft.com/office/drawing/2010/main">
+                <a:solidFill>
+                  <a:srgbClr val="FFFFFF"/>
+                </a:solidFill>
+              </a14:hiddenFill>
+            </a:ext>
+            <a:ext uri="{91240B29-F687-4F45-9708-019B960494DF}">
+              <a14:hiddenLine xmlns:a14="http://schemas.microsoft.com/office/drawing/2010/main" w="9525">
+                <a:solidFill>
+                  <a:srgbClr val="000000"/>
+                </a:solidFill>
+                <a:miter lim="800000"/>
+                <a:headEnd/>
+                <a:tailEnd/>
+              </a14:hiddenLine>
+            </a:ext>
+          </a:extLst>
+        </p:spPr>
+        <p:txBody>
+          <a:bodyPr>
+            <a:spAutoFit/>
+          </a:bodyPr>
+          <a:lstStyle>
+            <a:lvl1pPr>
+              <a:defRPr>
+                <a:solidFill>
+                  <a:schemeClr val="tx1"/>
+                </a:solidFill>
+                <a:latin typeface="Calibri" panose="020F0502020204030204" pitchFamily="34" charset="0"/>
+              </a:defRPr>
+            </a:lvl1pPr>
+            <a:lvl2pPr marL="742950" indent="-285750">
+              <a:defRPr>
+                <a:solidFill>
+                  <a:schemeClr val="tx1"/>
+                </a:solidFill>
+                <a:latin typeface="Calibri" panose="020F0502020204030204" pitchFamily="34" charset="0"/>
+              </a:defRPr>
+            </a:lvl2pPr>
+            <a:lvl3pPr marL="1143000" indent="-228600">
+              <a:defRPr>
+                <a:solidFill>
+                  <a:schemeClr val="tx1"/>
+                </a:solidFill>
+                <a:latin typeface="Calibri" panose="020F0502020204030204" pitchFamily="34" charset="0"/>
+              </a:defRPr>
+            </a:lvl3pPr>
+            <a:lvl4pPr marL="1600200" indent="-228600">
+              <a:defRPr>
+                <a:solidFill>
+                  <a:schemeClr val="tx1"/>
+                </a:solidFill>
+                <a:latin typeface="Calibri" panose="020F0502020204030204" pitchFamily="34" charset="0"/>
+              </a:defRPr>
+            </a:lvl4pPr>
+            <a:lvl5pPr marL="2057400" indent="-228600">
+              <a:defRPr>
+                <a:solidFill>
+                  <a:schemeClr val="tx1"/>
+                </a:solidFill>
+                <a:latin typeface="Calibri" panose="020F0502020204030204" pitchFamily="34" charset="0"/>
+              </a:defRPr>
+            </a:lvl5pPr>
+            <a:lvl6pPr marL="2514600" indent="-228600" eaLnBrk="0" fontAlgn="base" hangingPunct="0">
+              <a:spcBef>
+                <a:spcPct val="0"/>
+              </a:spcBef>
+              <a:spcAft>
+                <a:spcPct val="0"/>
+              </a:spcAft>
+              <a:defRPr>
+                <a:solidFill>
+                  <a:schemeClr val="tx1"/>
+                </a:solidFill>
+                <a:latin typeface="Calibri" panose="020F0502020204030204" pitchFamily="34" charset="0"/>
+              </a:defRPr>
+            </a:lvl6pPr>
+            <a:lvl7pPr marL="2971800" indent="-228600" eaLnBrk="0" fontAlgn="base" hangingPunct="0">
+              <a:spcBef>
+                <a:spcPct val="0"/>
+              </a:spcBef>
+              <a:spcAft>
+                <a:spcPct val="0"/>
+              </a:spcAft>
+              <a:defRPr>
+                <a:solidFill>
+                  <a:schemeClr val="tx1"/>
+                </a:solidFill>
+                <a:latin typeface="Calibri" panose="020F0502020204030204" pitchFamily="34" charset="0"/>
+              </a:defRPr>
+            </a:lvl7pPr>
+            <a:lvl8pPr marL="3429000" indent="-228600" eaLnBrk="0" fontAlgn="base" hangingPunct="0">
+              <a:spcBef>
+                <a:spcPct val="0"/>
+              </a:spcBef>
+              <a:spcAft>
+                <a:spcPct val="0"/>
+              </a:spcAft>
+              <a:defRPr>
+                <a:solidFill>
+                  <a:schemeClr val="tx1"/>
+                </a:solidFill>
+                <a:latin typeface="Calibri" panose="020F0502020204030204" pitchFamily="34" charset="0"/>
+              </a:defRPr>
+            </a:lvl8pPr>
+            <a:lvl9pPr marL="3886200" indent="-228600" eaLnBrk="0" fontAlgn="base" hangingPunct="0">
+              <a:spcBef>
+                <a:spcPct val="0"/>
+              </a:spcBef>
+              <a:spcAft>
+                <a:spcPct val="0"/>
+              </a:spcAft>
+              <a:defRPr>
+                <a:solidFill>
+                  <a:schemeClr val="tx1"/>
+                </a:solidFill>
+                <a:latin typeface="Calibri" panose="020F0502020204030204" pitchFamily="34" charset="0"/>
+              </a:defRPr>
+            </a:lvl9pPr>
+          </a:lstStyle>
+          <a:p>
+            <a:pPr algn="ctr" eaLnBrk="1" hangingPunct="1"/>
+            <a:r>
+              <a:rPr lang="en-US" altLang="en-US" sz="1200" dirty="0">
+                <a:latin typeface="Arial" panose="020B0604020202020204" pitchFamily="34" charset="0"/>
+                <a:ea typeface="Amazon Ember" panose="020B0603020204020204" pitchFamily="34" charset="0"/>
+                <a:cs typeface="Arial" panose="020B0604020202020204" pitchFamily="34" charset="0"/>
+              </a:rPr>
+              <a:t>AWS WAF</a:t>
+            </a:r>
+          </a:p>
+        </p:txBody>
+      </p:sp>
+      <p:cxnSp>
+        <p:nvCxnSpPr>
+          <p:cNvPr id="50" name="Straight Arrow Connector 49">
+            <a:extLst>
+              <a:ext uri="{FF2B5EF4-FFF2-40B4-BE49-F238E27FC236}">
+                <a16:creationId xmlns:a16="http://schemas.microsoft.com/office/drawing/2014/main" id="{77103D37-90AC-41BB-84C7-81D2E9F21E6E}"/>
+              </a:ext>
+            </a:extLst>
+          </p:cNvPr>
+          <p:cNvCxnSpPr>
+            <a:cxnSpLocks/>
+            <a:stCxn id="48" idx="0"/>
+            <a:endCxn id="47" idx="2"/>
+          </p:cNvCxnSpPr>
+          <p:nvPr/>
+        </p:nvCxnSpPr>
+        <p:spPr>
+          <a:xfrm flipV="1">
+            <a:off x="6214748" y="2575414"/>
+            <a:ext cx="0" cy="405568"/>
+          </a:xfrm>
+          <a:prstGeom prst="straightConnector1">
+            <a:avLst/>
+          </a:prstGeom>
+          <a:ln w="12700">
+            <a:solidFill>
+              <a:schemeClr val="tx2"/>
+            </a:solidFill>
+            <a:headEnd type="arrow" w="med" len="sm"/>
+            <a:tailEnd type="none" w="med" len="sm"/>
+          </a:ln>
+        </p:spPr>
+        <p:style>
+          <a:lnRef idx="1">
+            <a:schemeClr val="accent1"/>
+          </a:lnRef>
+          <a:fillRef idx="0">
+            <a:schemeClr val="accent1"/>
+          </a:fillRef>
+          <a:effectRef idx="0">
+            <a:schemeClr val="accent1"/>
+          </a:effectRef>
+          <a:fontRef idx="minor">
+            <a:schemeClr val="tx1"/>
+          </a:fontRef>
+        </p:style>
+      </p:cxnSp>
+      <p:cxnSp>
+        <p:nvCxnSpPr>
+          <p:cNvPr id="54" name="Straight Arrow Connector 53">
+            <a:extLst>
+              <a:ext uri="{FF2B5EF4-FFF2-40B4-BE49-F238E27FC236}">
+                <a16:creationId xmlns:a16="http://schemas.microsoft.com/office/drawing/2014/main" id="{772D8C33-3954-42AD-8457-9D270F1B6DD0}"/>
+              </a:ext>
+            </a:extLst>
+          </p:cNvPr>
+          <p:cNvCxnSpPr>
+            <a:cxnSpLocks/>
+            <a:stCxn id="41" idx="0"/>
+            <a:endCxn id="49" idx="2"/>
+          </p:cNvCxnSpPr>
+          <p:nvPr/>
+        </p:nvCxnSpPr>
+        <p:spPr>
+          <a:xfrm flipV="1">
+            <a:off x="6214748" y="3935311"/>
+            <a:ext cx="0" cy="219433"/>
+          </a:xfrm>
+          <a:prstGeom prst="straightConnector1">
+            <a:avLst/>
+          </a:prstGeom>
+          <a:ln w="12700">
+            <a:solidFill>
+              <a:schemeClr val="tx2"/>
+            </a:solidFill>
+            <a:headEnd type="arrow" w="med" len="sm"/>
+            <a:tailEnd type="none" w="med" len="sm"/>
+          </a:ln>
+        </p:spPr>
+        <p:style>
+          <a:lnRef idx="1">
+            <a:schemeClr val="accent1"/>
+          </a:lnRef>
+          <a:fillRef idx="0">
+            <a:schemeClr val="accent1"/>
+          </a:fillRef>
+          <a:effectRef idx="0">
+            <a:schemeClr val="accent1"/>
+          </a:effectRef>
+          <a:fontRef idx="minor">
+            <a:schemeClr val="tx1"/>
+          </a:fontRef>
+        </p:style>
+      </p:cxnSp>
+      <p:cxnSp>
+        <p:nvCxnSpPr>
+          <p:cNvPr id="57" name="Straight Arrow Connector 56">
+            <a:extLst>
+              <a:ext uri="{FF2B5EF4-FFF2-40B4-BE49-F238E27FC236}">
+                <a16:creationId xmlns:a16="http://schemas.microsoft.com/office/drawing/2014/main" id="{73357E13-9519-450E-BFEF-7DFB4366D789}"/>
+              </a:ext>
+            </a:extLst>
+          </p:cNvPr>
+          <p:cNvCxnSpPr>
+            <a:cxnSpLocks/>
+            <a:stCxn id="43" idx="0"/>
+            <a:endCxn id="40" idx="2"/>
+          </p:cNvCxnSpPr>
+          <p:nvPr/>
+        </p:nvCxnSpPr>
+        <p:spPr>
+          <a:xfrm flipV="1">
+            <a:off x="6214748" y="4880476"/>
+            <a:ext cx="0" cy="271057"/>
+          </a:xfrm>
+          <a:prstGeom prst="straightConnector1">
+            <a:avLst/>
+          </a:prstGeom>
+          <a:ln w="12700">
+            <a:solidFill>
+              <a:schemeClr val="tx2"/>
+            </a:solidFill>
+            <a:headEnd type="arrow" w="med" len="sm"/>
+            <a:tailEnd type="none" w="med" len="sm"/>
+          </a:ln>
+        </p:spPr>
+        <p:style>
+          <a:lnRef idx="1">
+            <a:schemeClr val="accent1"/>
+          </a:lnRef>
+          <a:fillRef idx="0">
+            <a:schemeClr val="accent1"/>
+          </a:fillRef>
+          <a:effectRef idx="0">
+            <a:schemeClr val="accent1"/>
+          </a:effectRef>
+          <a:fontRef idx="minor">
+            <a:schemeClr val="tx1"/>
+          </a:fontRef>
+        </p:style>
+      </p:cxnSp>
+      <p:cxnSp>
+        <p:nvCxnSpPr>
+          <p:cNvPr id="60" name="Straight Arrow Connector 59">
+            <a:extLst>
+              <a:ext uri="{FF2B5EF4-FFF2-40B4-BE49-F238E27FC236}">
+                <a16:creationId xmlns:a16="http://schemas.microsoft.com/office/drawing/2014/main" id="{4D12B9B7-F7D3-4EEE-AA52-843A8B8BB93F}"/>
+              </a:ext>
+            </a:extLst>
+          </p:cNvPr>
+          <p:cNvCxnSpPr>
+            <a:cxnSpLocks/>
+            <a:stCxn id="16" idx="0"/>
+            <a:endCxn id="42" idx="2"/>
+          </p:cNvCxnSpPr>
+          <p:nvPr/>
+        </p:nvCxnSpPr>
+        <p:spPr>
+          <a:xfrm flipV="1">
+            <a:off x="6214748" y="6079875"/>
+            <a:ext cx="0" cy="713297"/>
+          </a:xfrm>
+          <a:prstGeom prst="straightConnector1">
+            <a:avLst/>
+          </a:prstGeom>
+          <a:ln w="12700">
+            <a:solidFill>
+              <a:schemeClr val="tx2"/>
+            </a:solidFill>
+            <a:headEnd type="arrow" w="med" len="sm"/>
+            <a:tailEnd type="none" w="med" len="sm"/>
+          </a:ln>
+        </p:spPr>
+        <p:style>
+          <a:lnRef idx="1">
+            <a:schemeClr val="accent1"/>
+          </a:lnRef>
+          <a:fillRef idx="0">
+            <a:schemeClr val="accent1"/>
+          </a:fillRef>
+          <a:effectRef idx="0">
+            <a:schemeClr val="accent1"/>
+          </a:effectRef>
+          <a:fontRef idx="minor">
+            <a:schemeClr val="tx1"/>
+          </a:fontRef>
+        </p:style>
+      </p:cxnSp>
+      <p:sp>
+        <p:nvSpPr>
+          <p:cNvPr id="45" name="Rectangle 44">
+            <a:extLst>
+              <a:ext uri="{FF2B5EF4-FFF2-40B4-BE49-F238E27FC236}">
+                <a16:creationId xmlns:a16="http://schemas.microsoft.com/office/drawing/2014/main" id="{35E7D4F4-E363-49FA-8B83-3B477F7A26FA}"/>
+              </a:ext>
+            </a:extLst>
+          </p:cNvPr>
+          <p:cNvSpPr/>
+          <p:nvPr/>
+        </p:nvSpPr>
+        <p:spPr>
+          <a:xfrm>
+            <a:off x="6969866" y="4789515"/>
+            <a:ext cx="2156468" cy="1380278"/>
+          </a:xfrm>
+          <a:prstGeom prst="rect">
+            <a:avLst/>
+          </a:prstGeom>
+          <a:solidFill>
+            <a:srgbClr val="1D8900">
+              <a:alpha val="9804"/>
+            </a:srgbClr>
+          </a:solidFill>
+          <a:ln w="12700">
+            <a:noFill/>
+            <a:prstDash val="dash"/>
+          </a:ln>
+        </p:spPr>
+        <p:style>
+          <a:lnRef idx="2">
+            <a:schemeClr val="accent1">
+              <a:shade val="50000"/>
+            </a:schemeClr>
+          </a:lnRef>
+          <a:fillRef idx="1">
+            <a:schemeClr val="accent1"/>
+          </a:fillRef>
+          <a:effectRef idx="0">
+            <a:schemeClr val="accent1"/>
+          </a:effectRef>
+          <a:fontRef idx="minor">
+            <a:schemeClr val="lt1"/>
+          </a:fontRef>
+        </p:style>
+        <p:txBody>
+          <a:bodyPr lIns="502920"/>
+          <a:lstStyle/>
+          <a:p>
+            <a:pPr eaLnBrk="1" fontAlgn="auto" hangingPunct="1">
+              <a:spcBef>
+                <a:spcPts val="0"/>
+              </a:spcBef>
+              <a:spcAft>
+                <a:spcPts val="0"/>
+              </a:spcAft>
+              <a:defRPr/>
+            </a:pPr>
+            <a:r>
+              <a:rPr lang="en-US" sz="1200" dirty="0">
+                <a:solidFill>
+                  <a:srgbClr val="1E8900"/>
+                </a:solidFill>
+                <a:latin typeface="Arial" panose="020B0604020202020204" pitchFamily="34" charset="0"/>
+                <a:cs typeface="Arial" panose="020B0604020202020204" pitchFamily="34" charset="0"/>
+              </a:rPr>
+              <a:t>Public subnet 2</a:t>
+            </a:r>
+          </a:p>
+        </p:txBody>
+      </p:sp>
+      <p:pic>
+        <p:nvPicPr>
+          <p:cNvPr id="51" name="Graphic 50">
+            <a:extLst>
+              <a:ext uri="{FF2B5EF4-FFF2-40B4-BE49-F238E27FC236}">
+                <a16:creationId xmlns:a16="http://schemas.microsoft.com/office/drawing/2014/main" id="{CDD881BE-5752-478A-BD33-636A1BDF9FA1}"/>
+              </a:ext>
+            </a:extLst>
+          </p:cNvPr>
+          <p:cNvPicPr>
+            <a:picLocks noChangeAspect="1"/>
+          </p:cNvPicPr>
+          <p:nvPr/>
+        </p:nvPicPr>
+        <p:blipFill>
+          <a:blip r:embed="rId2">
+            <a:extLst>
+              <a:ext uri="{96DAC541-7B7A-43D3-8B79-37D633B846F1}">
+                <asvg:svgBlip xmlns:asvg="http://schemas.microsoft.com/office/drawing/2016/SVG/main" r:embed="rId3"/>
+              </a:ext>
+            </a:extLst>
+          </a:blip>
+          <a:stretch>
+            <a:fillRect/>
+          </a:stretch>
+        </p:blipFill>
+        <p:spPr>
+          <a:xfrm>
+            <a:off x="6967570" y="4791456"/>
+            <a:ext cx="381000" cy="381000"/>
+          </a:xfrm>
+          <a:prstGeom prst="rect">
+            <a:avLst/>
+          </a:prstGeom>
+        </p:spPr>
+      </p:pic>
+      <p:sp>
+        <p:nvSpPr>
+          <p:cNvPr id="53" name="Rectangle 52">
+            <a:extLst>
+              <a:ext uri="{FF2B5EF4-FFF2-40B4-BE49-F238E27FC236}">
+                <a16:creationId xmlns:a16="http://schemas.microsoft.com/office/drawing/2014/main" id="{F62ABF10-BEA1-493B-8C09-8EEF02DD0159}"/>
+              </a:ext>
+            </a:extLst>
+          </p:cNvPr>
+          <p:cNvSpPr/>
+          <p:nvPr/>
+        </p:nvSpPr>
+        <p:spPr>
+          <a:xfrm>
+            <a:off x="6968719" y="6327868"/>
+            <a:ext cx="2156467" cy="1891389"/>
+          </a:xfrm>
+          <a:prstGeom prst="rect">
+            <a:avLst/>
+          </a:prstGeom>
+          <a:solidFill>
+            <a:srgbClr val="007CBC">
+              <a:alpha val="9804"/>
+            </a:srgbClr>
+          </a:solidFill>
+          <a:ln w="12700">
+            <a:noFill/>
+            <a:prstDash val="dash"/>
+          </a:ln>
+        </p:spPr>
+        <p:style>
+          <a:lnRef idx="2">
+            <a:schemeClr val="accent1">
+              <a:shade val="50000"/>
+            </a:schemeClr>
+          </a:lnRef>
+          <a:fillRef idx="1">
+            <a:schemeClr val="accent1"/>
+          </a:fillRef>
+          <a:effectRef idx="0">
+            <a:schemeClr val="accent1"/>
+          </a:effectRef>
+          <a:fontRef idx="minor">
+            <a:schemeClr val="lt1"/>
+          </a:fontRef>
+        </p:style>
+        <p:txBody>
+          <a:bodyPr lIns="502920"/>
+          <a:lstStyle/>
+          <a:p>
+            <a:pPr eaLnBrk="1" fontAlgn="auto" hangingPunct="1">
+              <a:spcBef>
+                <a:spcPts val="0"/>
+              </a:spcBef>
+              <a:spcAft>
+                <a:spcPts val="0"/>
+              </a:spcAft>
+              <a:defRPr/>
+            </a:pPr>
+            <a:r>
+              <a:rPr lang="en-US" sz="1200" dirty="0">
+                <a:solidFill>
+                  <a:srgbClr val="5B9CD5"/>
+                </a:solidFill>
+                <a:latin typeface="Arial" panose="020B0604020202020204" pitchFamily="34" charset="0"/>
+                <a:cs typeface="Arial" panose="020B0604020202020204" pitchFamily="34" charset="0"/>
+              </a:rPr>
+              <a:t>Private subnet 2</a:t>
+            </a:r>
+          </a:p>
+        </p:txBody>
+      </p:sp>
+      <p:pic>
+        <p:nvPicPr>
+          <p:cNvPr id="55" name="Graphic 54">
+            <a:extLst>
+              <a:ext uri="{FF2B5EF4-FFF2-40B4-BE49-F238E27FC236}">
+                <a16:creationId xmlns:a16="http://schemas.microsoft.com/office/drawing/2014/main" id="{E9D6856E-9C9C-4A5F-AFC0-CFD75079CBF2}"/>
+              </a:ext>
+            </a:extLst>
+          </p:cNvPr>
+          <p:cNvPicPr>
+            <a:picLocks noChangeAspect="1"/>
+          </p:cNvPicPr>
+          <p:nvPr/>
+        </p:nvPicPr>
+        <p:blipFill>
+          <a:blip r:embed="rId4">
+            <a:extLst>
+              <a:ext uri="{96DAC541-7B7A-43D3-8B79-37D633B846F1}">
+                <asvg:svgBlip xmlns:asvg="http://schemas.microsoft.com/office/drawing/2016/SVG/main" r:embed="rId5"/>
+              </a:ext>
+            </a:extLst>
+          </a:blip>
+          <a:stretch>
+            <a:fillRect/>
+          </a:stretch>
+        </p:blipFill>
+        <p:spPr>
+          <a:xfrm>
+            <a:off x="6972624" y="6324757"/>
+            <a:ext cx="381000" cy="381000"/>
+          </a:xfrm>
+          <a:prstGeom prst="rect">
+            <a:avLst/>
+          </a:prstGeom>
+        </p:spPr>
+      </p:pic>
+      <p:sp>
+        <p:nvSpPr>
+          <p:cNvPr id="56" name="TextBox 17">
+            <a:extLst>
+              <a:ext uri="{FF2B5EF4-FFF2-40B4-BE49-F238E27FC236}">
+                <a16:creationId xmlns:a16="http://schemas.microsoft.com/office/drawing/2014/main" id="{D8D9556E-B305-441F-9845-DAFE6C50D7D7}"/>
+              </a:ext>
+            </a:extLst>
+          </p:cNvPr>
+          <p:cNvSpPr txBox="1">
+            <a:spLocks noChangeArrowheads="1"/>
+          </p:cNvSpPr>
+          <p:nvPr/>
+        </p:nvSpPr>
+        <p:spPr bwMode="auto">
+          <a:xfrm>
+            <a:off x="7958748" y="5629093"/>
+            <a:ext cx="1234766" cy="276999"/>
+          </a:xfrm>
+          <a:prstGeom prst="rect">
+            <a:avLst/>
+          </a:prstGeom>
+          <a:noFill/>
+          <a:ln>
+            <a:noFill/>
+          </a:ln>
+          <a:extLst>
+            <a:ext uri="{909E8E84-426E-40DD-AFC4-6F175D3DCCD1}">
+              <a14:hiddenFill xmlns:a14="http://schemas.microsoft.com/office/drawing/2010/main">
+                <a:solidFill>
+                  <a:srgbClr val="FFFFFF"/>
+                </a:solidFill>
+              </a14:hiddenFill>
+            </a:ext>
+            <a:ext uri="{91240B29-F687-4F45-9708-019B960494DF}">
+              <a14:hiddenLine xmlns:a14="http://schemas.microsoft.com/office/drawing/2010/main" w="9525">
+                <a:solidFill>
+                  <a:srgbClr val="000000"/>
+                </a:solidFill>
+                <a:miter lim="800000"/>
+                <a:headEnd/>
+                <a:tailEnd/>
+              </a14:hiddenLine>
+            </a:ext>
+          </a:extLst>
+        </p:spPr>
+        <p:txBody>
+          <a:bodyPr wrap="square">
+            <a:spAutoFit/>
+          </a:bodyPr>
+          <a:lstStyle>
+            <a:lvl1pPr>
+              <a:defRPr>
+                <a:solidFill>
+                  <a:schemeClr val="tx1"/>
+                </a:solidFill>
+                <a:latin typeface="Calibri" panose="020F0502020204030204" pitchFamily="34" charset="0"/>
+              </a:defRPr>
+            </a:lvl1pPr>
+            <a:lvl2pPr marL="742950" indent="-285750">
+              <a:defRPr>
+                <a:solidFill>
+                  <a:schemeClr val="tx1"/>
+                </a:solidFill>
+                <a:latin typeface="Calibri" panose="020F0502020204030204" pitchFamily="34" charset="0"/>
+              </a:defRPr>
+            </a:lvl2pPr>
+            <a:lvl3pPr marL="1143000" indent="-228600">
+              <a:defRPr>
+                <a:solidFill>
+                  <a:schemeClr val="tx1"/>
+                </a:solidFill>
+                <a:latin typeface="Calibri" panose="020F0502020204030204" pitchFamily="34" charset="0"/>
+              </a:defRPr>
+            </a:lvl3pPr>
+            <a:lvl4pPr marL="1600200" indent="-228600">
+              <a:defRPr>
+                <a:solidFill>
+                  <a:schemeClr val="tx1"/>
+                </a:solidFill>
+                <a:latin typeface="Calibri" panose="020F0502020204030204" pitchFamily="34" charset="0"/>
+              </a:defRPr>
+            </a:lvl4pPr>
+            <a:lvl5pPr marL="2057400" indent="-228600">
+              <a:defRPr>
+                <a:solidFill>
+                  <a:schemeClr val="tx1"/>
+                </a:solidFill>
+                <a:latin typeface="Calibri" panose="020F0502020204030204" pitchFamily="34" charset="0"/>
+              </a:defRPr>
+            </a:lvl5pPr>
+            <a:lvl6pPr marL="2514600" indent="-228600" eaLnBrk="0" fontAlgn="base" hangingPunct="0">
+              <a:spcBef>
+                <a:spcPct val="0"/>
+              </a:spcBef>
+              <a:spcAft>
+                <a:spcPct val="0"/>
+              </a:spcAft>
+              <a:defRPr>
+                <a:solidFill>
+                  <a:schemeClr val="tx1"/>
+                </a:solidFill>
+                <a:latin typeface="Calibri" panose="020F0502020204030204" pitchFamily="34" charset="0"/>
+              </a:defRPr>
+            </a:lvl6pPr>
+            <a:lvl7pPr marL="2971800" indent="-228600" eaLnBrk="0" fontAlgn="base" hangingPunct="0">
+              <a:spcBef>
+                <a:spcPct val="0"/>
+              </a:spcBef>
+              <a:spcAft>
+                <a:spcPct val="0"/>
+              </a:spcAft>
+              <a:defRPr>
+                <a:solidFill>
+                  <a:schemeClr val="tx1"/>
+                </a:solidFill>
+                <a:latin typeface="Calibri" panose="020F0502020204030204" pitchFamily="34" charset="0"/>
+              </a:defRPr>
+            </a:lvl7pPr>
+            <a:lvl8pPr marL="3429000" indent="-228600" eaLnBrk="0" fontAlgn="base" hangingPunct="0">
+              <a:spcBef>
+                <a:spcPct val="0"/>
+              </a:spcBef>
+              <a:spcAft>
+                <a:spcPct val="0"/>
+              </a:spcAft>
+              <a:defRPr>
+                <a:solidFill>
+                  <a:schemeClr val="tx1"/>
+                </a:solidFill>
+                <a:latin typeface="Calibri" panose="020F0502020204030204" pitchFamily="34" charset="0"/>
+              </a:defRPr>
+            </a:lvl8pPr>
+            <a:lvl9pPr marL="3886200" indent="-228600" eaLnBrk="0" fontAlgn="base" hangingPunct="0">
+              <a:spcBef>
+                <a:spcPct val="0"/>
+              </a:spcBef>
+              <a:spcAft>
+                <a:spcPct val="0"/>
+              </a:spcAft>
+              <a:defRPr>
+                <a:solidFill>
+                  <a:schemeClr val="tx1"/>
+                </a:solidFill>
+                <a:latin typeface="Calibri" panose="020F0502020204030204" pitchFamily="34" charset="0"/>
+              </a:defRPr>
+            </a:lvl9pPr>
+          </a:lstStyle>
+          <a:p>
+            <a:pPr algn="ctr" eaLnBrk="1" hangingPunct="1"/>
+            <a:r>
+              <a:rPr lang="en-US" altLang="en-US" sz="1200" dirty="0">
+                <a:latin typeface="Arial" panose="020B0604020202020204" pitchFamily="34" charset="0"/>
+                <a:ea typeface="Amazon Ember" panose="020B0603020204020204" pitchFamily="34" charset="0"/>
+                <a:cs typeface="Arial" panose="020B0604020202020204" pitchFamily="34" charset="0"/>
+              </a:rPr>
+              <a:t>NAT gateway</a:t>
+            </a:r>
+          </a:p>
+        </p:txBody>
+      </p:sp>
+      <p:pic>
+        <p:nvPicPr>
+          <p:cNvPr id="58" name="Graphic 35">
+            <a:extLst>
+              <a:ext uri="{FF2B5EF4-FFF2-40B4-BE49-F238E27FC236}">
+                <a16:creationId xmlns:a16="http://schemas.microsoft.com/office/drawing/2014/main" id="{53515B68-BCE6-455A-B938-F5EFC16203E6}"/>
+              </a:ext>
+            </a:extLst>
+          </p:cNvPr>
+          <p:cNvPicPr>
+            <a:picLocks noChangeAspect="1" noChangeArrowheads="1"/>
+          </p:cNvPicPr>
+          <p:nvPr/>
+        </p:nvPicPr>
+        <p:blipFill>
+          <a:blip r:embed="rId6">
+            <a:extLst>
+              <a:ext uri="{28A0092B-C50C-407E-A947-70E740481C1C}">
+                <a14:useLocalDpi xmlns:a14="http://schemas.microsoft.com/office/drawing/2010/main" val="0"/>
+              </a:ext>
+            </a:extLst>
+          </a:blip>
+          <a:srcRect/>
+          <a:stretch>
+            <a:fillRect/>
+          </a:stretch>
+        </p:blipFill>
+        <p:spPr bwMode="auto">
+          <a:xfrm>
+            <a:off x="8347531" y="5151533"/>
+            <a:ext cx="457200" cy="457200"/>
+          </a:xfrm>
+          <a:prstGeom prst="rect">
+            <a:avLst/>
+          </a:prstGeom>
+          <a:noFill/>
+          <a:ln>
+            <a:noFill/>
+          </a:ln>
+          <a:extLst>
+            <a:ext uri="{909E8E84-426E-40DD-AFC4-6F175D3DCCD1}">
+              <a14:hiddenFill xmlns:a14="http://schemas.microsoft.com/office/drawing/2010/main">
+                <a:solidFill>
+                  <a:srgbClr val="FFFFFF"/>
+                </a:solidFill>
+              </a14:hiddenFill>
+            </a:ext>
+            <a:ext uri="{91240B29-F687-4F45-9708-019B960494DF}">
+              <a14:hiddenLine xmlns:a14="http://schemas.microsoft.com/office/drawing/2010/main" w="9525">
+                <a:solidFill>
+                  <a:srgbClr val="000000"/>
+                </a:solidFill>
+                <a:miter lim="800000"/>
+                <a:headEnd/>
+                <a:tailEnd/>
+              </a14:hiddenLine>
+            </a:ext>
+          </a:extLst>
+        </p:spPr>
+      </p:pic>
+      <p:pic>
+        <p:nvPicPr>
+          <p:cNvPr id="59" name="Graphic 42">
+            <a:extLst>
+              <a:ext uri="{FF2B5EF4-FFF2-40B4-BE49-F238E27FC236}">
+                <a16:creationId xmlns:a16="http://schemas.microsoft.com/office/drawing/2014/main" id="{6A6BBC4A-56E4-4A62-9368-F254276E9854}"/>
+              </a:ext>
+            </a:extLst>
+          </p:cNvPr>
+          <p:cNvPicPr>
+            <a:picLocks noChangeAspect="1" noChangeArrowheads="1"/>
+          </p:cNvPicPr>
+          <p:nvPr/>
+        </p:nvPicPr>
+        <p:blipFill>
+          <a:blip r:embed="rId7">
+            <a:extLst>
+              <a:ext uri="{28A0092B-C50C-407E-A947-70E740481C1C}">
+                <a14:useLocalDpi xmlns:a14="http://schemas.microsoft.com/office/drawing/2010/main" val="0"/>
+              </a:ext>
+            </a:extLst>
+          </a:blip>
+          <a:srcRect/>
+          <a:stretch>
+            <a:fillRect/>
+          </a:stretch>
+        </p:blipFill>
+        <p:spPr bwMode="auto">
+          <a:xfrm>
+            <a:off x="7198337" y="5151533"/>
+            <a:ext cx="457200" cy="457200"/>
+          </a:xfrm>
+          <a:prstGeom prst="rect">
+            <a:avLst/>
+          </a:prstGeom>
+          <a:noFill/>
+          <a:ln>
+            <a:noFill/>
+          </a:ln>
+          <a:extLst>
+            <a:ext uri="{909E8E84-426E-40DD-AFC4-6F175D3DCCD1}">
+              <a14:hiddenFill xmlns:a14="http://schemas.microsoft.com/office/drawing/2010/main">
+                <a:solidFill>
+                  <a:srgbClr val="FFFFFF"/>
+                </a:solidFill>
+              </a14:hiddenFill>
+            </a:ext>
+            <a:ext uri="{91240B29-F687-4F45-9708-019B960494DF}">
+              <a14:hiddenLine xmlns:a14="http://schemas.microsoft.com/office/drawing/2010/main" w="9525">
+                <a:solidFill>
+                  <a:srgbClr val="000000"/>
+                </a:solidFill>
+                <a:miter lim="800000"/>
+                <a:headEnd/>
+                <a:tailEnd/>
+              </a14:hiddenLine>
+            </a:ext>
+          </a:extLst>
+        </p:spPr>
+      </p:pic>
+      <p:sp>
+        <p:nvSpPr>
+          <p:cNvPr id="61" name="TextBox 16">
+            <a:extLst>
+              <a:ext uri="{FF2B5EF4-FFF2-40B4-BE49-F238E27FC236}">
+                <a16:creationId xmlns:a16="http://schemas.microsoft.com/office/drawing/2014/main" id="{0DE1E9FE-0735-4C1D-AAFE-6C55C2C8C878}"/>
+              </a:ext>
+            </a:extLst>
+          </p:cNvPr>
+          <p:cNvSpPr txBox="1">
+            <a:spLocks noChangeArrowheads="1"/>
+          </p:cNvSpPr>
+          <p:nvPr/>
+        </p:nvSpPr>
+        <p:spPr bwMode="auto">
+          <a:xfrm>
+            <a:off x="6872702" y="5632704"/>
+            <a:ext cx="1115568" cy="461665"/>
+          </a:xfrm>
+          <a:prstGeom prst="rect">
+            <a:avLst/>
+          </a:prstGeom>
+          <a:noFill/>
+          <a:ln>
+            <a:noFill/>
+          </a:ln>
+          <a:extLst>
+            <a:ext uri="{909E8E84-426E-40DD-AFC4-6F175D3DCCD1}">
+              <a14:hiddenFill xmlns:a14="http://schemas.microsoft.com/office/drawing/2010/main">
+                <a:solidFill>
+                  <a:srgbClr val="FFFFFF"/>
+                </a:solidFill>
+              </a14:hiddenFill>
+            </a:ext>
+            <a:ext uri="{91240B29-F687-4F45-9708-019B960494DF}">
+              <a14:hiddenLine xmlns:a14="http://schemas.microsoft.com/office/drawing/2010/main" w="9525">
+                <a:solidFill>
+                  <a:srgbClr val="000000"/>
+                </a:solidFill>
+                <a:miter lim="800000"/>
+                <a:headEnd/>
+                <a:tailEnd/>
+              </a14:hiddenLine>
+            </a:ext>
+          </a:extLst>
+        </p:spPr>
+        <p:txBody>
+          <a:bodyPr wrap="square" lIns="0" rIns="0">
+            <a:spAutoFit/>
+          </a:bodyPr>
+          <a:lstStyle>
+            <a:lvl1pPr>
+              <a:defRPr>
+                <a:solidFill>
+                  <a:schemeClr val="tx1"/>
+                </a:solidFill>
+                <a:latin typeface="Calibri" panose="020F0502020204030204" pitchFamily="34" charset="0"/>
+              </a:defRPr>
+            </a:lvl1pPr>
+            <a:lvl2pPr marL="742950" indent="-285750">
+              <a:defRPr>
+                <a:solidFill>
+                  <a:schemeClr val="tx1"/>
+                </a:solidFill>
+                <a:latin typeface="Calibri" panose="020F0502020204030204" pitchFamily="34" charset="0"/>
+              </a:defRPr>
+            </a:lvl2pPr>
+            <a:lvl3pPr marL="1143000" indent="-228600">
+              <a:defRPr>
+                <a:solidFill>
+                  <a:schemeClr val="tx1"/>
+                </a:solidFill>
+                <a:latin typeface="Calibri" panose="020F0502020204030204" pitchFamily="34" charset="0"/>
+              </a:defRPr>
+            </a:lvl3pPr>
+            <a:lvl4pPr marL="1600200" indent="-228600">
+              <a:defRPr>
+                <a:solidFill>
+                  <a:schemeClr val="tx1"/>
+                </a:solidFill>
+                <a:latin typeface="Calibri" panose="020F0502020204030204" pitchFamily="34" charset="0"/>
+              </a:defRPr>
+            </a:lvl4pPr>
+            <a:lvl5pPr marL="2057400" indent="-228600">
+              <a:defRPr>
+                <a:solidFill>
+                  <a:schemeClr val="tx1"/>
+                </a:solidFill>
+                <a:latin typeface="Calibri" panose="020F0502020204030204" pitchFamily="34" charset="0"/>
+              </a:defRPr>
+            </a:lvl5pPr>
+            <a:lvl6pPr marL="2514600" indent="-228600" eaLnBrk="0" fontAlgn="base" hangingPunct="0">
+              <a:spcBef>
+                <a:spcPct val="0"/>
+              </a:spcBef>
+              <a:spcAft>
+                <a:spcPct val="0"/>
+              </a:spcAft>
+              <a:defRPr>
+                <a:solidFill>
+                  <a:schemeClr val="tx1"/>
+                </a:solidFill>
+                <a:latin typeface="Calibri" panose="020F0502020204030204" pitchFamily="34" charset="0"/>
+              </a:defRPr>
+            </a:lvl6pPr>
+            <a:lvl7pPr marL="2971800" indent="-228600" eaLnBrk="0" fontAlgn="base" hangingPunct="0">
+              <a:spcBef>
+                <a:spcPct val="0"/>
+              </a:spcBef>
+              <a:spcAft>
+                <a:spcPct val="0"/>
+              </a:spcAft>
+              <a:defRPr>
+                <a:solidFill>
+                  <a:schemeClr val="tx1"/>
+                </a:solidFill>
+                <a:latin typeface="Calibri" panose="020F0502020204030204" pitchFamily="34" charset="0"/>
+              </a:defRPr>
+            </a:lvl7pPr>
+            <a:lvl8pPr marL="3429000" indent="-228600" eaLnBrk="0" fontAlgn="base" hangingPunct="0">
+              <a:spcBef>
+                <a:spcPct val="0"/>
+              </a:spcBef>
+              <a:spcAft>
+                <a:spcPct val="0"/>
+              </a:spcAft>
+              <a:defRPr>
+                <a:solidFill>
+                  <a:schemeClr val="tx1"/>
+                </a:solidFill>
+                <a:latin typeface="Calibri" panose="020F0502020204030204" pitchFamily="34" charset="0"/>
+              </a:defRPr>
+            </a:lvl8pPr>
+            <a:lvl9pPr marL="3886200" indent="-228600" eaLnBrk="0" fontAlgn="base" hangingPunct="0">
+              <a:spcBef>
+                <a:spcPct val="0"/>
+              </a:spcBef>
+              <a:spcAft>
+                <a:spcPct val="0"/>
+              </a:spcAft>
+              <a:defRPr>
+                <a:solidFill>
+                  <a:schemeClr val="tx1"/>
+                </a:solidFill>
+                <a:latin typeface="Calibri" panose="020F0502020204030204" pitchFamily="34" charset="0"/>
+              </a:defRPr>
+            </a:lvl9pPr>
+          </a:lstStyle>
+          <a:p>
+            <a:pPr algn="ctr" eaLnBrk="1" hangingPunct="1"/>
+            <a:r>
+              <a:rPr lang="en-US" altLang="en-US" sz="1200" dirty="0">
+                <a:latin typeface="Arial" panose="020B0604020202020204" pitchFamily="34" charset="0"/>
+                <a:ea typeface="Amazon Ember" panose="020B0603020204020204" pitchFamily="34" charset="0"/>
+                <a:cs typeface="Arial" panose="020B0604020202020204" pitchFamily="34" charset="0"/>
+              </a:rPr>
+              <a:t>Elastic IP address</a:t>
+            </a:r>
+          </a:p>
+        </p:txBody>
+      </p:sp>
+      <p:pic>
+        <p:nvPicPr>
+          <p:cNvPr id="62" name="Graphic 14">
+            <a:extLst>
+              <a:ext uri="{FF2B5EF4-FFF2-40B4-BE49-F238E27FC236}">
+                <a16:creationId xmlns:a16="http://schemas.microsoft.com/office/drawing/2014/main" id="{F24ACE37-CAFA-4999-8F94-EA5C08C960A9}"/>
+              </a:ext>
+            </a:extLst>
+          </p:cNvPr>
+          <p:cNvPicPr>
+            <a:picLocks noChangeAspect="1" noChangeArrowheads="1"/>
+          </p:cNvPicPr>
+          <p:nvPr/>
+        </p:nvPicPr>
+        <p:blipFill>
+          <a:blip r:embed="rId10">
+            <a:extLst>
+              <a:ext uri="{28A0092B-C50C-407E-A947-70E740481C1C}">
+                <a14:useLocalDpi xmlns:a14="http://schemas.microsoft.com/office/drawing/2010/main" val="0"/>
+              </a:ext>
+            </a:extLst>
+          </a:blip>
+          <a:srcRect/>
+          <a:stretch>
+            <a:fillRect/>
+          </a:stretch>
+        </p:blipFill>
+        <p:spPr bwMode="auto">
+          <a:xfrm>
+            <a:off x="7704052" y="6909633"/>
+            <a:ext cx="685800" cy="685800"/>
+          </a:xfrm>
+          <a:prstGeom prst="rect">
+            <a:avLst/>
+          </a:prstGeom>
+          <a:noFill/>
+          <a:ln>
+            <a:noFill/>
+          </a:ln>
+          <a:extLst>
+            <a:ext uri="{909E8E84-426E-40DD-AFC4-6F175D3DCCD1}">
+              <a14:hiddenFill xmlns:a14="http://schemas.microsoft.com/office/drawing/2010/main">
+                <a:solidFill>
+                  <a:srgbClr val="FFFFFF"/>
+                </a:solidFill>
+              </a14:hiddenFill>
+            </a:ext>
+            <a:ext uri="{91240B29-F687-4F45-9708-019B960494DF}">
+              <a14:hiddenLine xmlns:a14="http://schemas.microsoft.com/office/drawing/2010/main" w="9525">
+                <a:solidFill>
+                  <a:srgbClr val="000000"/>
+                </a:solidFill>
+                <a:miter lim="800000"/>
+                <a:headEnd/>
+                <a:tailEnd/>
+              </a14:hiddenLine>
+            </a:ext>
+          </a:extLst>
+        </p:spPr>
+      </p:pic>
+      <p:sp>
+        <p:nvSpPr>
+          <p:cNvPr id="63" name="TextBox 62">
+            <a:extLst>
+              <a:ext uri="{FF2B5EF4-FFF2-40B4-BE49-F238E27FC236}">
+                <a16:creationId xmlns:a16="http://schemas.microsoft.com/office/drawing/2014/main" id="{025CA4E5-CB0E-45F5-B0BC-9DEE184F0100}"/>
+              </a:ext>
+            </a:extLst>
+          </p:cNvPr>
+          <p:cNvSpPr txBox="1">
+            <a:spLocks noChangeArrowheads="1"/>
+          </p:cNvSpPr>
+          <p:nvPr/>
+        </p:nvSpPr>
+        <p:spPr bwMode="auto">
+          <a:xfrm>
+            <a:off x="6907127" y="7587495"/>
+            <a:ext cx="2279650" cy="276999"/>
+          </a:xfrm>
+          <a:prstGeom prst="rect">
+            <a:avLst/>
+          </a:prstGeom>
+          <a:noFill/>
+          <a:ln>
+            <a:noFill/>
+          </a:ln>
+          <a:extLst>
+            <a:ext uri="{909E8E84-426E-40DD-AFC4-6F175D3DCCD1}">
+              <a14:hiddenFill xmlns:a14="http://schemas.microsoft.com/office/drawing/2010/main">
+                <a:solidFill>
+                  <a:srgbClr val="FFFFFF"/>
+                </a:solidFill>
+              </a14:hiddenFill>
+            </a:ext>
+            <a:ext uri="{91240B29-F687-4F45-9708-019B960494DF}">
+              <a14:hiddenLine xmlns:a14="http://schemas.microsoft.com/office/drawing/2010/main" w="9525">
+                <a:solidFill>
+                  <a:srgbClr val="000000"/>
+                </a:solidFill>
+                <a:miter lim="800000"/>
+                <a:headEnd/>
+                <a:tailEnd/>
+              </a14:hiddenLine>
+            </a:ext>
+          </a:extLst>
+        </p:spPr>
+        <p:txBody>
+          <a:bodyPr>
+            <a:spAutoFit/>
+          </a:bodyPr>
+          <a:lstStyle>
+            <a:lvl1pPr>
+              <a:defRPr>
+                <a:solidFill>
+                  <a:schemeClr val="tx1"/>
+                </a:solidFill>
+                <a:latin typeface="Calibri" panose="020F0502020204030204" pitchFamily="34" charset="0"/>
+              </a:defRPr>
+            </a:lvl1pPr>
+            <a:lvl2pPr marL="742950" indent="-285750">
+              <a:defRPr>
+                <a:solidFill>
+                  <a:schemeClr val="tx1"/>
+                </a:solidFill>
+                <a:latin typeface="Calibri" panose="020F0502020204030204" pitchFamily="34" charset="0"/>
+              </a:defRPr>
+            </a:lvl2pPr>
+            <a:lvl3pPr marL="1143000" indent="-228600">
+              <a:defRPr>
+                <a:solidFill>
+                  <a:schemeClr val="tx1"/>
+                </a:solidFill>
+                <a:latin typeface="Calibri" panose="020F0502020204030204" pitchFamily="34" charset="0"/>
+              </a:defRPr>
+            </a:lvl3pPr>
+            <a:lvl4pPr marL="1600200" indent="-228600">
+              <a:defRPr>
+                <a:solidFill>
+                  <a:schemeClr val="tx1"/>
+                </a:solidFill>
+                <a:latin typeface="Calibri" panose="020F0502020204030204" pitchFamily="34" charset="0"/>
+              </a:defRPr>
+            </a:lvl4pPr>
+            <a:lvl5pPr marL="2057400" indent="-228600">
+              <a:defRPr>
+                <a:solidFill>
+                  <a:schemeClr val="tx1"/>
+                </a:solidFill>
+                <a:latin typeface="Calibri" panose="020F0502020204030204" pitchFamily="34" charset="0"/>
+              </a:defRPr>
+            </a:lvl5pPr>
+            <a:lvl6pPr marL="2514600" indent="-228600" eaLnBrk="0" fontAlgn="base" hangingPunct="0">
+              <a:spcBef>
+                <a:spcPct val="0"/>
+              </a:spcBef>
+              <a:spcAft>
+                <a:spcPct val="0"/>
+              </a:spcAft>
+              <a:defRPr>
+                <a:solidFill>
+                  <a:schemeClr val="tx1"/>
+                </a:solidFill>
+                <a:latin typeface="Calibri" panose="020F0502020204030204" pitchFamily="34" charset="0"/>
+              </a:defRPr>
+            </a:lvl6pPr>
+            <a:lvl7pPr marL="2971800" indent="-228600" eaLnBrk="0" fontAlgn="base" hangingPunct="0">
+              <a:spcBef>
+                <a:spcPct val="0"/>
+              </a:spcBef>
+              <a:spcAft>
+                <a:spcPct val="0"/>
+              </a:spcAft>
+              <a:defRPr>
+                <a:solidFill>
+                  <a:schemeClr val="tx1"/>
+                </a:solidFill>
+                <a:latin typeface="Calibri" panose="020F0502020204030204" pitchFamily="34" charset="0"/>
+              </a:defRPr>
+            </a:lvl7pPr>
+            <a:lvl8pPr marL="3429000" indent="-228600" eaLnBrk="0" fontAlgn="base" hangingPunct="0">
+              <a:spcBef>
+                <a:spcPct val="0"/>
+              </a:spcBef>
+              <a:spcAft>
+                <a:spcPct val="0"/>
+              </a:spcAft>
+              <a:defRPr>
+                <a:solidFill>
+                  <a:schemeClr val="tx1"/>
+                </a:solidFill>
+                <a:latin typeface="Calibri" panose="020F0502020204030204" pitchFamily="34" charset="0"/>
+              </a:defRPr>
+            </a:lvl8pPr>
+            <a:lvl9pPr marL="3886200" indent="-228600" eaLnBrk="0" fontAlgn="base" hangingPunct="0">
+              <a:spcBef>
+                <a:spcPct val="0"/>
+              </a:spcBef>
+              <a:spcAft>
+                <a:spcPct val="0"/>
+              </a:spcAft>
+              <a:defRPr>
+                <a:solidFill>
+                  <a:schemeClr val="tx1"/>
+                </a:solidFill>
+                <a:latin typeface="Calibri" panose="020F0502020204030204" pitchFamily="34" charset="0"/>
+              </a:defRPr>
+            </a:lvl9pPr>
+          </a:lstStyle>
+          <a:p>
+            <a:pPr algn="ctr" eaLnBrk="1" hangingPunct="1"/>
+            <a:r>
+              <a:rPr lang="en-US" altLang="en-US" sz="1200" dirty="0">
+                <a:latin typeface="Arial" panose="020B0604020202020204" pitchFamily="34" charset="0"/>
+                <a:ea typeface="Amazon Ember" panose="020B0603020204020204" pitchFamily="34" charset="0"/>
+                <a:cs typeface="Arial" panose="020B0604020202020204" pitchFamily="34" charset="0"/>
+              </a:rPr>
+              <a:t>AWS Fargate</a:t>
+            </a:r>
+          </a:p>
+        </p:txBody>
+      </p:sp>
+      <p:sp>
+        <p:nvSpPr>
+          <p:cNvPr id="64" name="Rectangle 63">
+            <a:extLst>
+              <a:ext uri="{FF2B5EF4-FFF2-40B4-BE49-F238E27FC236}">
+                <a16:creationId xmlns:a16="http://schemas.microsoft.com/office/drawing/2014/main" id="{B773BC2F-DC3B-49F3-AA41-65B2B335FD6B}"/>
+              </a:ext>
+            </a:extLst>
+          </p:cNvPr>
+          <p:cNvSpPr/>
+          <p:nvPr/>
+        </p:nvSpPr>
+        <p:spPr>
+          <a:xfrm>
+            <a:off x="6882542" y="4064000"/>
+            <a:ext cx="2319100" cy="4396606"/>
+          </a:xfrm>
+          <a:prstGeom prst="rect">
+            <a:avLst/>
+          </a:prstGeom>
+          <a:noFill/>
+          <a:ln w="12700">
+            <a:solidFill>
+              <a:srgbClr val="5B9CD5"/>
+            </a:solidFill>
+            <a:prstDash val="dash"/>
+          </a:ln>
+        </p:spPr>
+        <p:style>
+          <a:lnRef idx="2">
+            <a:schemeClr val="accent1">
+              <a:shade val="50000"/>
+            </a:schemeClr>
+          </a:lnRef>
+          <a:fillRef idx="1">
+            <a:schemeClr val="accent1"/>
+          </a:fillRef>
+          <a:effectRef idx="0">
+            <a:schemeClr val="accent1"/>
+          </a:effectRef>
+          <a:fontRef idx="minor">
+            <a:schemeClr val="lt1"/>
+          </a:fontRef>
+        </p:style>
+        <p:txBody>
+          <a:bodyPr tIns="91440"/>
+          <a:lstStyle/>
+          <a:p>
+            <a:pPr algn="ctr" eaLnBrk="1" fontAlgn="auto" hangingPunct="1">
+              <a:spcBef>
+                <a:spcPts val="0"/>
+              </a:spcBef>
+              <a:spcAft>
+                <a:spcPts val="0"/>
+              </a:spcAft>
+              <a:defRPr/>
+            </a:pPr>
+            <a:r>
+              <a:rPr lang="en-US" sz="1200" dirty="0">
+                <a:solidFill>
+                  <a:srgbClr val="5B9CD5"/>
+                </a:solidFill>
+                <a:latin typeface="Arial" panose="020B0604020202020204" pitchFamily="34" charset="0"/>
+                <a:cs typeface="Arial" panose="020B0604020202020204" pitchFamily="34" charset="0"/>
+              </a:rPr>
+              <a:t>Availability Zone 2</a:t>
+            </a:r>
+          </a:p>
+        </p:txBody>
+      </p:sp>
+      <p:sp>
+        <p:nvSpPr>
+          <p:cNvPr id="65" name="Rectangle 64">
+            <a:extLst>
+              <a:ext uri="{FF2B5EF4-FFF2-40B4-BE49-F238E27FC236}">
+                <a16:creationId xmlns:a16="http://schemas.microsoft.com/office/drawing/2014/main" id="{03818326-EA7B-400D-81D8-D8B0E5533C03}"/>
+              </a:ext>
+            </a:extLst>
+          </p:cNvPr>
+          <p:cNvSpPr/>
+          <p:nvPr/>
+        </p:nvSpPr>
+        <p:spPr>
+          <a:xfrm>
+            <a:off x="2328335" y="2796163"/>
+            <a:ext cx="8827345" cy="5852533"/>
+          </a:xfrm>
+          <a:prstGeom prst="rect">
+            <a:avLst/>
+          </a:prstGeom>
+          <a:noFill/>
+          <a:ln w="12700">
+            <a:solidFill>
+              <a:srgbClr val="5B9CD5"/>
+            </a:solidFill>
+            <a:prstDash val="sysDash"/>
+          </a:ln>
+        </p:spPr>
+        <p:style>
+          <a:lnRef idx="2">
+            <a:schemeClr val="accent1">
+              <a:shade val="50000"/>
+            </a:schemeClr>
+          </a:lnRef>
+          <a:fillRef idx="1">
+            <a:schemeClr val="accent1"/>
+          </a:fillRef>
+          <a:effectRef idx="0">
+            <a:schemeClr val="accent1"/>
+          </a:effectRef>
+          <a:fontRef idx="minor">
+            <a:schemeClr val="lt1"/>
+          </a:fontRef>
+        </p:style>
+        <p:txBody>
+          <a:bodyPr lIns="502920" tIns="91440"/>
+          <a:lstStyle/>
+          <a:p>
+            <a:pPr eaLnBrk="1" fontAlgn="auto" hangingPunct="1">
+              <a:spcBef>
+                <a:spcPts val="0"/>
+              </a:spcBef>
+              <a:spcAft>
+                <a:spcPts val="0"/>
+              </a:spcAft>
+              <a:defRPr/>
+            </a:pPr>
+            <a:r>
+              <a:rPr lang="en-US" sz="1200" dirty="0">
+                <a:solidFill>
+                  <a:srgbClr val="5B9CD5"/>
+                </a:solidFill>
+                <a:latin typeface="Arial" panose="020B0604020202020204" pitchFamily="34" charset="0"/>
+                <a:cs typeface="Arial" panose="020B0604020202020204" pitchFamily="34" charset="0"/>
+              </a:rPr>
+              <a:t>Region</a:t>
+            </a:r>
+          </a:p>
+        </p:txBody>
+      </p:sp>
+      <p:pic>
+        <p:nvPicPr>
+          <p:cNvPr id="66" name="Graphic 65">
+            <a:extLst>
+              <a:ext uri="{FF2B5EF4-FFF2-40B4-BE49-F238E27FC236}">
+                <a16:creationId xmlns:a16="http://schemas.microsoft.com/office/drawing/2014/main" id="{D44497DA-A642-471F-BC49-EB2E81A6CC5F}"/>
+              </a:ext>
+            </a:extLst>
+          </p:cNvPr>
+          <p:cNvPicPr>
+            <a:picLocks noChangeAspect="1"/>
+          </p:cNvPicPr>
+          <p:nvPr/>
+        </p:nvPicPr>
+        <p:blipFill>
+          <a:blip r:embed="rId17">
+            <a:extLst>
+              <a:ext uri="{96DAC541-7B7A-43D3-8B79-37D633B846F1}">
+                <asvg:svgBlip xmlns:asvg="http://schemas.microsoft.com/office/drawing/2016/SVG/main" r:embed="rId18"/>
+              </a:ext>
+            </a:extLst>
+          </a:blip>
+          <a:stretch>
+            <a:fillRect/>
+          </a:stretch>
+        </p:blipFill>
+        <p:spPr>
+          <a:xfrm>
+            <a:off x="2331720" y="2798064"/>
+            <a:ext cx="381000" cy="381000"/>
+          </a:xfrm>
+          <a:prstGeom prst="rect">
+            <a:avLst/>
+          </a:prstGeom>
+        </p:spPr>
+      </p:pic>
+      <p:sp>
+        <p:nvSpPr>
+          <p:cNvPr id="67" name="Rectangle 66">
+            <a:extLst>
+              <a:ext uri="{FF2B5EF4-FFF2-40B4-BE49-F238E27FC236}">
+                <a16:creationId xmlns:a16="http://schemas.microsoft.com/office/drawing/2014/main" id="{A815C816-186F-40B9-B48E-B3AD9E8431EB}"/>
+              </a:ext>
+            </a:extLst>
+          </p:cNvPr>
+          <p:cNvSpPr/>
+          <p:nvPr/>
+        </p:nvSpPr>
+        <p:spPr>
+          <a:xfrm>
+            <a:off x="2175932" y="1203159"/>
+            <a:ext cx="9208347" cy="7610642"/>
+          </a:xfrm>
+          <a:prstGeom prst="rect">
+            <a:avLst/>
+          </a:prstGeom>
+          <a:noFill/>
+          <a:ln w="12700">
+            <a:solidFill>
+              <a:schemeClr val="tx1"/>
+            </a:solidFill>
+          </a:ln>
+        </p:spPr>
+        <p:style>
+          <a:lnRef idx="2">
+            <a:schemeClr val="accent1">
+              <a:shade val="50000"/>
+            </a:schemeClr>
+          </a:lnRef>
+          <a:fillRef idx="1">
+            <a:schemeClr val="accent1"/>
+          </a:fillRef>
+          <a:effectRef idx="0">
+            <a:schemeClr val="accent1"/>
+          </a:effectRef>
+          <a:fontRef idx="minor">
+            <a:schemeClr val="lt1"/>
+          </a:fontRef>
+        </p:style>
+        <p:txBody>
+          <a:bodyPr lIns="502920" tIns="91440"/>
+          <a:lstStyle/>
+          <a:p>
+            <a:pPr eaLnBrk="1" fontAlgn="auto" hangingPunct="1">
+              <a:spcBef>
+                <a:spcPts val="0"/>
+              </a:spcBef>
+              <a:spcAft>
+                <a:spcPts val="0"/>
+              </a:spcAft>
+              <a:defRPr/>
+            </a:pPr>
+            <a:r>
+              <a:rPr lang="en-US" sz="1200" dirty="0">
+                <a:solidFill>
+                  <a:sysClr val="windowText" lastClr="000000"/>
+                </a:solidFill>
+                <a:latin typeface="Arial" panose="020B0604020202020204" pitchFamily="34" charset="0"/>
+                <a:cs typeface="Arial" panose="020B0604020202020204" pitchFamily="34" charset="0"/>
+              </a:rPr>
+              <a:t>AWS Cloud</a:t>
+            </a:r>
+          </a:p>
+        </p:txBody>
+      </p:sp>
+      <p:pic>
+        <p:nvPicPr>
+          <p:cNvPr id="68" name="Graphic 67">
+            <a:extLst>
+              <a:ext uri="{FF2B5EF4-FFF2-40B4-BE49-F238E27FC236}">
+                <a16:creationId xmlns:a16="http://schemas.microsoft.com/office/drawing/2014/main" id="{C9A3D6BE-25FA-4D01-926B-0C7F3EC60E06}"/>
+              </a:ext>
+            </a:extLst>
+          </p:cNvPr>
+          <p:cNvPicPr>
+            <a:picLocks noChangeAspect="1"/>
+          </p:cNvPicPr>
+          <p:nvPr/>
+        </p:nvPicPr>
+        <p:blipFill>
+          <a:blip r:embed="rId19">
+            <a:extLst>
+              <a:ext uri="{96DAC541-7B7A-43D3-8B79-37D633B846F1}">
+                <asvg:svgBlip xmlns:asvg="http://schemas.microsoft.com/office/drawing/2016/SVG/main" r:embed="rId20"/>
+              </a:ext>
+            </a:extLst>
+          </a:blip>
+          <a:srcRect/>
+          <a:stretch/>
+        </p:blipFill>
+        <p:spPr>
+          <a:xfrm>
+            <a:off x="2176272" y="1206228"/>
+            <a:ext cx="381000" cy="381000"/>
+          </a:xfrm>
+          <a:prstGeom prst="rect">
+            <a:avLst/>
+          </a:prstGeom>
+        </p:spPr>
+      </p:pic>
+      <p:cxnSp>
+        <p:nvCxnSpPr>
+          <p:cNvPr id="74" name="Straight Arrow Connector 73">
+            <a:extLst>
+              <a:ext uri="{FF2B5EF4-FFF2-40B4-BE49-F238E27FC236}">
+                <a16:creationId xmlns:a16="http://schemas.microsoft.com/office/drawing/2014/main" id="{E29CE13C-45D3-4E99-996D-13A7C9240916}"/>
+              </a:ext>
+            </a:extLst>
+          </p:cNvPr>
+          <p:cNvCxnSpPr>
+            <a:cxnSpLocks/>
+            <a:stCxn id="75" idx="1"/>
+            <a:endCxn id="46" idx="1"/>
+          </p:cNvCxnSpPr>
+          <p:nvPr/>
+        </p:nvCxnSpPr>
+        <p:spPr>
+          <a:xfrm>
+            <a:off x="1964971" y="1974571"/>
+            <a:ext cx="3906877" cy="0"/>
+          </a:xfrm>
+          <a:prstGeom prst="straightConnector1">
+            <a:avLst/>
+          </a:prstGeom>
+          <a:ln w="12700">
+            <a:solidFill>
+              <a:srgbClr val="545B64"/>
+            </a:solidFill>
+            <a:headEnd type="none" w="med" len="sm"/>
+            <a:tailEnd type="arrow" w="med" len="sm"/>
+          </a:ln>
+        </p:spPr>
+        <p:style>
+          <a:lnRef idx="1">
+            <a:schemeClr val="accent1"/>
+          </a:lnRef>
+          <a:fillRef idx="0">
+            <a:schemeClr val="accent1"/>
+          </a:fillRef>
+          <a:effectRef idx="0">
+            <a:schemeClr val="accent1"/>
+          </a:effectRef>
+          <a:fontRef idx="minor">
+            <a:schemeClr val="tx1"/>
+          </a:fontRef>
+        </p:style>
+      </p:cxnSp>
+      <p:pic>
+        <p:nvPicPr>
+          <p:cNvPr id="75" name="Graphic 23">
+            <a:extLst>
+              <a:ext uri="{FF2B5EF4-FFF2-40B4-BE49-F238E27FC236}">
+                <a16:creationId xmlns:a16="http://schemas.microsoft.com/office/drawing/2014/main" id="{C43DDF26-FF9F-436F-B9A9-400474BFFA76}"/>
+              </a:ext>
+            </a:extLst>
+          </p:cNvPr>
+          <p:cNvPicPr>
+            <a:picLocks noChangeAspect="1" noChangeArrowheads="1"/>
+          </p:cNvPicPr>
+          <p:nvPr/>
+        </p:nvPicPr>
+        <p:blipFill>
+          <a:blip r:embed="rId21">
+            <a:extLst>
+              <a:ext uri="{96DAC541-7B7A-43D3-8B79-37D633B846F1}">
+                <asvg:svgBlip xmlns:asvg="http://schemas.microsoft.com/office/drawing/2016/SVG/main" r:embed="rId22"/>
+              </a:ext>
+            </a:extLst>
+          </a:blip>
+          <a:srcRect/>
+          <a:stretch/>
+        </p:blipFill>
+        <p:spPr bwMode="auto">
+          <a:xfrm flipH="1">
+            <a:off x="1495071" y="1739621"/>
+            <a:ext cx="469900" cy="469900"/>
+          </a:xfrm>
+          <a:prstGeom prst="rect">
+            <a:avLst/>
+          </a:prstGeom>
+          <a:noFill/>
+          <a:ln>
+            <a:noFill/>
+          </a:ln>
+          <a:extLst>
+            <a:ext uri="{909E8E84-426E-40DD-AFC4-6F175D3DCCD1}">
+              <a14:hiddenFill xmlns:a14="http://schemas.microsoft.com/office/drawing/2010/main">
+                <a:solidFill>
+                  <a:srgbClr val="FFFFFF"/>
+                </a:solidFill>
+              </a14:hiddenFill>
+            </a:ext>
+            <a:ext uri="{91240B29-F687-4F45-9708-019B960494DF}">
+              <a14:hiddenLine xmlns:a14="http://schemas.microsoft.com/office/drawing/2010/main" w="9525">
+                <a:solidFill>
+                  <a:srgbClr val="000000"/>
+                </a:solidFill>
+                <a:miter lim="800000"/>
+                <a:headEnd/>
+                <a:tailEnd/>
+              </a14:hiddenLine>
+            </a:ext>
+          </a:extLst>
+        </p:spPr>
+      </p:pic>
+      <p:sp>
+        <p:nvSpPr>
+          <p:cNvPr id="76" name="TextBox 40">
+            <a:extLst>
+              <a:ext uri="{FF2B5EF4-FFF2-40B4-BE49-F238E27FC236}">
+                <a16:creationId xmlns:a16="http://schemas.microsoft.com/office/drawing/2014/main" id="{17FD9A79-6476-425F-9C0D-85A43C009712}"/>
+              </a:ext>
+            </a:extLst>
+          </p:cNvPr>
+          <p:cNvSpPr txBox="1">
+            <a:spLocks noChangeArrowheads="1"/>
+          </p:cNvSpPr>
+          <p:nvPr/>
+        </p:nvSpPr>
+        <p:spPr bwMode="auto">
+          <a:xfrm>
+            <a:off x="1193446" y="2298415"/>
+            <a:ext cx="1073150" cy="276999"/>
+          </a:xfrm>
+          <a:prstGeom prst="rect">
+            <a:avLst/>
+          </a:prstGeom>
+          <a:noFill/>
+          <a:ln>
+            <a:noFill/>
+          </a:ln>
+          <a:extLst>
+            <a:ext uri="{909E8E84-426E-40DD-AFC4-6F175D3DCCD1}">
+              <a14:hiddenFill xmlns:a14="http://schemas.microsoft.com/office/drawing/2010/main">
+                <a:solidFill>
+                  <a:srgbClr val="FFFFFF"/>
+                </a:solidFill>
+              </a14:hiddenFill>
+            </a:ext>
+            <a:ext uri="{91240B29-F687-4F45-9708-019B960494DF}">
+              <a14:hiddenLine xmlns:a14="http://schemas.microsoft.com/office/drawing/2010/main" w="9525">
+                <a:solidFill>
+                  <a:srgbClr val="000000"/>
+                </a:solidFill>
+                <a:miter lim="800000"/>
+                <a:headEnd/>
+                <a:tailEnd/>
+              </a14:hiddenLine>
+            </a:ext>
+          </a:extLst>
+        </p:spPr>
+        <p:txBody>
+          <a:bodyPr>
+            <a:spAutoFit/>
+          </a:bodyPr>
+          <a:lstStyle>
+            <a:lvl1pPr>
+              <a:defRPr>
+                <a:solidFill>
+                  <a:schemeClr val="tx1"/>
+                </a:solidFill>
+                <a:latin typeface="Calibri" panose="020F0502020204030204" pitchFamily="34" charset="0"/>
+              </a:defRPr>
+            </a:lvl1pPr>
+            <a:lvl2pPr marL="742950" indent="-285750">
+              <a:defRPr>
+                <a:solidFill>
+                  <a:schemeClr val="tx1"/>
+                </a:solidFill>
+                <a:latin typeface="Calibri" panose="020F0502020204030204" pitchFamily="34" charset="0"/>
+              </a:defRPr>
+            </a:lvl2pPr>
+            <a:lvl3pPr marL="1143000" indent="-228600">
+              <a:defRPr>
+                <a:solidFill>
+                  <a:schemeClr val="tx1"/>
+                </a:solidFill>
+                <a:latin typeface="Calibri" panose="020F0502020204030204" pitchFamily="34" charset="0"/>
+              </a:defRPr>
+            </a:lvl3pPr>
+            <a:lvl4pPr marL="1600200" indent="-228600">
+              <a:defRPr>
+                <a:solidFill>
+                  <a:schemeClr val="tx1"/>
+                </a:solidFill>
+                <a:latin typeface="Calibri" panose="020F0502020204030204" pitchFamily="34" charset="0"/>
+              </a:defRPr>
+            </a:lvl4pPr>
+            <a:lvl5pPr marL="2057400" indent="-228600">
+              <a:defRPr>
+                <a:solidFill>
+                  <a:schemeClr val="tx1"/>
+                </a:solidFill>
+                <a:latin typeface="Calibri" panose="020F0502020204030204" pitchFamily="34" charset="0"/>
+              </a:defRPr>
+            </a:lvl5pPr>
+            <a:lvl6pPr marL="2514600" indent="-228600" eaLnBrk="0" fontAlgn="base" hangingPunct="0">
+              <a:spcBef>
+                <a:spcPct val="0"/>
+              </a:spcBef>
+              <a:spcAft>
+                <a:spcPct val="0"/>
+              </a:spcAft>
+              <a:defRPr>
+                <a:solidFill>
+                  <a:schemeClr val="tx1"/>
+                </a:solidFill>
+                <a:latin typeface="Calibri" panose="020F0502020204030204" pitchFamily="34" charset="0"/>
+              </a:defRPr>
+            </a:lvl6pPr>
+            <a:lvl7pPr marL="2971800" indent="-228600" eaLnBrk="0" fontAlgn="base" hangingPunct="0">
+              <a:spcBef>
+                <a:spcPct val="0"/>
+              </a:spcBef>
+              <a:spcAft>
+                <a:spcPct val="0"/>
+              </a:spcAft>
+              <a:defRPr>
+                <a:solidFill>
+                  <a:schemeClr val="tx1"/>
+                </a:solidFill>
+                <a:latin typeface="Calibri" panose="020F0502020204030204" pitchFamily="34" charset="0"/>
+              </a:defRPr>
+            </a:lvl7pPr>
+            <a:lvl8pPr marL="3429000" indent="-228600" eaLnBrk="0" fontAlgn="base" hangingPunct="0">
+              <a:spcBef>
+                <a:spcPct val="0"/>
+              </a:spcBef>
+              <a:spcAft>
+                <a:spcPct val="0"/>
+              </a:spcAft>
+              <a:defRPr>
+                <a:solidFill>
+                  <a:schemeClr val="tx1"/>
+                </a:solidFill>
+                <a:latin typeface="Calibri" panose="020F0502020204030204" pitchFamily="34" charset="0"/>
+              </a:defRPr>
+            </a:lvl8pPr>
+            <a:lvl9pPr marL="3886200" indent="-228600" eaLnBrk="0" fontAlgn="base" hangingPunct="0">
+              <a:spcBef>
+                <a:spcPct val="0"/>
+              </a:spcBef>
+              <a:spcAft>
+                <a:spcPct val="0"/>
+              </a:spcAft>
+              <a:defRPr>
+                <a:solidFill>
+                  <a:schemeClr val="tx1"/>
+                </a:solidFill>
+                <a:latin typeface="Calibri" panose="020F0502020204030204" pitchFamily="34" charset="0"/>
+              </a:defRPr>
+            </a:lvl9pPr>
+          </a:lstStyle>
+          <a:p>
+            <a:pPr algn="ctr" eaLnBrk="1" hangingPunct="1"/>
+            <a:r>
+              <a:rPr lang="en-US" altLang="en-US" sz="1200" dirty="0">
+                <a:solidFill>
+                  <a:srgbClr val="000000"/>
+                </a:solidFill>
+                <a:latin typeface="Arial" panose="020B0604020202020204" pitchFamily="34" charset="0"/>
+                <a:cs typeface="Arial" panose="020B0604020202020204" pitchFamily="34" charset="0"/>
+              </a:rPr>
+              <a:t>Users</a:t>
+            </a:r>
+          </a:p>
+        </p:txBody>
+      </p:sp>
+      <p:sp>
+        <p:nvSpPr>
+          <p:cNvPr id="78" name="TextBox 11">
+            <a:extLst>
+              <a:ext uri="{FF2B5EF4-FFF2-40B4-BE49-F238E27FC236}">
+                <a16:creationId xmlns:a16="http://schemas.microsoft.com/office/drawing/2014/main" id="{36999D58-3400-4A08-B600-FA8A8413B268}"/>
+              </a:ext>
+            </a:extLst>
+          </p:cNvPr>
+          <p:cNvSpPr txBox="1">
+            <a:spLocks noChangeArrowheads="1"/>
+          </p:cNvSpPr>
+          <p:nvPr/>
+        </p:nvSpPr>
+        <p:spPr bwMode="auto">
+          <a:xfrm>
+            <a:off x="9357879" y="6104523"/>
+            <a:ext cx="2292350" cy="276999"/>
+          </a:xfrm>
+          <a:prstGeom prst="rect">
+            <a:avLst/>
+          </a:prstGeom>
+          <a:noFill/>
+          <a:ln>
+            <a:noFill/>
+          </a:ln>
+          <a:extLst>
+            <a:ext uri="{909E8E84-426E-40DD-AFC4-6F175D3DCCD1}">
+              <a14:hiddenFill xmlns:a14="http://schemas.microsoft.com/office/drawing/2010/main">
+                <a:solidFill>
+                  <a:srgbClr val="FFFFFF"/>
+                </a:solidFill>
+              </a14:hiddenFill>
+            </a:ext>
+            <a:ext uri="{91240B29-F687-4F45-9708-019B960494DF}">
+              <a14:hiddenLine xmlns:a14="http://schemas.microsoft.com/office/drawing/2010/main" w="9525">
+                <a:solidFill>
+                  <a:srgbClr val="000000"/>
+                </a:solidFill>
+                <a:miter lim="800000"/>
+                <a:headEnd/>
+                <a:tailEnd/>
+              </a14:hiddenLine>
+            </a:ext>
+          </a:extLst>
+        </p:spPr>
+        <p:txBody>
+          <a:bodyPr>
+            <a:spAutoFit/>
+          </a:bodyPr>
+          <a:lstStyle>
+            <a:lvl1pPr>
+              <a:defRPr>
+                <a:solidFill>
+                  <a:schemeClr val="tx1"/>
+                </a:solidFill>
+                <a:latin typeface="Calibri" panose="020F0502020204030204" pitchFamily="34" charset="0"/>
+              </a:defRPr>
+            </a:lvl1pPr>
+            <a:lvl2pPr marL="742950" indent="-285750">
+              <a:defRPr>
+                <a:solidFill>
+                  <a:schemeClr val="tx1"/>
+                </a:solidFill>
+                <a:latin typeface="Calibri" panose="020F0502020204030204" pitchFamily="34" charset="0"/>
+              </a:defRPr>
+            </a:lvl2pPr>
+            <a:lvl3pPr marL="1143000" indent="-228600">
+              <a:defRPr>
+                <a:solidFill>
+                  <a:schemeClr val="tx1"/>
+                </a:solidFill>
+                <a:latin typeface="Calibri" panose="020F0502020204030204" pitchFamily="34" charset="0"/>
+              </a:defRPr>
+            </a:lvl3pPr>
+            <a:lvl4pPr marL="1600200" indent="-228600">
+              <a:defRPr>
+                <a:solidFill>
+                  <a:schemeClr val="tx1"/>
+                </a:solidFill>
+                <a:latin typeface="Calibri" panose="020F0502020204030204" pitchFamily="34" charset="0"/>
+              </a:defRPr>
+            </a:lvl4pPr>
+            <a:lvl5pPr marL="2057400" indent="-228600">
+              <a:defRPr>
+                <a:solidFill>
+                  <a:schemeClr val="tx1"/>
+                </a:solidFill>
+                <a:latin typeface="Calibri" panose="020F0502020204030204" pitchFamily="34" charset="0"/>
+              </a:defRPr>
+            </a:lvl5pPr>
+            <a:lvl6pPr marL="2514600" indent="-228600" eaLnBrk="0" fontAlgn="base" hangingPunct="0">
+              <a:spcBef>
+                <a:spcPct val="0"/>
+              </a:spcBef>
+              <a:spcAft>
+                <a:spcPct val="0"/>
+              </a:spcAft>
+              <a:defRPr>
+                <a:solidFill>
+                  <a:schemeClr val="tx1"/>
+                </a:solidFill>
+                <a:latin typeface="Calibri" panose="020F0502020204030204" pitchFamily="34" charset="0"/>
+              </a:defRPr>
+            </a:lvl6pPr>
+            <a:lvl7pPr marL="2971800" indent="-228600" eaLnBrk="0" fontAlgn="base" hangingPunct="0">
+              <a:spcBef>
+                <a:spcPct val="0"/>
+              </a:spcBef>
+              <a:spcAft>
+                <a:spcPct val="0"/>
+              </a:spcAft>
+              <a:defRPr>
+                <a:solidFill>
+                  <a:schemeClr val="tx1"/>
+                </a:solidFill>
+                <a:latin typeface="Calibri" panose="020F0502020204030204" pitchFamily="34" charset="0"/>
+              </a:defRPr>
+            </a:lvl7pPr>
+            <a:lvl8pPr marL="3429000" indent="-228600" eaLnBrk="0" fontAlgn="base" hangingPunct="0">
+              <a:spcBef>
+                <a:spcPct val="0"/>
+              </a:spcBef>
+              <a:spcAft>
+                <a:spcPct val="0"/>
+              </a:spcAft>
+              <a:defRPr>
+                <a:solidFill>
+                  <a:schemeClr val="tx1"/>
+                </a:solidFill>
+                <a:latin typeface="Calibri" panose="020F0502020204030204" pitchFamily="34" charset="0"/>
+              </a:defRPr>
+            </a:lvl8pPr>
+            <a:lvl9pPr marL="3886200" indent="-228600" eaLnBrk="0" fontAlgn="base" hangingPunct="0">
+              <a:spcBef>
+                <a:spcPct val="0"/>
+              </a:spcBef>
+              <a:spcAft>
+                <a:spcPct val="0"/>
+              </a:spcAft>
+              <a:defRPr>
+                <a:solidFill>
+                  <a:schemeClr val="tx1"/>
+                </a:solidFill>
+                <a:latin typeface="Calibri" panose="020F0502020204030204" pitchFamily="34" charset="0"/>
+              </a:defRPr>
+            </a:lvl9pPr>
+          </a:lstStyle>
+          <a:p>
+            <a:pPr algn="ctr" eaLnBrk="1" hangingPunct="1"/>
+            <a:r>
+              <a:rPr lang="en-US" altLang="en-US" sz="1200" dirty="0">
+                <a:latin typeface="Arial" panose="020B0604020202020204" pitchFamily="34" charset="0"/>
+                <a:ea typeface="Amazon Ember" panose="020B0603020204020204" pitchFamily="34" charset="0"/>
+                <a:cs typeface="Arial" panose="020B0604020202020204" pitchFamily="34" charset="0"/>
+              </a:rPr>
+              <a:t>Secrets Manager</a:t>
+            </a:r>
+          </a:p>
+        </p:txBody>
+      </p:sp>
+      <p:sp>
+        <p:nvSpPr>
+          <p:cNvPr id="84" name="TextBox 11">
+            <a:extLst>
+              <a:ext uri="{FF2B5EF4-FFF2-40B4-BE49-F238E27FC236}">
+                <a16:creationId xmlns:a16="http://schemas.microsoft.com/office/drawing/2014/main" id="{5C111E5A-3F99-43C8-9CCD-A6E7641B9B62}"/>
+              </a:ext>
+            </a:extLst>
+          </p:cNvPr>
+          <p:cNvSpPr txBox="1">
+            <a:spLocks noChangeArrowheads="1"/>
+          </p:cNvSpPr>
+          <p:nvPr/>
+        </p:nvSpPr>
+        <p:spPr bwMode="auto">
+          <a:xfrm>
+            <a:off x="9357879" y="5077715"/>
+            <a:ext cx="2292350" cy="276999"/>
+          </a:xfrm>
+          <a:prstGeom prst="rect">
+            <a:avLst/>
+          </a:prstGeom>
+          <a:noFill/>
+          <a:ln>
+            <a:noFill/>
+          </a:ln>
+          <a:extLst>
+            <a:ext uri="{909E8E84-426E-40DD-AFC4-6F175D3DCCD1}">
+              <a14:hiddenFill xmlns:a14="http://schemas.microsoft.com/office/drawing/2010/main">
+                <a:solidFill>
+                  <a:srgbClr val="FFFFFF"/>
+                </a:solidFill>
+              </a14:hiddenFill>
+            </a:ext>
+            <a:ext uri="{91240B29-F687-4F45-9708-019B960494DF}">
+              <a14:hiddenLine xmlns:a14="http://schemas.microsoft.com/office/drawing/2010/main" w="9525">
+                <a:solidFill>
+                  <a:srgbClr val="000000"/>
+                </a:solidFill>
+                <a:miter lim="800000"/>
+                <a:headEnd/>
+                <a:tailEnd/>
+              </a14:hiddenLine>
+            </a:ext>
+          </a:extLst>
+        </p:spPr>
+        <p:txBody>
+          <a:bodyPr>
+            <a:spAutoFit/>
+          </a:bodyPr>
+          <a:lstStyle>
+            <a:lvl1pPr>
+              <a:defRPr>
+                <a:solidFill>
+                  <a:schemeClr val="tx1"/>
+                </a:solidFill>
+                <a:latin typeface="Calibri" panose="020F0502020204030204" pitchFamily="34" charset="0"/>
+              </a:defRPr>
+            </a:lvl1pPr>
+            <a:lvl2pPr marL="742950" indent="-285750">
+              <a:defRPr>
+                <a:solidFill>
+                  <a:schemeClr val="tx1"/>
+                </a:solidFill>
+                <a:latin typeface="Calibri" panose="020F0502020204030204" pitchFamily="34" charset="0"/>
+              </a:defRPr>
+            </a:lvl2pPr>
+            <a:lvl3pPr marL="1143000" indent="-228600">
+              <a:defRPr>
+                <a:solidFill>
+                  <a:schemeClr val="tx1"/>
+                </a:solidFill>
+                <a:latin typeface="Calibri" panose="020F0502020204030204" pitchFamily="34" charset="0"/>
+              </a:defRPr>
+            </a:lvl3pPr>
+            <a:lvl4pPr marL="1600200" indent="-228600">
+              <a:defRPr>
+                <a:solidFill>
+                  <a:schemeClr val="tx1"/>
+                </a:solidFill>
+                <a:latin typeface="Calibri" panose="020F0502020204030204" pitchFamily="34" charset="0"/>
+              </a:defRPr>
+            </a:lvl4pPr>
+            <a:lvl5pPr marL="2057400" indent="-228600">
+              <a:defRPr>
+                <a:solidFill>
+                  <a:schemeClr val="tx1"/>
+                </a:solidFill>
+                <a:latin typeface="Calibri" panose="020F0502020204030204" pitchFamily="34" charset="0"/>
+              </a:defRPr>
+            </a:lvl5pPr>
+            <a:lvl6pPr marL="2514600" indent="-228600" eaLnBrk="0" fontAlgn="base" hangingPunct="0">
+              <a:spcBef>
+                <a:spcPct val="0"/>
+              </a:spcBef>
+              <a:spcAft>
+                <a:spcPct val="0"/>
+              </a:spcAft>
+              <a:defRPr>
+                <a:solidFill>
+                  <a:schemeClr val="tx1"/>
+                </a:solidFill>
+                <a:latin typeface="Calibri" panose="020F0502020204030204" pitchFamily="34" charset="0"/>
+              </a:defRPr>
+            </a:lvl6pPr>
+            <a:lvl7pPr marL="2971800" indent="-228600" eaLnBrk="0" fontAlgn="base" hangingPunct="0">
+              <a:spcBef>
+                <a:spcPct val="0"/>
+              </a:spcBef>
+              <a:spcAft>
+                <a:spcPct val="0"/>
+              </a:spcAft>
+              <a:defRPr>
+                <a:solidFill>
+                  <a:schemeClr val="tx1"/>
+                </a:solidFill>
+                <a:latin typeface="Calibri" panose="020F0502020204030204" pitchFamily="34" charset="0"/>
+              </a:defRPr>
+            </a:lvl7pPr>
+            <a:lvl8pPr marL="3429000" indent="-228600" eaLnBrk="0" fontAlgn="base" hangingPunct="0">
+              <a:spcBef>
+                <a:spcPct val="0"/>
+              </a:spcBef>
+              <a:spcAft>
+                <a:spcPct val="0"/>
+              </a:spcAft>
+              <a:defRPr>
+                <a:solidFill>
+                  <a:schemeClr val="tx1"/>
+                </a:solidFill>
+                <a:latin typeface="Calibri" panose="020F0502020204030204" pitchFamily="34" charset="0"/>
+              </a:defRPr>
+            </a:lvl8pPr>
+            <a:lvl9pPr marL="3886200" indent="-228600" eaLnBrk="0" fontAlgn="base" hangingPunct="0">
+              <a:spcBef>
+                <a:spcPct val="0"/>
+              </a:spcBef>
+              <a:spcAft>
+                <a:spcPct val="0"/>
+              </a:spcAft>
+              <a:defRPr>
+                <a:solidFill>
+                  <a:schemeClr val="tx1"/>
+                </a:solidFill>
+                <a:latin typeface="Calibri" panose="020F0502020204030204" pitchFamily="34" charset="0"/>
+              </a:defRPr>
+            </a:lvl9pPr>
+          </a:lstStyle>
+          <a:p>
+            <a:pPr algn="ctr" eaLnBrk="1" hangingPunct="1"/>
+            <a:r>
+              <a:rPr lang="en-US" altLang="en-US" sz="1200" dirty="0">
+                <a:latin typeface="Arial" panose="020B0604020202020204" pitchFamily="34" charset="0"/>
+                <a:ea typeface="Amazon Ember" panose="020B0603020204020204" pitchFamily="34" charset="0"/>
+                <a:cs typeface="Arial" panose="020B0604020202020204" pitchFamily="34" charset="0"/>
+              </a:rPr>
+              <a:t>ACM</a:t>
+            </a:r>
+          </a:p>
+        </p:txBody>
+      </p:sp>
+      <p:pic>
+        <p:nvPicPr>
+          <p:cNvPr id="77" name="Graphic 17">
+            <a:extLst>
+              <a:ext uri="{FF2B5EF4-FFF2-40B4-BE49-F238E27FC236}">
+                <a16:creationId xmlns:a16="http://schemas.microsoft.com/office/drawing/2014/main" id="{D5F3ACC7-4C5D-45AC-A413-9111B72A74FE}"/>
+              </a:ext>
+            </a:extLst>
+          </p:cNvPr>
+          <p:cNvPicPr>
+            <a:picLocks noChangeAspect="1" noChangeArrowheads="1"/>
+          </p:cNvPicPr>
+          <p:nvPr/>
+        </p:nvPicPr>
+        <p:blipFill>
+          <a:blip r:embed="rId23">
+            <a:extLst>
+              <a:ext uri="{28A0092B-C50C-407E-A947-70E740481C1C}">
+                <a14:useLocalDpi xmlns:a14="http://schemas.microsoft.com/office/drawing/2010/main" val="0"/>
+              </a:ext>
+            </a:extLst>
+          </a:blip>
+          <a:srcRect/>
+          <a:stretch>
+            <a:fillRect/>
+          </a:stretch>
+        </p:blipFill>
+        <p:spPr bwMode="auto">
+          <a:xfrm>
+            <a:off x="10161154" y="5404720"/>
+            <a:ext cx="685800" cy="685800"/>
+          </a:xfrm>
+          <a:prstGeom prst="rect">
+            <a:avLst/>
+          </a:prstGeom>
+          <a:noFill/>
+          <a:ln>
+            <a:noFill/>
+          </a:ln>
+          <a:extLst>
+            <a:ext uri="{909E8E84-426E-40DD-AFC4-6F175D3DCCD1}">
+              <a14:hiddenFill xmlns:a14="http://schemas.microsoft.com/office/drawing/2010/main">
+                <a:solidFill>
+                  <a:srgbClr val="FFFFFF"/>
+                </a:solidFill>
+              </a14:hiddenFill>
+            </a:ext>
+            <a:ext uri="{91240B29-F687-4F45-9708-019B960494DF}">
+              <a14:hiddenLine xmlns:a14="http://schemas.microsoft.com/office/drawing/2010/main" w="9525">
+                <a:solidFill>
+                  <a:srgbClr val="000000"/>
+                </a:solidFill>
+                <a:miter lim="800000"/>
+                <a:headEnd/>
+                <a:tailEnd/>
+              </a14:hiddenLine>
+            </a:ext>
+          </a:extLst>
+        </p:spPr>
+      </p:pic>
+      <p:pic>
+        <p:nvPicPr>
+          <p:cNvPr id="87" name="Graphic 20">
+            <a:extLst>
+              <a:ext uri="{FF2B5EF4-FFF2-40B4-BE49-F238E27FC236}">
+                <a16:creationId xmlns:a16="http://schemas.microsoft.com/office/drawing/2014/main" id="{DBAAAE25-64B0-4520-97A5-1A08B4E0444E}"/>
+              </a:ext>
+            </a:extLst>
+          </p:cNvPr>
+          <p:cNvPicPr>
+            <a:picLocks noChangeAspect="1" noChangeArrowheads="1"/>
+          </p:cNvPicPr>
+          <p:nvPr/>
+        </p:nvPicPr>
+        <p:blipFill>
+          <a:blip r:embed="rId24">
+            <a:extLst>
+              <a:ext uri="{28A0092B-C50C-407E-A947-70E740481C1C}">
+                <a14:useLocalDpi xmlns:a14="http://schemas.microsoft.com/office/drawing/2010/main" val="0"/>
+              </a:ext>
+            </a:extLst>
+          </a:blip>
+          <a:srcRect/>
+          <a:stretch>
+            <a:fillRect/>
+          </a:stretch>
+        </p:blipFill>
+        <p:spPr bwMode="auto">
+          <a:xfrm>
+            <a:off x="10161154" y="4377912"/>
+            <a:ext cx="685800" cy="685800"/>
+          </a:xfrm>
+          <a:prstGeom prst="rect">
+            <a:avLst/>
+          </a:prstGeom>
+          <a:noFill/>
+          <a:ln>
+            <a:noFill/>
+          </a:ln>
+          <a:extLst>
+            <a:ext uri="{909E8E84-426E-40DD-AFC4-6F175D3DCCD1}">
+              <a14:hiddenFill xmlns:a14="http://schemas.microsoft.com/office/drawing/2010/main">
+                <a:solidFill>
+                  <a:srgbClr val="FFFFFF"/>
+                </a:solidFill>
+              </a14:hiddenFill>
+            </a:ext>
+            <a:ext uri="{91240B29-F687-4F45-9708-019B960494DF}">
+              <a14:hiddenLine xmlns:a14="http://schemas.microsoft.com/office/drawing/2010/main" w="9525">
+                <a:solidFill>
+                  <a:srgbClr val="000000"/>
+                </a:solidFill>
+                <a:miter lim="800000"/>
+                <a:headEnd/>
+                <a:tailEnd/>
+              </a14:hiddenLine>
+            </a:ext>
+          </a:extLst>
+        </p:spPr>
+      </p:pic>
+      <p:sp>
+        <p:nvSpPr>
+          <p:cNvPr id="71" name="TextBox 21">
+            <a:extLst>
+              <a:ext uri="{FF2B5EF4-FFF2-40B4-BE49-F238E27FC236}">
+                <a16:creationId xmlns:a16="http://schemas.microsoft.com/office/drawing/2014/main" id="{67790BF6-D675-44D0-BEB5-34CABB0B736B}"/>
+              </a:ext>
+            </a:extLst>
+          </p:cNvPr>
+          <p:cNvSpPr txBox="1">
+            <a:spLocks noChangeArrowheads="1"/>
+          </p:cNvSpPr>
+          <p:nvPr/>
+        </p:nvSpPr>
+        <p:spPr bwMode="auto">
+          <a:xfrm>
+            <a:off x="9748404" y="7070903"/>
+            <a:ext cx="1511300" cy="461665"/>
+          </a:xfrm>
+          <a:prstGeom prst="rect">
+            <a:avLst/>
+          </a:prstGeom>
+          <a:noFill/>
+          <a:ln>
+            <a:noFill/>
+          </a:ln>
+          <a:extLst>
+            <a:ext uri="{909E8E84-426E-40DD-AFC4-6F175D3DCCD1}">
+              <a14:hiddenFill xmlns:a14="http://schemas.microsoft.com/office/drawing/2010/main">
+                <a:solidFill>
+                  <a:srgbClr val="FFFFFF"/>
+                </a:solidFill>
+              </a14:hiddenFill>
+            </a:ext>
+            <a:ext uri="{91240B29-F687-4F45-9708-019B960494DF}">
+              <a14:hiddenLine xmlns:a14="http://schemas.microsoft.com/office/drawing/2010/main" w="9525">
+                <a:solidFill>
+                  <a:srgbClr val="000000"/>
+                </a:solidFill>
+                <a:miter lim="800000"/>
+                <a:headEnd/>
+                <a:tailEnd/>
+              </a14:hiddenLine>
+            </a:ext>
+          </a:extLst>
+        </p:spPr>
+        <p:txBody>
+          <a:bodyPr>
+            <a:spAutoFit/>
+          </a:bodyPr>
+          <a:lstStyle>
+            <a:lvl1pPr>
+              <a:defRPr>
+                <a:solidFill>
+                  <a:schemeClr val="tx1"/>
+                </a:solidFill>
+                <a:latin typeface="Calibri" panose="020F0502020204030204" pitchFamily="34" charset="0"/>
+              </a:defRPr>
+            </a:lvl1pPr>
+            <a:lvl2pPr marL="742950" indent="-285750">
+              <a:defRPr>
+                <a:solidFill>
+                  <a:schemeClr val="tx1"/>
+                </a:solidFill>
+                <a:latin typeface="Calibri" panose="020F0502020204030204" pitchFamily="34" charset="0"/>
+              </a:defRPr>
+            </a:lvl2pPr>
+            <a:lvl3pPr marL="1143000" indent="-228600">
+              <a:defRPr>
+                <a:solidFill>
+                  <a:schemeClr val="tx1"/>
+                </a:solidFill>
+                <a:latin typeface="Calibri" panose="020F0502020204030204" pitchFamily="34" charset="0"/>
+              </a:defRPr>
+            </a:lvl3pPr>
+            <a:lvl4pPr marL="1600200" indent="-228600">
+              <a:defRPr>
+                <a:solidFill>
+                  <a:schemeClr val="tx1"/>
+                </a:solidFill>
+                <a:latin typeface="Calibri" panose="020F0502020204030204" pitchFamily="34" charset="0"/>
+              </a:defRPr>
+            </a:lvl4pPr>
+            <a:lvl5pPr marL="2057400" indent="-228600">
+              <a:defRPr>
+                <a:solidFill>
+                  <a:schemeClr val="tx1"/>
+                </a:solidFill>
+                <a:latin typeface="Calibri" panose="020F0502020204030204" pitchFamily="34" charset="0"/>
+              </a:defRPr>
+            </a:lvl5pPr>
+            <a:lvl6pPr marL="2514600" indent="-228600" eaLnBrk="0" fontAlgn="base" hangingPunct="0">
+              <a:spcBef>
+                <a:spcPct val="0"/>
+              </a:spcBef>
+              <a:spcAft>
+                <a:spcPct val="0"/>
+              </a:spcAft>
+              <a:defRPr>
+                <a:solidFill>
+                  <a:schemeClr val="tx1"/>
+                </a:solidFill>
+                <a:latin typeface="Calibri" panose="020F0502020204030204" pitchFamily="34" charset="0"/>
+              </a:defRPr>
+            </a:lvl6pPr>
+            <a:lvl7pPr marL="2971800" indent="-228600" eaLnBrk="0" fontAlgn="base" hangingPunct="0">
+              <a:spcBef>
+                <a:spcPct val="0"/>
+              </a:spcBef>
+              <a:spcAft>
+                <a:spcPct val="0"/>
+              </a:spcAft>
+              <a:defRPr>
+                <a:solidFill>
+                  <a:schemeClr val="tx1"/>
+                </a:solidFill>
+                <a:latin typeface="Calibri" panose="020F0502020204030204" pitchFamily="34" charset="0"/>
+              </a:defRPr>
+            </a:lvl7pPr>
+            <a:lvl8pPr marL="3429000" indent="-228600" eaLnBrk="0" fontAlgn="base" hangingPunct="0">
+              <a:spcBef>
+                <a:spcPct val="0"/>
+              </a:spcBef>
+              <a:spcAft>
+                <a:spcPct val="0"/>
+              </a:spcAft>
+              <a:defRPr>
+                <a:solidFill>
+                  <a:schemeClr val="tx1"/>
+                </a:solidFill>
+                <a:latin typeface="Calibri" panose="020F0502020204030204" pitchFamily="34" charset="0"/>
+              </a:defRPr>
+            </a:lvl8pPr>
+            <a:lvl9pPr marL="3886200" indent="-228600" eaLnBrk="0" fontAlgn="base" hangingPunct="0">
+              <a:spcBef>
+                <a:spcPct val="0"/>
+              </a:spcBef>
+              <a:spcAft>
+                <a:spcPct val="0"/>
+              </a:spcAft>
+              <a:defRPr>
+                <a:solidFill>
+                  <a:schemeClr val="tx1"/>
+                </a:solidFill>
+                <a:latin typeface="Calibri" panose="020F0502020204030204" pitchFamily="34" charset="0"/>
+              </a:defRPr>
+            </a:lvl9pPr>
+          </a:lstStyle>
+          <a:p>
+            <a:pPr algn="ctr" eaLnBrk="1" hangingPunct="1"/>
+            <a:r>
+              <a:rPr lang="en-US" altLang="en-US" sz="1200" dirty="0">
+                <a:latin typeface="Arial" panose="020B0604020202020204" pitchFamily="34" charset="0"/>
+                <a:ea typeface="Amazon Ember" panose="020B0603020204020204" pitchFamily="34" charset="0"/>
+                <a:cs typeface="Arial" panose="020B0604020202020204" pitchFamily="34" charset="0"/>
+              </a:rPr>
+              <a:t>Amazon Aurora instance</a:t>
+            </a:r>
+          </a:p>
+        </p:txBody>
+      </p:sp>
+      <p:pic>
+        <p:nvPicPr>
+          <p:cNvPr id="72" name="Graphic 23">
+            <a:extLst>
+              <a:ext uri="{FF2B5EF4-FFF2-40B4-BE49-F238E27FC236}">
+                <a16:creationId xmlns:a16="http://schemas.microsoft.com/office/drawing/2014/main" id="{F80E6585-0443-4458-8224-08143C85AC9E}"/>
+              </a:ext>
+            </a:extLst>
+          </p:cNvPr>
+          <p:cNvPicPr>
+            <a:picLocks noChangeAspect="1" noChangeArrowheads="1"/>
+          </p:cNvPicPr>
+          <p:nvPr/>
+        </p:nvPicPr>
+        <p:blipFill>
+          <a:blip r:embed="rId25">
+            <a:extLst>
+              <a:ext uri="{28A0092B-C50C-407E-A947-70E740481C1C}">
+                <a14:useLocalDpi xmlns:a14="http://schemas.microsoft.com/office/drawing/2010/main" val="0"/>
+              </a:ext>
+            </a:extLst>
+          </a:blip>
+          <a:srcRect/>
+          <a:stretch>
+            <a:fillRect/>
+          </a:stretch>
+        </p:blipFill>
+        <p:spPr bwMode="auto">
+          <a:xfrm>
+            <a:off x="10275454" y="6613703"/>
+            <a:ext cx="457200" cy="457200"/>
+          </a:xfrm>
+          <a:prstGeom prst="rect">
+            <a:avLst/>
+          </a:prstGeom>
+          <a:noFill/>
+          <a:ln>
+            <a:noFill/>
+          </a:ln>
+          <a:extLst>
+            <a:ext uri="{909E8E84-426E-40DD-AFC4-6F175D3DCCD1}">
+              <a14:hiddenFill xmlns:a14="http://schemas.microsoft.com/office/drawing/2010/main">
+                <a:solidFill>
+                  <a:srgbClr val="FFFFFF"/>
+                </a:solidFill>
+              </a14:hiddenFill>
+            </a:ext>
+            <a:ext uri="{91240B29-F687-4F45-9708-019B960494DF}">
+              <a14:hiddenLine xmlns:a14="http://schemas.microsoft.com/office/drawing/2010/main" w="9525">
+                <a:solidFill>
+                  <a:srgbClr val="000000"/>
+                </a:solidFill>
+                <a:miter lim="800000"/>
+                <a:headEnd/>
+                <a:tailEnd/>
+              </a14:hiddenLine>
+            </a:ext>
+          </a:extLst>
+        </p:spPr>
+      </p:pic>
+      <p:sp>
+        <p:nvSpPr>
+          <p:cNvPr id="73" name="TextBox 23">
+            <a:extLst>
+              <a:ext uri="{FF2B5EF4-FFF2-40B4-BE49-F238E27FC236}">
+                <a16:creationId xmlns:a16="http://schemas.microsoft.com/office/drawing/2014/main" id="{4968B194-F804-4FB7-8B48-BA5D012BA659}"/>
+              </a:ext>
+            </a:extLst>
+          </p:cNvPr>
+          <p:cNvSpPr txBox="1">
+            <a:spLocks noChangeArrowheads="1"/>
+          </p:cNvSpPr>
+          <p:nvPr/>
+        </p:nvSpPr>
+        <p:spPr bwMode="auto">
+          <a:xfrm>
+            <a:off x="9930965" y="8096979"/>
+            <a:ext cx="1146178" cy="276999"/>
+          </a:xfrm>
+          <a:prstGeom prst="rect">
+            <a:avLst/>
+          </a:prstGeom>
+          <a:noFill/>
+          <a:ln>
+            <a:noFill/>
+          </a:ln>
+          <a:extLst>
+            <a:ext uri="{909E8E84-426E-40DD-AFC4-6F175D3DCCD1}">
+              <a14:hiddenFill xmlns:a14="http://schemas.microsoft.com/office/drawing/2010/main">
+                <a:solidFill>
+                  <a:srgbClr val="FFFFFF"/>
+                </a:solidFill>
+              </a14:hiddenFill>
+            </a:ext>
+            <a:ext uri="{91240B29-F687-4F45-9708-019B960494DF}">
+              <a14:hiddenLine xmlns:a14="http://schemas.microsoft.com/office/drawing/2010/main" w="9525">
+                <a:solidFill>
+                  <a:srgbClr val="000000"/>
+                </a:solidFill>
+                <a:miter lim="800000"/>
+                <a:headEnd/>
+                <a:tailEnd/>
+              </a14:hiddenLine>
+            </a:ext>
+          </a:extLst>
+        </p:spPr>
+        <p:txBody>
+          <a:bodyPr wrap="square">
+            <a:spAutoFit/>
+          </a:bodyPr>
+          <a:lstStyle>
+            <a:lvl1pPr>
+              <a:defRPr>
+                <a:solidFill>
+                  <a:schemeClr val="tx1"/>
+                </a:solidFill>
+                <a:latin typeface="Calibri" panose="020F0502020204030204" pitchFamily="34" charset="0"/>
+              </a:defRPr>
+            </a:lvl1pPr>
+            <a:lvl2pPr marL="742950" indent="-285750">
+              <a:defRPr>
+                <a:solidFill>
+                  <a:schemeClr val="tx1"/>
+                </a:solidFill>
+                <a:latin typeface="Calibri" panose="020F0502020204030204" pitchFamily="34" charset="0"/>
+              </a:defRPr>
+            </a:lvl2pPr>
+            <a:lvl3pPr marL="1143000" indent="-228600">
+              <a:defRPr>
+                <a:solidFill>
+                  <a:schemeClr val="tx1"/>
+                </a:solidFill>
+                <a:latin typeface="Calibri" panose="020F0502020204030204" pitchFamily="34" charset="0"/>
+              </a:defRPr>
+            </a:lvl3pPr>
+            <a:lvl4pPr marL="1600200" indent="-228600">
+              <a:defRPr>
+                <a:solidFill>
+                  <a:schemeClr val="tx1"/>
+                </a:solidFill>
+                <a:latin typeface="Calibri" panose="020F0502020204030204" pitchFamily="34" charset="0"/>
+              </a:defRPr>
+            </a:lvl4pPr>
+            <a:lvl5pPr marL="2057400" indent="-228600">
+              <a:defRPr>
+                <a:solidFill>
+                  <a:schemeClr val="tx1"/>
+                </a:solidFill>
+                <a:latin typeface="Calibri" panose="020F0502020204030204" pitchFamily="34" charset="0"/>
+              </a:defRPr>
+            </a:lvl5pPr>
+            <a:lvl6pPr marL="2514600" indent="-228600" eaLnBrk="0" fontAlgn="base" hangingPunct="0">
+              <a:spcBef>
+                <a:spcPct val="0"/>
+              </a:spcBef>
+              <a:spcAft>
+                <a:spcPct val="0"/>
+              </a:spcAft>
+              <a:defRPr>
+                <a:solidFill>
+                  <a:schemeClr val="tx1"/>
+                </a:solidFill>
+                <a:latin typeface="Calibri" panose="020F0502020204030204" pitchFamily="34" charset="0"/>
+              </a:defRPr>
+            </a:lvl6pPr>
+            <a:lvl7pPr marL="2971800" indent="-228600" eaLnBrk="0" fontAlgn="base" hangingPunct="0">
+              <a:spcBef>
+                <a:spcPct val="0"/>
+              </a:spcBef>
+              <a:spcAft>
+                <a:spcPct val="0"/>
+              </a:spcAft>
+              <a:defRPr>
+                <a:solidFill>
+                  <a:schemeClr val="tx1"/>
+                </a:solidFill>
+                <a:latin typeface="Calibri" panose="020F0502020204030204" pitchFamily="34" charset="0"/>
+              </a:defRPr>
+            </a:lvl7pPr>
+            <a:lvl8pPr marL="3429000" indent="-228600" eaLnBrk="0" fontAlgn="base" hangingPunct="0">
+              <a:spcBef>
+                <a:spcPct val="0"/>
+              </a:spcBef>
+              <a:spcAft>
+                <a:spcPct val="0"/>
+              </a:spcAft>
+              <a:defRPr>
+                <a:solidFill>
+                  <a:schemeClr val="tx1"/>
+                </a:solidFill>
+                <a:latin typeface="Calibri" panose="020F0502020204030204" pitchFamily="34" charset="0"/>
+              </a:defRPr>
+            </a:lvl8pPr>
+            <a:lvl9pPr marL="3886200" indent="-228600" eaLnBrk="0" fontAlgn="base" hangingPunct="0">
+              <a:spcBef>
+                <a:spcPct val="0"/>
+              </a:spcBef>
+              <a:spcAft>
+                <a:spcPct val="0"/>
+              </a:spcAft>
+              <a:defRPr>
+                <a:solidFill>
+                  <a:schemeClr val="tx1"/>
+                </a:solidFill>
+                <a:latin typeface="Calibri" panose="020F0502020204030204" pitchFamily="34" charset="0"/>
+              </a:defRPr>
+            </a:lvl9pPr>
+          </a:lstStyle>
+          <a:p>
+            <a:pPr algn="ctr" eaLnBrk="1" hangingPunct="1"/>
+            <a:r>
+              <a:rPr lang="en-US" altLang="en-US" sz="1200" dirty="0">
+                <a:latin typeface="Arial" panose="020B0604020202020204" pitchFamily="34" charset="0"/>
+                <a:ea typeface="Amazon Ember" panose="020B0603020204020204" pitchFamily="34" charset="0"/>
+                <a:cs typeface="Arial" panose="020B0604020202020204" pitchFamily="34" charset="0"/>
+              </a:rPr>
+              <a:t>File system</a:t>
+            </a:r>
+          </a:p>
+        </p:txBody>
+      </p:sp>
+      <p:pic>
+        <p:nvPicPr>
+          <p:cNvPr id="81" name="Graphic 27">
+            <a:extLst>
+              <a:ext uri="{FF2B5EF4-FFF2-40B4-BE49-F238E27FC236}">
+                <a16:creationId xmlns:a16="http://schemas.microsoft.com/office/drawing/2014/main" id="{B4BD885D-ADF1-4486-9688-F55E77AE660E}"/>
+              </a:ext>
+            </a:extLst>
+          </p:cNvPr>
+          <p:cNvPicPr>
+            <a:picLocks noChangeAspect="1" noChangeArrowheads="1"/>
+          </p:cNvPicPr>
+          <p:nvPr/>
+        </p:nvPicPr>
+        <p:blipFill>
+          <a:blip r:embed="rId26">
+            <a:extLst>
+              <a:ext uri="{96DAC541-7B7A-43D3-8B79-37D633B846F1}">
+                <asvg:svgBlip xmlns:asvg="http://schemas.microsoft.com/office/drawing/2016/SVG/main" r:embed="rId27"/>
+              </a:ext>
+            </a:extLst>
+          </a:blip>
+          <a:srcRect/>
+          <a:stretch/>
+        </p:blipFill>
+        <p:spPr bwMode="auto">
+          <a:xfrm>
+            <a:off x="10275454" y="7582009"/>
+            <a:ext cx="457200" cy="457200"/>
+          </a:xfrm>
+          <a:prstGeom prst="rect">
+            <a:avLst/>
+          </a:prstGeom>
+          <a:noFill/>
+          <a:ln>
+            <a:noFill/>
+          </a:ln>
+          <a:extLst>
+            <a:ext uri="{909E8E84-426E-40DD-AFC4-6F175D3DCCD1}">
+              <a14:hiddenFill xmlns:a14="http://schemas.microsoft.com/office/drawing/2010/main">
+                <a:solidFill>
+                  <a:srgbClr val="FFFFFF"/>
+                </a:solidFill>
+              </a14:hiddenFill>
+            </a:ext>
+            <a:ext uri="{91240B29-F687-4F45-9708-019B960494DF}">
+              <a14:hiddenLine xmlns:a14="http://schemas.microsoft.com/office/drawing/2010/main" w="9525">
+                <a:solidFill>
+                  <a:srgbClr val="000000"/>
+                </a:solidFill>
+                <a:miter lim="800000"/>
+                <a:headEnd/>
+                <a:tailEnd/>
+              </a14:hiddenLine>
+            </a:ext>
+          </a:extLst>
+        </p:spPr>
+      </p:pic>
+      <p:cxnSp>
+        <p:nvCxnSpPr>
+          <p:cNvPr id="86" name="Elbow Connector 11">
+            <a:extLst>
+              <a:ext uri="{FF2B5EF4-FFF2-40B4-BE49-F238E27FC236}">
+                <a16:creationId xmlns:a16="http://schemas.microsoft.com/office/drawing/2014/main" id="{B6E71E3D-C3D6-4124-A3A9-790B6DABE99E}"/>
+              </a:ext>
+            </a:extLst>
+          </p:cNvPr>
+          <p:cNvCxnSpPr>
+            <a:cxnSpLocks/>
+            <a:endCxn id="72" idx="1"/>
+          </p:cNvCxnSpPr>
+          <p:nvPr/>
+        </p:nvCxnSpPr>
+        <p:spPr>
+          <a:xfrm flipV="1">
+            <a:off x="8635500" y="6842303"/>
+            <a:ext cx="1639954" cy="347472"/>
+          </a:xfrm>
+          <a:prstGeom prst="bentConnector3">
+            <a:avLst>
+              <a:gd name="adj1" fmla="val 50000"/>
+            </a:avLst>
+          </a:prstGeom>
+          <a:ln w="12700">
+            <a:solidFill>
+              <a:srgbClr val="545B64"/>
+            </a:solidFill>
+            <a:headEnd type="none" w="med" len="sm"/>
+            <a:tailEnd type="arrow" w="med" len="sm"/>
+          </a:ln>
+        </p:spPr>
+        <p:style>
+          <a:lnRef idx="1">
+            <a:schemeClr val="accent1"/>
+          </a:lnRef>
+          <a:fillRef idx="0">
+            <a:schemeClr val="accent1"/>
+          </a:fillRef>
+          <a:effectRef idx="0">
+            <a:schemeClr val="accent1"/>
+          </a:effectRef>
+          <a:fontRef idx="minor">
+            <a:schemeClr val="tx1"/>
+          </a:fontRef>
+        </p:style>
+      </p:cxnSp>
+      <p:cxnSp>
+        <p:nvCxnSpPr>
+          <p:cNvPr id="88" name="Elbow Connector 11">
+            <a:extLst>
+              <a:ext uri="{FF2B5EF4-FFF2-40B4-BE49-F238E27FC236}">
+                <a16:creationId xmlns:a16="http://schemas.microsoft.com/office/drawing/2014/main" id="{BBE47D0E-0FDB-4957-BE7C-5C2A7554241F}"/>
+              </a:ext>
+            </a:extLst>
+          </p:cNvPr>
+          <p:cNvCxnSpPr>
+            <a:cxnSpLocks/>
+            <a:endCxn id="81" idx="1"/>
+          </p:cNvCxnSpPr>
+          <p:nvPr/>
+        </p:nvCxnSpPr>
+        <p:spPr>
+          <a:xfrm>
+            <a:off x="8635498" y="7464986"/>
+            <a:ext cx="1639956" cy="345623"/>
+          </a:xfrm>
+          <a:prstGeom prst="bentConnector3">
+            <a:avLst>
+              <a:gd name="adj1" fmla="val 50000"/>
+            </a:avLst>
+          </a:prstGeom>
+          <a:ln w="12700">
+            <a:solidFill>
+              <a:srgbClr val="545B64"/>
+            </a:solidFill>
+            <a:headEnd type="none" w="med" len="sm"/>
+            <a:tailEnd type="arrow" w="med" len="sm"/>
+          </a:ln>
+        </p:spPr>
+        <p:style>
+          <a:lnRef idx="1">
+            <a:schemeClr val="accent1"/>
+          </a:lnRef>
+          <a:fillRef idx="0">
+            <a:schemeClr val="accent1"/>
+          </a:fillRef>
+          <a:effectRef idx="0">
+            <a:schemeClr val="accent1"/>
+          </a:effectRef>
+          <a:fontRef idx="minor">
+            <a:schemeClr val="tx1"/>
+          </a:fontRef>
+        </p:style>
+      </p:cxnSp>
+    </p:spTree>
+    <p:extLst>
+      <p:ext uri="{BB962C8B-B14F-4D97-AF65-F5344CB8AC3E}">
+        <p14:creationId xmlns:p14="http://schemas.microsoft.com/office/powerpoint/2010/main" val="3148834036"/>
       </p:ext>
     </p:extLst>
   </p:cSld>
